--- a/EC504Project2.pptx
+++ b/EC504Project2.pptx
@@ -8,8 +8,10 @@
     <p:sldId id="256" r:id="rId2"/>
     <p:sldId id="257" r:id="rId3"/>
     <p:sldId id="258" r:id="rId4"/>
-    <p:sldId id="259" r:id="rId5"/>
-    <p:sldId id="260" r:id="rId6"/>
+    <p:sldId id="262" r:id="rId5"/>
+    <p:sldId id="261" r:id="rId6"/>
+    <p:sldId id="259" r:id="rId7"/>
+    <p:sldId id="260" r:id="rId8"/>
   </p:sldIdLst>
   <p:sldSz cx="12192000" cy="6858000"/>
   <p:notesSz cx="6858000" cy="9144000"/>
@@ -286,7 +288,7 @@
           <a:p>
             <a:fld id="{48A87A34-81AB-432B-8DAE-1953F412C126}" type="datetimeFigureOut">
               <a:rPr lang="en-US" dirty="0"/>
-              <a:t>12/7/2020</a:t>
+              <a:t>12/8/2020</a:t>
             </a:fld>
             <a:endParaRPr lang="en-US" dirty="0"/>
           </a:p>
@@ -548,7 +550,7 @@
           <a:p>
             <a:fld id="{48A87A34-81AB-432B-8DAE-1953F412C126}" type="datetimeFigureOut">
               <a:rPr lang="en-US" dirty="0"/>
-              <a:t>12/7/2020</a:t>
+              <a:t>12/8/2020</a:t>
             </a:fld>
             <a:endParaRPr lang="en-US" dirty="0"/>
           </a:p>
@@ -775,7 +777,7 @@
             <a:fld id="{48A87A34-81AB-432B-8DAE-1953F412C126}" type="datetimeFigureOut">
               <a:rPr lang="en-US" dirty="0"/>
               <a:pPr/>
-              <a:t>12/7/2020</a:t>
+              <a:t>12/8/2020</a:t>
             </a:fld>
             <a:endParaRPr lang="en-US" dirty="0"/>
           </a:p>
@@ -1081,7 +1083,7 @@
             <a:fld id="{48A87A34-81AB-432B-8DAE-1953F412C126}" type="datetimeFigureOut">
               <a:rPr lang="en-US" dirty="0"/>
               <a:pPr/>
-              <a:t>12/7/2020</a:t>
+              <a:t>12/8/2020</a:t>
             </a:fld>
             <a:endParaRPr lang="en-US" dirty="0"/>
           </a:p>
@@ -1550,7 +1552,7 @@
             <a:fld id="{48A87A34-81AB-432B-8DAE-1953F412C126}" type="datetimeFigureOut">
               <a:rPr lang="en-US" dirty="0"/>
               <a:pPr/>
-              <a:t>12/7/2020</a:t>
+              <a:t>12/8/2020</a:t>
             </a:fld>
             <a:endParaRPr lang="en-US" dirty="0"/>
           </a:p>
@@ -2092,7 +2094,7 @@
           <a:p>
             <a:fld id="{48A87A34-81AB-432B-8DAE-1953F412C126}" type="datetimeFigureOut">
               <a:rPr lang="en-US" dirty="0"/>
-              <a:t>12/7/2020</a:t>
+              <a:t>12/8/2020</a:t>
             </a:fld>
             <a:endParaRPr lang="en-US" dirty="0"/>
           </a:p>
@@ -2861,7 +2863,7 @@
           <a:p>
             <a:fld id="{48A87A34-81AB-432B-8DAE-1953F412C126}" type="datetimeFigureOut">
               <a:rPr lang="en-US" dirty="0"/>
-              <a:t>12/7/2020</a:t>
+              <a:t>12/8/2020</a:t>
             </a:fld>
             <a:endParaRPr lang="en-US" dirty="0"/>
           </a:p>
@@ -3031,7 +3033,7 @@
           <a:p>
             <a:fld id="{48A87A34-81AB-432B-8DAE-1953F412C126}" type="datetimeFigureOut">
               <a:rPr lang="en-US" dirty="0"/>
-              <a:t>12/7/2020</a:t>
+              <a:t>12/8/2020</a:t>
             </a:fld>
             <a:endParaRPr lang="en-US" dirty="0"/>
           </a:p>
@@ -3250,7 +3252,7 @@
             <a:fld id="{48A87A34-81AB-432B-8DAE-1953F412C126}" type="datetimeFigureOut">
               <a:rPr lang="en-US" dirty="0"/>
               <a:pPr/>
-              <a:t>12/7/2020</a:t>
+              <a:t>12/8/2020</a:t>
             </a:fld>
             <a:endParaRPr lang="en-US" dirty="0"/>
           </a:p>
@@ -3425,7 +3427,7 @@
           <a:p>
             <a:fld id="{48A87A34-81AB-432B-8DAE-1953F412C126}" type="datetimeFigureOut">
               <a:rPr lang="en-US" dirty="0"/>
-              <a:t>12/7/2020</a:t>
+              <a:t>12/8/2020</a:t>
             </a:fld>
             <a:endParaRPr lang="en-US" dirty="0"/>
           </a:p>
@@ -3710,7 +3712,7 @@
             <a:fld id="{48A87A34-81AB-432B-8DAE-1953F412C126}" type="datetimeFigureOut">
               <a:rPr lang="en-US" dirty="0"/>
               <a:pPr/>
-              <a:t>12/7/2020</a:t>
+              <a:t>12/8/2020</a:t>
             </a:fld>
             <a:endParaRPr lang="en-US" dirty="0"/>
           </a:p>
@@ -3947,7 +3949,7 @@
           <a:p>
             <a:fld id="{48A87A34-81AB-432B-8DAE-1953F412C126}" type="datetimeFigureOut">
               <a:rPr lang="en-US" dirty="0"/>
-              <a:t>12/7/2020</a:t>
+              <a:t>12/8/2020</a:t>
             </a:fld>
             <a:endParaRPr lang="en-US" dirty="0"/>
           </a:p>
@@ -4321,7 +4323,7 @@
           <a:p>
             <a:fld id="{48A87A34-81AB-432B-8DAE-1953F412C126}" type="datetimeFigureOut">
               <a:rPr lang="en-US" dirty="0"/>
-              <a:t>12/7/2020</a:t>
+              <a:t>12/8/2020</a:t>
             </a:fld>
             <a:endParaRPr lang="en-US" dirty="0"/>
           </a:p>
@@ -4434,7 +4436,7 @@
           <a:p>
             <a:fld id="{48A87A34-81AB-432B-8DAE-1953F412C126}" type="datetimeFigureOut">
               <a:rPr lang="en-US" dirty="0"/>
-              <a:t>12/7/2020</a:t>
+              <a:t>12/8/2020</a:t>
             </a:fld>
             <a:endParaRPr lang="en-US" dirty="0"/>
           </a:p>
@@ -4524,7 +4526,7 @@
           <a:p>
             <a:fld id="{48A87A34-81AB-432B-8DAE-1953F412C126}" type="datetimeFigureOut">
               <a:rPr lang="en-US" dirty="0"/>
-              <a:t>12/7/2020</a:t>
+              <a:t>12/8/2020</a:t>
             </a:fld>
             <a:endParaRPr lang="en-US" dirty="0"/>
           </a:p>
@@ -4768,7 +4770,7 @@
           <a:p>
             <a:fld id="{48A87A34-81AB-432B-8DAE-1953F412C126}" type="datetimeFigureOut">
               <a:rPr lang="en-US" dirty="0"/>
-              <a:t>12/7/2020</a:t>
+              <a:t>12/8/2020</a:t>
             </a:fld>
             <a:endParaRPr lang="en-US" dirty="0"/>
           </a:p>
@@ -5020,7 +5022,7 @@
           <a:p>
             <a:fld id="{48A87A34-81AB-432B-8DAE-1953F412C126}" type="datetimeFigureOut">
               <a:rPr lang="en-US" dirty="0"/>
-              <a:t>12/7/2020</a:t>
+              <a:t>12/8/2020</a:t>
             </a:fld>
             <a:endParaRPr lang="en-US" dirty="0"/>
           </a:p>
@@ -5259,7 +5261,7 @@
             <a:fld id="{48A87A34-81AB-432B-8DAE-1953F412C126}" type="datetimeFigureOut">
               <a:rPr lang="en-US" dirty="0"/>
               <a:pPr/>
-              <a:t>12/7/2020</a:t>
+              <a:t>12/8/2020</a:t>
             </a:fld>
             <a:endParaRPr lang="en-US" dirty="0"/>
           </a:p>
@@ -6232,13 +6234,13 @@
         </p:nvSpPr>
         <p:spPr>
           <a:xfrm>
-            <a:off x="685800" y="484094"/>
-            <a:ext cx="10820400" cy="6060141"/>
+            <a:off x="685800" y="484095"/>
+            <a:ext cx="10820400" cy="5782482"/>
           </a:xfrm>
         </p:spPr>
         <p:txBody>
           <a:bodyPr>
-            <a:normAutofit/>
+            <a:normAutofit lnSpcReduction="10000"/>
           </a:bodyPr>
           <a:lstStyle/>
           <a:p>
@@ -6256,7 +6258,7 @@
                 <a:latin typeface="Calibri" panose="020F0502020204030204" pitchFamily="34" charset="0"/>
                 <a:cs typeface="Calibri" panose="020F0502020204030204" pitchFamily="34" charset="0"/>
               </a:rPr>
-              <a:t>File Loading</a:t>
+              <a:t>File Padding</a:t>
             </a:r>
           </a:p>
           <a:p>
@@ -6266,7 +6268,7 @@
                 <a:latin typeface="Calibri" panose="020F0502020204030204" pitchFamily="34" charset="0"/>
                 <a:cs typeface="Calibri" panose="020F0502020204030204" pitchFamily="34" charset="0"/>
               </a:rPr>
-              <a:t>Generate a new filename structure, initialize name and insert into filename dictionary.</a:t>
+              <a:t>If we detect there is a file need to pad, we put the text name into function pad(char* c). In this function, we firstly detect the whole text and judge the length of this file. </a:t>
             </a:r>
           </a:p>
           <a:p>
@@ -6276,7 +6278,7 @@
                 <a:latin typeface="Calibri" panose="020F0502020204030204" pitchFamily="34" charset="0"/>
                 <a:cs typeface="Calibri" panose="020F0502020204030204" pitchFamily="34" charset="0"/>
               </a:rPr>
-              <a:t>Splitting file into chunks.</a:t>
+              <a:t>If the length is equal to our set size, return back. Otherwise, we need to detect the last character of this file. </a:t>
             </a:r>
           </a:p>
           <a:p>
@@ -6286,92 +6288,53 @@
                 <a:latin typeface="Calibri" panose="020F0502020204030204" pitchFamily="34" charset="0"/>
                 <a:cs typeface="Calibri" panose="020F0502020204030204" pitchFamily="34" charset="0"/>
               </a:rPr>
-              <a:t>For each chunk, do a SHA256 hash and search for same entry in </a:t>
-            </a:r>
-            <a:r>
-              <a:rPr lang="en-US" sz="2400" dirty="0" err="1">
-                <a:latin typeface="Calibri" panose="020F0502020204030204" pitchFamily="34" charset="0"/>
-                <a:cs typeface="Calibri" panose="020F0502020204030204" pitchFamily="34" charset="0"/>
-              </a:rPr>
-              <a:t>chunkname</a:t>
-            </a:r>
-            <a:r>
-              <a:rPr lang="en-US" sz="2400" dirty="0">
-                <a:latin typeface="Calibri" panose="020F0502020204030204" pitchFamily="34" charset="0"/>
-                <a:cs typeface="Calibri" panose="020F0502020204030204" pitchFamily="34" charset="0"/>
-              </a:rPr>
-              <a:t> dictionary. If found, simply add its </a:t>
-            </a:r>
-            <a:r>
-              <a:rPr lang="en-US" sz="2400" dirty="0" err="1">
-                <a:latin typeface="Calibri" panose="020F0502020204030204" pitchFamily="34" charset="0"/>
-                <a:cs typeface="Calibri" panose="020F0502020204030204" pitchFamily="34" charset="0"/>
-              </a:rPr>
-              <a:t>ownercount</a:t>
-            </a:r>
-            <a:r>
-              <a:rPr lang="en-US" sz="2400" dirty="0">
-                <a:latin typeface="Calibri" panose="020F0502020204030204" pitchFamily="34" charset="0"/>
-                <a:cs typeface="Calibri" panose="020F0502020204030204" pitchFamily="34" charset="0"/>
-              </a:rPr>
-              <a:t> by 1; else, save the actual data segment using the hash as name. A new Chunk structure is also built w/ </a:t>
-            </a:r>
-            <a:r>
-              <a:rPr lang="en-US" sz="2400" dirty="0" err="1">
-                <a:latin typeface="Calibri" panose="020F0502020204030204" pitchFamily="34" charset="0"/>
-                <a:cs typeface="Calibri" panose="020F0502020204030204" pitchFamily="34" charset="0"/>
-              </a:rPr>
-              <a:t>chunkname</a:t>
-            </a:r>
-            <a:r>
-              <a:rPr lang="en-US" sz="2400" dirty="0">
-                <a:latin typeface="Calibri" panose="020F0502020204030204" pitchFamily="34" charset="0"/>
-                <a:cs typeface="Calibri" panose="020F0502020204030204" pitchFamily="34" charset="0"/>
-              </a:rPr>
-              <a:t> and link the previous one to the current Chunk.</a:t>
+              <a:t>If the last one is the same as our first-order padding-label, we will choose the second-order label instead. Otherwise, we will use the first one and plus multiple labels after the original last character until the size of file can equal to our set size.</a:t>
             </a:r>
           </a:p>
           <a:p>
             <a:pPr lvl="1"/>
-            <a:r>
-              <a:rPr lang="en-US" sz="2400" dirty="0">
-                <a:latin typeface="Calibri" panose="020F0502020204030204" pitchFamily="34" charset="0"/>
-                <a:cs typeface="Calibri" panose="020F0502020204030204" pitchFamily="34" charset="0"/>
-              </a:rPr>
-              <a:t>Judge if the last segment need padding and pad it and set </a:t>
-            </a:r>
-            <a:r>
-              <a:rPr lang="en-US" sz="2400" i="1" dirty="0">
-                <a:latin typeface="Calibri" panose="020F0502020204030204" pitchFamily="34" charset="0"/>
-                <a:cs typeface="Calibri" panose="020F0502020204030204" pitchFamily="34" charset="0"/>
-              </a:rPr>
-              <a:t>padded</a:t>
-            </a:r>
-            <a:r>
-              <a:rPr lang="en-US" sz="2400" dirty="0">
-                <a:latin typeface="Calibri" panose="020F0502020204030204" pitchFamily="34" charset="0"/>
-                <a:cs typeface="Calibri" panose="020F0502020204030204" pitchFamily="34" charset="0"/>
-              </a:rPr>
-              <a:t>=1 if true. Then hash and build Chunk same as above.</a:t>
-            </a:r>
-          </a:p>
-          <a:p>
-            <a:r>
-              <a:rPr lang="en-US" sz="2800" dirty="0">
-                <a:latin typeface="Calibri" panose="020F0502020204030204" pitchFamily="34" charset="0"/>
-                <a:cs typeface="Calibri" panose="020F0502020204030204" pitchFamily="34" charset="0"/>
-              </a:rPr>
-              <a:t>File Listing</a:t>
-            </a:r>
+            <a:endParaRPr lang="en-US" sz="2400" dirty="0">
+              <a:latin typeface="Calibri" panose="020F0502020204030204" pitchFamily="34" charset="0"/>
+              <a:cs typeface="Calibri" panose="020F0502020204030204" pitchFamily="34" charset="0"/>
+            </a:endParaRPr>
           </a:p>
           <a:p>
             <a:pPr lvl="1"/>
             <a:r>
-              <a:rPr lang="en-US" sz="2400" dirty="0">
-                <a:latin typeface="Calibri" panose="020F0502020204030204" pitchFamily="34" charset="0"/>
-                <a:cs typeface="Calibri" panose="020F0502020204030204" pitchFamily="34" charset="0"/>
-              </a:rPr>
-              <a:t>Just list the dictionary of filenames. Supports alphabetical order; with extra timestamp/file size it is possible to have these orders as well.</a:t>
+              <a:rPr lang="en-US" altLang="zh-CN" sz="2400" dirty="0">
+                <a:solidFill>
+                  <a:srgbClr val="00B0F0"/>
+                </a:solidFill>
+                <a:latin typeface="Calibri" panose="020F0502020204030204" pitchFamily="34" charset="0"/>
+                <a:cs typeface="Calibri" panose="020F0502020204030204" pitchFamily="34" charset="0"/>
+              </a:rPr>
+              <a:t>For example, assume we need to pad the following text. We choose {0,1} as the added label.</a:t>
+            </a:r>
+          </a:p>
+          <a:p>
+            <a:pPr lvl="1"/>
+            <a:r>
+              <a:rPr lang="en-US" altLang="zh-CN" sz="2400" dirty="0">
+                <a:solidFill>
+                  <a:srgbClr val="FFFF00"/>
+                </a:solidFill>
+                <a:latin typeface="Calibri" panose="020F0502020204030204" pitchFamily="34" charset="0"/>
+                <a:cs typeface="Calibri" panose="020F0502020204030204" pitchFamily="34" charset="0"/>
+              </a:rPr>
+              <a:t>Before pad: The number of students in BU is more than 10000</a:t>
+            </a:r>
+          </a:p>
+          <a:p>
+            <a:pPr lvl="1"/>
+            <a:r>
+              <a:rPr lang="en-US" altLang="zh-CN" sz="2400" dirty="0">
+                <a:solidFill>
+                  <a:srgbClr val="FFFF00"/>
+                </a:solidFill>
+                <a:latin typeface="Calibri" panose="020F0502020204030204" pitchFamily="34" charset="0"/>
+                <a:cs typeface="Calibri" panose="020F0502020204030204" pitchFamily="34" charset="0"/>
+              </a:rPr>
+              <a:t>After pad: The number of students in BU is more than 1000011111111</a:t>
             </a:r>
           </a:p>
         </p:txBody>
@@ -6424,6 +6387,487 @@
         </p:nvSpPr>
         <p:spPr>
           <a:xfrm>
+            <a:off x="685800" y="484094"/>
+            <a:ext cx="10820400" cy="6060141"/>
+          </a:xfrm>
+        </p:spPr>
+        <p:txBody>
+          <a:bodyPr>
+            <a:normAutofit/>
+          </a:bodyPr>
+          <a:lstStyle/>
+          <a:p>
+            <a:r>
+              <a:rPr lang="en-US" sz="3600" dirty="0">
+                <a:latin typeface="Calibri" panose="020F0502020204030204" pitchFamily="34" charset="0"/>
+                <a:cs typeface="Calibri" panose="020F0502020204030204" pitchFamily="34" charset="0"/>
+              </a:rPr>
+              <a:t>Function Outlines</a:t>
+            </a:r>
+          </a:p>
+          <a:p>
+            <a:r>
+              <a:rPr lang="en-US" sz="2800" dirty="0">
+                <a:latin typeface="Calibri" panose="020F0502020204030204" pitchFamily="34" charset="0"/>
+                <a:cs typeface="Calibri" panose="020F0502020204030204" pitchFamily="34" charset="0"/>
+              </a:rPr>
+              <a:t>File </a:t>
+            </a:r>
+            <a:r>
+              <a:rPr lang="en-US" sz="2800" dirty="0" err="1">
+                <a:latin typeface="Calibri" panose="020F0502020204030204" pitchFamily="34" charset="0"/>
+                <a:cs typeface="Calibri" panose="020F0502020204030204" pitchFamily="34" charset="0"/>
+              </a:rPr>
+              <a:t>Depadding</a:t>
+            </a:r>
+            <a:endParaRPr lang="en-US" sz="2800" dirty="0">
+              <a:latin typeface="Calibri" panose="020F0502020204030204" pitchFamily="34" charset="0"/>
+              <a:cs typeface="Calibri" panose="020F0502020204030204" pitchFamily="34" charset="0"/>
+            </a:endParaRPr>
+          </a:p>
+          <a:p>
+            <a:pPr lvl="1"/>
+            <a:r>
+              <a:rPr lang="en-US" sz="2400" dirty="0">
+                <a:latin typeface="Calibri" panose="020F0502020204030204" pitchFamily="34" charset="0"/>
+                <a:cs typeface="Calibri" panose="020F0502020204030204" pitchFamily="34" charset="0"/>
+              </a:rPr>
+              <a:t>If we detect there is a file need to </a:t>
+            </a:r>
+            <a:r>
+              <a:rPr lang="en-US" sz="2400" dirty="0" err="1">
+                <a:latin typeface="Calibri" panose="020F0502020204030204" pitchFamily="34" charset="0"/>
+                <a:cs typeface="Calibri" panose="020F0502020204030204" pitchFamily="34" charset="0"/>
+              </a:rPr>
+              <a:t>depad</a:t>
+            </a:r>
+            <a:r>
+              <a:rPr lang="en-US" sz="2400" dirty="0">
+                <a:latin typeface="Calibri" panose="020F0502020204030204" pitchFamily="34" charset="0"/>
+                <a:cs typeface="Calibri" panose="020F0502020204030204" pitchFamily="34" charset="0"/>
+              </a:rPr>
+              <a:t>, we put the text name into function </a:t>
+            </a:r>
+            <a:r>
+              <a:rPr lang="en-US" sz="2400" dirty="0" err="1">
+                <a:latin typeface="Calibri" panose="020F0502020204030204" pitchFamily="34" charset="0"/>
+                <a:cs typeface="Calibri" panose="020F0502020204030204" pitchFamily="34" charset="0"/>
+              </a:rPr>
+              <a:t>depad</a:t>
+            </a:r>
+            <a:r>
+              <a:rPr lang="en-US" sz="2400" dirty="0">
+                <a:latin typeface="Calibri" panose="020F0502020204030204" pitchFamily="34" charset="0"/>
+                <a:cs typeface="Calibri" panose="020F0502020204030204" pitchFamily="34" charset="0"/>
+              </a:rPr>
+              <a:t>(char* c). In this function, we will delete the added labels in the file rail.</a:t>
+            </a:r>
+          </a:p>
+          <a:p>
+            <a:pPr lvl="1"/>
+            <a:r>
+              <a:rPr lang="en-US" sz="2400" dirty="0">
+                <a:latin typeface="Calibri" panose="020F0502020204030204" pitchFamily="34" charset="0"/>
+                <a:cs typeface="Calibri" panose="020F0502020204030204" pitchFamily="34" charset="0"/>
+              </a:rPr>
+              <a:t>At first, we need to judge if the last one is the same as our first-order padding-label, we will choose the second-order label instead. </a:t>
+            </a:r>
+          </a:p>
+          <a:p>
+            <a:pPr lvl="1"/>
+            <a:r>
+              <a:rPr lang="en-US" sz="2400" dirty="0">
+                <a:latin typeface="Calibri" panose="020F0502020204030204" pitchFamily="34" charset="0"/>
+                <a:cs typeface="Calibri" panose="020F0502020204030204" pitchFamily="34" charset="0"/>
+              </a:rPr>
+              <a:t>After we know which label we used here, we can delete the rail labels until we detect the first no-chosen character.</a:t>
+            </a:r>
+          </a:p>
+          <a:p>
+            <a:pPr lvl="1"/>
+            <a:endParaRPr lang="en-US" sz="2400" dirty="0">
+              <a:latin typeface="Calibri" panose="020F0502020204030204" pitchFamily="34" charset="0"/>
+              <a:cs typeface="Calibri" panose="020F0502020204030204" pitchFamily="34" charset="0"/>
+            </a:endParaRPr>
+          </a:p>
+          <a:p>
+            <a:pPr lvl="1"/>
+            <a:r>
+              <a:rPr lang="en-US" sz="2400" dirty="0">
+                <a:solidFill>
+                  <a:srgbClr val="00B0F0"/>
+                </a:solidFill>
+                <a:latin typeface="Calibri" panose="020F0502020204030204" pitchFamily="34" charset="0"/>
+                <a:cs typeface="Calibri" panose="020F0502020204030204" pitchFamily="34" charset="0"/>
+              </a:rPr>
+              <a:t>For example, assume we need to </a:t>
+            </a:r>
+            <a:r>
+              <a:rPr lang="en-US" sz="2400" dirty="0" err="1">
+                <a:solidFill>
+                  <a:srgbClr val="00B0F0"/>
+                </a:solidFill>
+                <a:latin typeface="Calibri" panose="020F0502020204030204" pitchFamily="34" charset="0"/>
+                <a:cs typeface="Calibri" panose="020F0502020204030204" pitchFamily="34" charset="0"/>
+              </a:rPr>
+              <a:t>depad</a:t>
+            </a:r>
+            <a:r>
+              <a:rPr lang="en-US" sz="2400" dirty="0">
+                <a:solidFill>
+                  <a:srgbClr val="00B0F0"/>
+                </a:solidFill>
+                <a:latin typeface="Calibri" panose="020F0502020204030204" pitchFamily="34" charset="0"/>
+                <a:cs typeface="Calibri" panose="020F0502020204030204" pitchFamily="34" charset="0"/>
+              </a:rPr>
+              <a:t> the following text. We </a:t>
+            </a:r>
+            <a:r>
+              <a:rPr lang="en-US" sz="2400">
+                <a:solidFill>
+                  <a:srgbClr val="00B0F0"/>
+                </a:solidFill>
+                <a:latin typeface="Calibri" panose="020F0502020204030204" pitchFamily="34" charset="0"/>
+                <a:cs typeface="Calibri" panose="020F0502020204030204" pitchFamily="34" charset="0"/>
+              </a:rPr>
+              <a:t>choose {0,1} </a:t>
+            </a:r>
+            <a:r>
+              <a:rPr lang="en-US" sz="2400" dirty="0">
+                <a:solidFill>
+                  <a:srgbClr val="00B0F0"/>
+                </a:solidFill>
+                <a:latin typeface="Calibri" panose="020F0502020204030204" pitchFamily="34" charset="0"/>
+                <a:cs typeface="Calibri" panose="020F0502020204030204" pitchFamily="34" charset="0"/>
+              </a:rPr>
+              <a:t>as the added label.</a:t>
+            </a:r>
+          </a:p>
+          <a:p>
+            <a:pPr lvl="1"/>
+            <a:r>
+              <a:rPr lang="en-US" sz="2400" dirty="0">
+                <a:solidFill>
+                  <a:srgbClr val="FFFF00"/>
+                </a:solidFill>
+                <a:latin typeface="Calibri" panose="020F0502020204030204" pitchFamily="34" charset="0"/>
+                <a:cs typeface="Calibri" panose="020F0502020204030204" pitchFamily="34" charset="0"/>
+              </a:rPr>
+              <a:t>Before </a:t>
+            </a:r>
+            <a:r>
+              <a:rPr lang="en-US" sz="2400" dirty="0" err="1">
+                <a:solidFill>
+                  <a:srgbClr val="FFFF00"/>
+                </a:solidFill>
+                <a:latin typeface="Calibri" panose="020F0502020204030204" pitchFamily="34" charset="0"/>
+                <a:cs typeface="Calibri" panose="020F0502020204030204" pitchFamily="34" charset="0"/>
+              </a:rPr>
+              <a:t>depad</a:t>
+            </a:r>
+            <a:r>
+              <a:rPr lang="en-US" sz="2400" dirty="0">
+                <a:solidFill>
+                  <a:srgbClr val="FFFF00"/>
+                </a:solidFill>
+                <a:latin typeface="Calibri" panose="020F0502020204030204" pitchFamily="34" charset="0"/>
+                <a:cs typeface="Calibri" panose="020F0502020204030204" pitchFamily="34" charset="0"/>
+              </a:rPr>
+              <a:t>: I like Boston00000000000</a:t>
+            </a:r>
+          </a:p>
+          <a:p>
+            <a:pPr lvl="1"/>
+            <a:r>
+              <a:rPr lang="en-US" sz="2400" dirty="0">
+                <a:solidFill>
+                  <a:srgbClr val="FFFF00"/>
+                </a:solidFill>
+                <a:latin typeface="Calibri" panose="020F0502020204030204" pitchFamily="34" charset="0"/>
+                <a:cs typeface="Calibri" panose="020F0502020204030204" pitchFamily="34" charset="0"/>
+              </a:rPr>
+              <a:t>After </a:t>
+            </a:r>
+            <a:r>
+              <a:rPr lang="en-US" sz="2400" dirty="0" err="1">
+                <a:solidFill>
+                  <a:srgbClr val="FFFF00"/>
+                </a:solidFill>
+                <a:latin typeface="Calibri" panose="020F0502020204030204" pitchFamily="34" charset="0"/>
+                <a:cs typeface="Calibri" panose="020F0502020204030204" pitchFamily="34" charset="0"/>
+              </a:rPr>
+              <a:t>depad</a:t>
+            </a:r>
+            <a:r>
+              <a:rPr lang="en-US" sz="2400" dirty="0">
+                <a:solidFill>
+                  <a:srgbClr val="FFFF00"/>
+                </a:solidFill>
+                <a:latin typeface="Calibri" panose="020F0502020204030204" pitchFamily="34" charset="0"/>
+                <a:cs typeface="Calibri" panose="020F0502020204030204" pitchFamily="34" charset="0"/>
+              </a:rPr>
+              <a:t>: </a:t>
+            </a:r>
+            <a:r>
+              <a:rPr lang="en-US" altLang="zh-CN" sz="2400" dirty="0">
+                <a:solidFill>
+                  <a:srgbClr val="FFFF00"/>
+                </a:solidFill>
+                <a:latin typeface="Calibri" panose="020F0502020204030204" pitchFamily="34" charset="0"/>
+                <a:cs typeface="Calibri" panose="020F0502020204030204" pitchFamily="34" charset="0"/>
+              </a:rPr>
+              <a:t>I like Boston</a:t>
+            </a:r>
+            <a:endParaRPr lang="en-US" sz="2400" dirty="0">
+              <a:solidFill>
+                <a:srgbClr val="FFFF00"/>
+              </a:solidFill>
+              <a:latin typeface="Calibri" panose="020F0502020204030204" pitchFamily="34" charset="0"/>
+              <a:cs typeface="Calibri" panose="020F0502020204030204" pitchFamily="34" charset="0"/>
+            </a:endParaRPr>
+          </a:p>
+        </p:txBody>
+      </p:sp>
+    </p:spTree>
+    <p:extLst>
+      <p:ext uri="{BB962C8B-B14F-4D97-AF65-F5344CB8AC3E}">
+        <p14:creationId xmlns:p14="http://schemas.microsoft.com/office/powerpoint/2010/main" val="3615012674"/>
+      </p:ext>
+    </p:extLst>
+  </p:cSld>
+  <p:clrMapOvr>
+    <a:masterClrMapping/>
+  </p:clrMapOvr>
+</p:sld>
+</file>
+
+<file path=ppt/slides/slide5.xml><?xml version="1.0" encoding="utf-8"?>
+<p:sld xmlns:a="http://schemas.openxmlformats.org/drawingml/2006/main" xmlns:r="http://schemas.openxmlformats.org/officeDocument/2006/relationships" xmlns:p="http://schemas.openxmlformats.org/presentationml/2006/main">
+  <p:cSld>
+    <p:spTree>
+      <p:nvGrpSpPr>
+        <p:cNvPr id="1" name=""/>
+        <p:cNvGrpSpPr/>
+        <p:nvPr/>
+      </p:nvGrpSpPr>
+      <p:grpSpPr>
+        <a:xfrm>
+          <a:off x="0" y="0"/>
+          <a:ext cx="0" cy="0"/>
+          <a:chOff x="0" y="0"/>
+          <a:chExt cx="0" cy="0"/>
+        </a:xfrm>
+      </p:grpSpPr>
+      <p:sp>
+        <p:nvSpPr>
+          <p:cNvPr id="3" name="内容占位符 2">
+            <a:extLst>
+              <a:ext uri="{FF2B5EF4-FFF2-40B4-BE49-F238E27FC236}">
+                <a16:creationId xmlns:a16="http://schemas.microsoft.com/office/drawing/2014/main" id="{C0F5322C-F5FD-41D3-B17C-EF8CFF58CE74}"/>
+              </a:ext>
+            </a:extLst>
+          </p:cNvPr>
+          <p:cNvSpPr>
+            <a:spLocks noGrp="1"/>
+          </p:cNvSpPr>
+          <p:nvPr>
+            <p:ph idx="1"/>
+          </p:nvPr>
+        </p:nvSpPr>
+        <p:spPr>
+          <a:xfrm>
+            <a:off x="685800" y="484094"/>
+            <a:ext cx="10820400" cy="6060141"/>
+          </a:xfrm>
+        </p:spPr>
+        <p:txBody>
+          <a:bodyPr>
+            <a:normAutofit/>
+          </a:bodyPr>
+          <a:lstStyle/>
+          <a:p>
+            <a:r>
+              <a:rPr lang="en-US" sz="3600" dirty="0">
+                <a:latin typeface="Calibri" panose="020F0502020204030204" pitchFamily="34" charset="0"/>
+                <a:cs typeface="Calibri" panose="020F0502020204030204" pitchFamily="34" charset="0"/>
+              </a:rPr>
+              <a:t>Function Outlines</a:t>
+            </a:r>
+          </a:p>
+          <a:p>
+            <a:r>
+              <a:rPr lang="en-US" sz="2800" dirty="0">
+                <a:latin typeface="Calibri" panose="020F0502020204030204" pitchFamily="34" charset="0"/>
+                <a:cs typeface="Calibri" panose="020F0502020204030204" pitchFamily="34" charset="0"/>
+              </a:rPr>
+              <a:t>File Loading</a:t>
+            </a:r>
+          </a:p>
+          <a:p>
+            <a:pPr lvl="1"/>
+            <a:r>
+              <a:rPr lang="en-US" sz="2400" dirty="0">
+                <a:latin typeface="Calibri" panose="020F0502020204030204" pitchFamily="34" charset="0"/>
+                <a:cs typeface="Calibri" panose="020F0502020204030204" pitchFamily="34" charset="0"/>
+              </a:rPr>
+              <a:t>Generate a new filename structure, initialize name and insert into filename dictionary.</a:t>
+            </a:r>
+          </a:p>
+          <a:p>
+            <a:pPr lvl="1"/>
+            <a:r>
+              <a:rPr lang="en-US" sz="2400" dirty="0">
+                <a:latin typeface="Calibri" panose="020F0502020204030204" pitchFamily="34" charset="0"/>
+                <a:cs typeface="Calibri" panose="020F0502020204030204" pitchFamily="34" charset="0"/>
+              </a:rPr>
+              <a:t>Splitting file into chunks.</a:t>
+            </a:r>
+          </a:p>
+          <a:p>
+            <a:pPr lvl="1"/>
+            <a:r>
+              <a:rPr lang="en-US" sz="2400" dirty="0">
+                <a:latin typeface="Calibri" panose="020F0502020204030204" pitchFamily="34" charset="0"/>
+                <a:cs typeface="Calibri" panose="020F0502020204030204" pitchFamily="34" charset="0"/>
+              </a:rPr>
+              <a:t>For each chunk, do a SHA256 hash and search for same entry in </a:t>
+            </a:r>
+            <a:r>
+              <a:rPr lang="en-US" sz="2400" dirty="0" err="1">
+                <a:latin typeface="Calibri" panose="020F0502020204030204" pitchFamily="34" charset="0"/>
+                <a:cs typeface="Calibri" panose="020F0502020204030204" pitchFamily="34" charset="0"/>
+              </a:rPr>
+              <a:t>chunkname</a:t>
+            </a:r>
+            <a:r>
+              <a:rPr lang="en-US" sz="2400" dirty="0">
+                <a:latin typeface="Calibri" panose="020F0502020204030204" pitchFamily="34" charset="0"/>
+                <a:cs typeface="Calibri" panose="020F0502020204030204" pitchFamily="34" charset="0"/>
+              </a:rPr>
+              <a:t> dictionary. If found, simply add its </a:t>
+            </a:r>
+            <a:r>
+              <a:rPr lang="en-US" sz="2400" dirty="0" err="1">
+                <a:latin typeface="Calibri" panose="020F0502020204030204" pitchFamily="34" charset="0"/>
+                <a:cs typeface="Calibri" panose="020F0502020204030204" pitchFamily="34" charset="0"/>
+              </a:rPr>
+              <a:t>ownercount</a:t>
+            </a:r>
+            <a:r>
+              <a:rPr lang="en-US" sz="2400" dirty="0">
+                <a:latin typeface="Calibri" panose="020F0502020204030204" pitchFamily="34" charset="0"/>
+                <a:cs typeface="Calibri" panose="020F0502020204030204" pitchFamily="34" charset="0"/>
+              </a:rPr>
+              <a:t> by 1; else, save the actual data segment using the hash as name. A new Chunk structure is also built w/ </a:t>
+            </a:r>
+            <a:r>
+              <a:rPr lang="en-US" sz="2400" dirty="0" err="1">
+                <a:latin typeface="Calibri" panose="020F0502020204030204" pitchFamily="34" charset="0"/>
+                <a:cs typeface="Calibri" panose="020F0502020204030204" pitchFamily="34" charset="0"/>
+              </a:rPr>
+              <a:t>chunkname</a:t>
+            </a:r>
+            <a:r>
+              <a:rPr lang="en-US" sz="2400" dirty="0">
+                <a:latin typeface="Calibri" panose="020F0502020204030204" pitchFamily="34" charset="0"/>
+                <a:cs typeface="Calibri" panose="020F0502020204030204" pitchFamily="34" charset="0"/>
+              </a:rPr>
+              <a:t> and link the previous one to the current Chunk.</a:t>
+            </a:r>
+          </a:p>
+          <a:p>
+            <a:pPr lvl="1"/>
+            <a:r>
+              <a:rPr lang="en-US" sz="2400" dirty="0">
+                <a:latin typeface="Calibri" panose="020F0502020204030204" pitchFamily="34" charset="0"/>
+                <a:cs typeface="Calibri" panose="020F0502020204030204" pitchFamily="34" charset="0"/>
+              </a:rPr>
+              <a:t>Judge if the last segment need padding and pad it and set </a:t>
+            </a:r>
+            <a:r>
+              <a:rPr lang="en-US" sz="2400" i="1" dirty="0">
+                <a:latin typeface="Calibri" panose="020F0502020204030204" pitchFamily="34" charset="0"/>
+                <a:cs typeface="Calibri" panose="020F0502020204030204" pitchFamily="34" charset="0"/>
+              </a:rPr>
+              <a:t>padded</a:t>
+            </a:r>
+            <a:r>
+              <a:rPr lang="en-US" sz="2400" dirty="0">
+                <a:latin typeface="Calibri" panose="020F0502020204030204" pitchFamily="34" charset="0"/>
+                <a:cs typeface="Calibri" panose="020F0502020204030204" pitchFamily="34" charset="0"/>
+              </a:rPr>
+              <a:t>=1 if true. Then hash and build Chunk same as above.</a:t>
+            </a:r>
+          </a:p>
+          <a:p>
+            <a:r>
+              <a:rPr lang="en-US" sz="2800" dirty="0">
+                <a:latin typeface="Calibri" panose="020F0502020204030204" pitchFamily="34" charset="0"/>
+                <a:cs typeface="Calibri" panose="020F0502020204030204" pitchFamily="34" charset="0"/>
+              </a:rPr>
+              <a:t>File Listing</a:t>
+            </a:r>
+          </a:p>
+          <a:p>
+            <a:pPr lvl="1"/>
+            <a:r>
+              <a:rPr lang="en-US" sz="2400" dirty="0">
+                <a:latin typeface="Calibri" panose="020F0502020204030204" pitchFamily="34" charset="0"/>
+                <a:cs typeface="Calibri" panose="020F0502020204030204" pitchFamily="34" charset="0"/>
+              </a:rPr>
+              <a:t>Just list the dictionary of filenames. Supports alphabetical order; with extra timestamp/file size it is possible to have these orders as well.</a:t>
+            </a:r>
+          </a:p>
+        </p:txBody>
+      </p:sp>
+    </p:spTree>
+    <p:extLst>
+      <p:ext uri="{BB962C8B-B14F-4D97-AF65-F5344CB8AC3E}">
+        <p14:creationId xmlns:p14="http://schemas.microsoft.com/office/powerpoint/2010/main" val="1136102002"/>
+      </p:ext>
+    </p:extLst>
+  </p:cSld>
+  <p:clrMapOvr>
+    <a:masterClrMapping/>
+  </p:clrMapOvr>
+</p:sld>
+</file>
+
+<file path=ppt/slides/slide6.xml><?xml version="1.0" encoding="utf-8"?>
+<p:sld xmlns:a="http://schemas.openxmlformats.org/drawingml/2006/main" xmlns:r="http://schemas.openxmlformats.org/officeDocument/2006/relationships" xmlns:p="http://schemas.openxmlformats.org/presentationml/2006/main">
+  <p:cSld>
+    <p:spTree>
+      <p:nvGrpSpPr>
+        <p:cNvPr id="1" name=""/>
+        <p:cNvGrpSpPr/>
+        <p:nvPr/>
+      </p:nvGrpSpPr>
+      <p:grpSpPr>
+        <a:xfrm>
+          <a:off x="0" y="0"/>
+          <a:ext cx="0" cy="0"/>
+          <a:chOff x="0" y="0"/>
+          <a:chExt cx="0" cy="0"/>
+        </a:xfrm>
+      </p:grpSpPr>
+      <p:sp>
+        <p:nvSpPr>
+          <p:cNvPr id="3" name="内容占位符 2">
+            <a:extLst>
+              <a:ext uri="{FF2B5EF4-FFF2-40B4-BE49-F238E27FC236}">
+                <a16:creationId xmlns:a16="http://schemas.microsoft.com/office/drawing/2014/main" id="{C0F5322C-F5FD-41D3-B17C-EF8CFF58CE74}"/>
+              </a:ext>
+            </a:extLst>
+          </p:cNvPr>
+          <p:cNvSpPr>
+            <a:spLocks noGrp="1"/>
+          </p:cNvSpPr>
+          <p:nvPr>
+            <p:ph idx="1"/>
+          </p:nvPr>
+        </p:nvSpPr>
+        <p:spPr>
+          <a:xfrm>
             <a:off x="685800" y="555812"/>
             <a:ext cx="10820400" cy="6382871"/>
           </a:xfrm>
@@ -6663,7 +7107,7 @@
 </p:sld>
 </file>
 
-<file path=ppt/slides/slide5.xml><?xml version="1.0" encoding="utf-8"?>
+<file path=ppt/slides/slide7.xml><?xml version="1.0" encoding="utf-8"?>
 <p:sld xmlns:a="http://schemas.openxmlformats.org/drawingml/2006/main" xmlns:r="http://schemas.openxmlformats.org/officeDocument/2006/relationships" xmlns:p="http://schemas.openxmlformats.org/presentationml/2006/main">
   <p:cSld>
     <p:spTree>

--- a/EC504Project2.pptx
+++ b/EC504Project2.pptx
@@ -7,11 +7,12 @@
   <p:sldIdLst>
     <p:sldId id="256" r:id="rId2"/>
     <p:sldId id="257" r:id="rId3"/>
-    <p:sldId id="258" r:id="rId4"/>
-    <p:sldId id="262" r:id="rId5"/>
-    <p:sldId id="261" r:id="rId6"/>
-    <p:sldId id="259" r:id="rId7"/>
-    <p:sldId id="260" r:id="rId8"/>
+    <p:sldId id="264" r:id="rId4"/>
+    <p:sldId id="258" r:id="rId5"/>
+    <p:sldId id="262" r:id="rId6"/>
+    <p:sldId id="261" r:id="rId7"/>
+    <p:sldId id="259" r:id="rId8"/>
+    <p:sldId id="260" r:id="rId9"/>
   </p:sldIdLst>
   <p:sldSz cx="12192000" cy="6858000"/>
   <p:notesSz cx="6858000" cy="9144000"/>
@@ -288,7 +289,7 @@
           <a:p>
             <a:fld id="{48A87A34-81AB-432B-8DAE-1953F412C126}" type="datetimeFigureOut">
               <a:rPr lang="en-US" dirty="0"/>
-              <a:t>12/8/2020</a:t>
+              <a:t>12/8/20</a:t>
             </a:fld>
             <a:endParaRPr lang="en-US" dirty="0"/>
           </a:p>
@@ -550,7 +551,7 @@
           <a:p>
             <a:fld id="{48A87A34-81AB-432B-8DAE-1953F412C126}" type="datetimeFigureOut">
               <a:rPr lang="en-US" dirty="0"/>
-              <a:t>12/8/2020</a:t>
+              <a:t>12/8/20</a:t>
             </a:fld>
             <a:endParaRPr lang="en-US" dirty="0"/>
           </a:p>
@@ -777,7 +778,7 @@
             <a:fld id="{48A87A34-81AB-432B-8DAE-1953F412C126}" type="datetimeFigureOut">
               <a:rPr lang="en-US" dirty="0"/>
               <a:pPr/>
-              <a:t>12/8/2020</a:t>
+              <a:t>12/8/20</a:t>
             </a:fld>
             <a:endParaRPr lang="en-US" dirty="0"/>
           </a:p>
@@ -1083,7 +1084,7 @@
             <a:fld id="{48A87A34-81AB-432B-8DAE-1953F412C126}" type="datetimeFigureOut">
               <a:rPr lang="en-US" dirty="0"/>
               <a:pPr/>
-              <a:t>12/8/2020</a:t>
+              <a:t>12/8/20</a:t>
             </a:fld>
             <a:endParaRPr lang="en-US" dirty="0"/>
           </a:p>
@@ -1552,7 +1553,7 @@
             <a:fld id="{48A87A34-81AB-432B-8DAE-1953F412C126}" type="datetimeFigureOut">
               <a:rPr lang="en-US" dirty="0"/>
               <a:pPr/>
-              <a:t>12/8/2020</a:t>
+              <a:t>12/8/20</a:t>
             </a:fld>
             <a:endParaRPr lang="en-US" dirty="0"/>
           </a:p>
@@ -2094,7 +2095,7 @@
           <a:p>
             <a:fld id="{48A87A34-81AB-432B-8DAE-1953F412C126}" type="datetimeFigureOut">
               <a:rPr lang="en-US" dirty="0"/>
-              <a:t>12/8/2020</a:t>
+              <a:t>12/8/20</a:t>
             </a:fld>
             <a:endParaRPr lang="en-US" dirty="0"/>
           </a:p>
@@ -2863,7 +2864,7 @@
           <a:p>
             <a:fld id="{48A87A34-81AB-432B-8DAE-1953F412C126}" type="datetimeFigureOut">
               <a:rPr lang="en-US" dirty="0"/>
-              <a:t>12/8/2020</a:t>
+              <a:t>12/8/20</a:t>
             </a:fld>
             <a:endParaRPr lang="en-US" dirty="0"/>
           </a:p>
@@ -3033,7 +3034,7 @@
           <a:p>
             <a:fld id="{48A87A34-81AB-432B-8DAE-1953F412C126}" type="datetimeFigureOut">
               <a:rPr lang="en-US" dirty="0"/>
-              <a:t>12/8/2020</a:t>
+              <a:t>12/8/20</a:t>
             </a:fld>
             <a:endParaRPr lang="en-US" dirty="0"/>
           </a:p>
@@ -3252,7 +3253,7 @@
             <a:fld id="{48A87A34-81AB-432B-8DAE-1953F412C126}" type="datetimeFigureOut">
               <a:rPr lang="en-US" dirty="0"/>
               <a:pPr/>
-              <a:t>12/8/2020</a:t>
+              <a:t>12/8/20</a:t>
             </a:fld>
             <a:endParaRPr lang="en-US" dirty="0"/>
           </a:p>
@@ -3427,7 +3428,7 @@
           <a:p>
             <a:fld id="{48A87A34-81AB-432B-8DAE-1953F412C126}" type="datetimeFigureOut">
               <a:rPr lang="en-US" dirty="0"/>
-              <a:t>12/8/2020</a:t>
+              <a:t>12/8/20</a:t>
             </a:fld>
             <a:endParaRPr lang="en-US" dirty="0"/>
           </a:p>
@@ -3712,7 +3713,7 @@
             <a:fld id="{48A87A34-81AB-432B-8DAE-1953F412C126}" type="datetimeFigureOut">
               <a:rPr lang="en-US" dirty="0"/>
               <a:pPr/>
-              <a:t>12/8/2020</a:t>
+              <a:t>12/8/20</a:t>
             </a:fld>
             <a:endParaRPr lang="en-US" dirty="0"/>
           </a:p>
@@ -3949,7 +3950,7 @@
           <a:p>
             <a:fld id="{48A87A34-81AB-432B-8DAE-1953F412C126}" type="datetimeFigureOut">
               <a:rPr lang="en-US" dirty="0"/>
-              <a:t>12/8/2020</a:t>
+              <a:t>12/8/20</a:t>
             </a:fld>
             <a:endParaRPr lang="en-US" dirty="0"/>
           </a:p>
@@ -4323,7 +4324,7 @@
           <a:p>
             <a:fld id="{48A87A34-81AB-432B-8DAE-1953F412C126}" type="datetimeFigureOut">
               <a:rPr lang="en-US" dirty="0"/>
-              <a:t>12/8/2020</a:t>
+              <a:t>12/8/20</a:t>
             </a:fld>
             <a:endParaRPr lang="en-US" dirty="0"/>
           </a:p>
@@ -4436,7 +4437,7 @@
           <a:p>
             <a:fld id="{48A87A34-81AB-432B-8DAE-1953F412C126}" type="datetimeFigureOut">
               <a:rPr lang="en-US" dirty="0"/>
-              <a:t>12/8/2020</a:t>
+              <a:t>12/8/20</a:t>
             </a:fld>
             <a:endParaRPr lang="en-US" dirty="0"/>
           </a:p>
@@ -4526,7 +4527,7 @@
           <a:p>
             <a:fld id="{48A87A34-81AB-432B-8DAE-1953F412C126}" type="datetimeFigureOut">
               <a:rPr lang="en-US" dirty="0"/>
-              <a:t>12/8/2020</a:t>
+              <a:t>12/8/20</a:t>
             </a:fld>
             <a:endParaRPr lang="en-US" dirty="0"/>
           </a:p>
@@ -4770,7 +4771,7 @@
           <a:p>
             <a:fld id="{48A87A34-81AB-432B-8DAE-1953F412C126}" type="datetimeFigureOut">
               <a:rPr lang="en-US" dirty="0"/>
-              <a:t>12/8/2020</a:t>
+              <a:t>12/8/20</a:t>
             </a:fld>
             <a:endParaRPr lang="en-US" dirty="0"/>
           </a:p>
@@ -5022,7 +5023,7 @@
           <a:p>
             <a:fld id="{48A87A34-81AB-432B-8DAE-1953F412C126}" type="datetimeFigureOut">
               <a:rPr lang="en-US" dirty="0"/>
-              <a:t>12/8/2020</a:t>
+              <a:t>12/8/20</a:t>
             </a:fld>
             <a:endParaRPr lang="en-US" dirty="0"/>
           </a:p>
@@ -5261,7 +5262,7 @@
             <a:fld id="{48A87A34-81AB-432B-8DAE-1953F412C126}" type="datetimeFigureOut">
               <a:rPr lang="en-US" dirty="0"/>
               <a:pPr/>
-              <a:t>12/8/2020</a:t>
+              <a:t>12/8/20</a:t>
             </a:fld>
             <a:endParaRPr lang="en-US" dirty="0"/>
           </a:p>
@@ -6218,10 +6219,10 @@
       </p:grpSpPr>
       <p:sp>
         <p:nvSpPr>
-          <p:cNvPr id="3" name="内容占位符 2">
+          <p:cNvPr id="3" name="Content Placeholder 2">
             <a:extLst>
               <a:ext uri="{FF2B5EF4-FFF2-40B4-BE49-F238E27FC236}">
-                <a16:creationId xmlns:a16="http://schemas.microsoft.com/office/drawing/2014/main" id="{C0F5322C-F5FD-41D3-B17C-EF8CFF58CE74}"/>
+                <a16:creationId xmlns:a16="http://schemas.microsoft.com/office/drawing/2014/main" id="{1C7CD3C7-0CD5-1241-92FD-DF2D9C24840A}"/>
               </a:ext>
             </a:extLst>
           </p:cNvPr>
@@ -6234,14 +6235,12 @@
         </p:nvSpPr>
         <p:spPr>
           <a:xfrm>
-            <a:off x="685800" y="484095"/>
-            <a:ext cx="10820400" cy="5782482"/>
-          </a:xfrm>
-        </p:spPr>
-        <p:txBody>
-          <a:bodyPr>
-            <a:normAutofit lnSpcReduction="10000"/>
-          </a:bodyPr>
+            <a:off x="562970" y="379408"/>
+            <a:ext cx="10820400" cy="6198813"/>
+          </a:xfrm>
+        </p:spPr>
+        <p:txBody>
+          <a:bodyPr/>
           <a:lstStyle/>
           <a:p>
             <a:r>
@@ -6258,7 +6257,7 @@
                 <a:latin typeface="Calibri" panose="020F0502020204030204" pitchFamily="34" charset="0"/>
                 <a:cs typeface="Calibri" panose="020F0502020204030204" pitchFamily="34" charset="0"/>
               </a:rPr>
-              <a:t>File Padding</a:t>
+              <a:t>Split one chunk:</a:t>
             </a:r>
           </a:p>
           <a:p>
@@ -6268,81 +6267,58 @@
                 <a:latin typeface="Calibri" panose="020F0502020204030204" pitchFamily="34" charset="0"/>
                 <a:cs typeface="Calibri" panose="020F0502020204030204" pitchFamily="34" charset="0"/>
               </a:rPr>
-              <a:t>If we detect there is a file need to pad, we put the text name into function pad(char* c). In this function, we firstly detect the whole text and judge the length of this file. </a:t>
+              <a:t>Read a fixed size frame in the input file, then pass the frame to the Hash() function, which return a hash value as the name of the chunk file. In the split(), we choose a fixed size frame in the input file as our chunk file . The rest of the input file, we save as the output file.</a:t>
+            </a:r>
+          </a:p>
+          <a:p>
+            <a:r>
+              <a:rPr lang="en-US" dirty="0"/>
+              <a:t>Merge one chunk:</a:t>
             </a:r>
           </a:p>
           <a:p>
             <a:pPr lvl="1"/>
             <a:r>
               <a:rPr lang="en-US" sz="2400" dirty="0">
-                <a:latin typeface="Calibri" panose="020F0502020204030204" pitchFamily="34" charset="0"/>
-                <a:cs typeface="Calibri" panose="020F0502020204030204" pitchFamily="34" charset="0"/>
-              </a:rPr>
-              <a:t>If the length is equal to our set size, return back. Otherwise, we need to detect the last character of this file. </a:t>
-            </a:r>
-          </a:p>
-          <a:p>
-            <a:pPr lvl="1"/>
-            <a:r>
-              <a:rPr lang="en-US" sz="2400" dirty="0">
-                <a:latin typeface="Calibri" panose="020F0502020204030204" pitchFamily="34" charset="0"/>
-                <a:cs typeface="Calibri" panose="020F0502020204030204" pitchFamily="34" charset="0"/>
-              </a:rPr>
-              <a:t>If the last one is the same as our first-order padding-label, we will choose the second-order label instead. Otherwise, we will use the first one and plus multiple labels after the original last character until the size of file can equal to our set size.</a:t>
-            </a:r>
+                <a:solidFill>
+                  <a:prstClr val="white"/>
+                </a:solidFill>
+                <a:latin typeface="Calibri" panose="020F0502020204030204" pitchFamily="34" charset="0"/>
+                <a:cs typeface="Calibri" panose="020F0502020204030204" pitchFamily="34" charset="0"/>
+              </a:rPr>
+              <a:t>Read the chunk file into a buffer, then open our input file in write mode and add the chunk to the end of input file. Save this new input file into </a:t>
+            </a:r>
+            <a:r>
+              <a:rPr lang="en-US" sz="2400">
+                <a:solidFill>
+                  <a:prstClr val="white"/>
+                </a:solidFill>
+                <a:latin typeface="Calibri" panose="020F0502020204030204" pitchFamily="34" charset="0"/>
+                <a:cs typeface="Calibri" panose="020F0502020204030204" pitchFamily="34" charset="0"/>
+              </a:rPr>
+              <a:t>the output file.</a:t>
+            </a:r>
+            <a:endParaRPr lang="en-US" dirty="0"/>
           </a:p>
           <a:p>
             <a:pPr lvl="1"/>
             <a:endParaRPr lang="en-US" sz="2400" dirty="0">
+              <a:solidFill>
+                <a:prstClr val="white"/>
+              </a:solidFill>
               <a:latin typeface="Calibri" panose="020F0502020204030204" pitchFamily="34" charset="0"/>
               <a:cs typeface="Calibri" panose="020F0502020204030204" pitchFamily="34" charset="0"/>
             </a:endParaRPr>
           </a:p>
           <a:p>
-            <a:pPr lvl="1"/>
-            <a:r>
-              <a:rPr lang="en-US" altLang="zh-CN" sz="2400" dirty="0">
-                <a:solidFill>
-                  <a:srgbClr val="00B0F0"/>
-                </a:solidFill>
-                <a:latin typeface="Calibri" panose="020F0502020204030204" pitchFamily="34" charset="0"/>
-                <a:cs typeface="Calibri" panose="020F0502020204030204" pitchFamily="34" charset="0"/>
-              </a:rPr>
-              <a:t>For example, assume we need to pad the following text. We choose {0,1} as the added label.</a:t>
-            </a:r>
-          </a:p>
-          <a:p>
-            <a:pPr lvl="1"/>
-            <a:r>
-              <a:rPr lang="en-US" altLang="zh-CN" sz="2400" dirty="0">
-                <a:solidFill>
-                  <a:srgbClr val="FFFF00"/>
-                </a:solidFill>
-                <a:latin typeface="Calibri" panose="020F0502020204030204" pitchFamily="34" charset="0"/>
-                <a:cs typeface="Calibri" panose="020F0502020204030204" pitchFamily="34" charset="0"/>
-              </a:rPr>
-              <a:t>Before pad: The number of students in BU is more than 10000</a:t>
-            </a:r>
-          </a:p>
-          <a:p>
-            <a:pPr lvl="1"/>
-            <a:r>
-              <a:rPr lang="en-US" altLang="zh-CN" sz="2400" dirty="0">
-                <a:solidFill>
-                  <a:srgbClr val="FFFF00"/>
-                </a:solidFill>
-                <a:latin typeface="Calibri" panose="020F0502020204030204" pitchFamily="34" charset="0"/>
-                <a:cs typeface="Calibri" panose="020F0502020204030204" pitchFamily="34" charset="0"/>
-              </a:rPr>
-              <a:t>After pad: The number of students in BU is more than 1000011111111</a:t>
-            </a:r>
+            <a:endParaRPr lang="en-US" dirty="0"/>
           </a:p>
         </p:txBody>
       </p:sp>
     </p:spTree>
     <p:extLst>
       <p:ext uri="{BB962C8B-B14F-4D97-AF65-F5344CB8AC3E}">
-        <p14:creationId xmlns:p14="http://schemas.microsoft.com/office/powerpoint/2010/main" val="4070890068"/>
+        <p14:creationId xmlns:p14="http://schemas.microsoft.com/office/powerpoint/2010/main" val="3855932276"/>
       </p:ext>
     </p:extLst>
   </p:cSld>
@@ -6387,13 +6363,13 @@
         </p:nvSpPr>
         <p:spPr>
           <a:xfrm>
-            <a:off x="685800" y="484094"/>
-            <a:ext cx="10820400" cy="6060141"/>
+            <a:off x="685800" y="484095"/>
+            <a:ext cx="10820400" cy="5782482"/>
           </a:xfrm>
         </p:spPr>
         <p:txBody>
           <a:bodyPr>
-            <a:normAutofit/>
+            <a:normAutofit lnSpcReduction="10000"/>
           </a:bodyPr>
           <a:lstStyle/>
           <a:p>
@@ -6411,19 +6387,8 @@
                 <a:latin typeface="Calibri" panose="020F0502020204030204" pitchFamily="34" charset="0"/>
                 <a:cs typeface="Calibri" panose="020F0502020204030204" pitchFamily="34" charset="0"/>
               </a:rPr>
-              <a:t>File </a:t>
-            </a:r>
-            <a:r>
-              <a:rPr lang="en-US" sz="2800" dirty="0" err="1">
-                <a:latin typeface="Calibri" panose="020F0502020204030204" pitchFamily="34" charset="0"/>
-                <a:cs typeface="Calibri" panose="020F0502020204030204" pitchFamily="34" charset="0"/>
-              </a:rPr>
-              <a:t>Depadding</a:t>
-            </a:r>
-            <a:endParaRPr lang="en-US" sz="2800" dirty="0">
-              <a:latin typeface="Calibri" panose="020F0502020204030204" pitchFamily="34" charset="0"/>
-              <a:cs typeface="Calibri" panose="020F0502020204030204" pitchFamily="34" charset="0"/>
-            </a:endParaRPr>
+              <a:t>File Padding</a:t>
+            </a:r>
           </a:p>
           <a:p>
             <a:pPr lvl="1"/>
@@ -6432,55 +6397,27 @@
                 <a:latin typeface="Calibri" panose="020F0502020204030204" pitchFamily="34" charset="0"/>
                 <a:cs typeface="Calibri" panose="020F0502020204030204" pitchFamily="34" charset="0"/>
               </a:rPr>
-              <a:t>If we detect there is a file need to </a:t>
-            </a:r>
-            <a:r>
-              <a:rPr lang="en-US" sz="2400" dirty="0" err="1">
-                <a:latin typeface="Calibri" panose="020F0502020204030204" pitchFamily="34" charset="0"/>
-                <a:cs typeface="Calibri" panose="020F0502020204030204" pitchFamily="34" charset="0"/>
-              </a:rPr>
-              <a:t>depad</a:t>
-            </a:r>
+              <a:t>If we detect there is a file need to pad, we put the text name into function pad(char* c). In this function, we firstly detect the whole text and judge the length of this file. </a:t>
+            </a:r>
+          </a:p>
+          <a:p>
+            <a:pPr lvl="1"/>
             <a:r>
               <a:rPr lang="en-US" sz="2400" dirty="0">
                 <a:latin typeface="Calibri" panose="020F0502020204030204" pitchFamily="34" charset="0"/>
                 <a:cs typeface="Calibri" panose="020F0502020204030204" pitchFamily="34" charset="0"/>
               </a:rPr>
-              <a:t>, we put the text name into function </a:t>
-            </a:r>
-            <a:r>
-              <a:rPr lang="en-US" sz="2400" dirty="0" err="1">
-                <a:latin typeface="Calibri" panose="020F0502020204030204" pitchFamily="34" charset="0"/>
-                <a:cs typeface="Calibri" panose="020F0502020204030204" pitchFamily="34" charset="0"/>
-              </a:rPr>
-              <a:t>depad</a:t>
-            </a:r>
+              <a:t>If the length is equal to our set size, return back. Otherwise, we need to detect the last character of this file. </a:t>
+            </a:r>
+          </a:p>
+          <a:p>
+            <a:pPr lvl="1"/>
             <a:r>
               <a:rPr lang="en-US" sz="2400" dirty="0">
                 <a:latin typeface="Calibri" panose="020F0502020204030204" pitchFamily="34" charset="0"/>
                 <a:cs typeface="Calibri" panose="020F0502020204030204" pitchFamily="34" charset="0"/>
               </a:rPr>
-              <a:t>(char* c). In this function, we will delete the added labels in the file rail.</a:t>
-            </a:r>
-          </a:p>
-          <a:p>
-            <a:pPr lvl="1"/>
-            <a:r>
-              <a:rPr lang="en-US" sz="2400" dirty="0">
-                <a:latin typeface="Calibri" panose="020F0502020204030204" pitchFamily="34" charset="0"/>
-                <a:cs typeface="Calibri" panose="020F0502020204030204" pitchFamily="34" charset="0"/>
-              </a:rPr>
-              <a:t>At first, we need to judge if the last one is the same as our first-order padding-label, we will choose the second-order label instead. </a:t>
-            </a:r>
-          </a:p>
-          <a:p>
-            <a:pPr lvl="1"/>
-            <a:r>
-              <a:rPr lang="en-US" sz="2400" dirty="0">
-                <a:latin typeface="Calibri" panose="020F0502020204030204" pitchFamily="34" charset="0"/>
-                <a:cs typeface="Calibri" panose="020F0502020204030204" pitchFamily="34" charset="0"/>
-              </a:rPr>
-              <a:t>After we know which label we used here, we can delete the rail labels until we detect the first no-chosen character.</a:t>
+              <a:t>If the last one is the same as our first-order padding-label, we will choose the second-order label instead. Otherwise, we will use the first one and plus multiple labels after the original last character until the size of file can equal to our set size.</a:t>
             </a:r>
           </a:p>
           <a:p>
@@ -6493,121 +6430,18 @@
           <a:p>
             <a:pPr lvl="1"/>
             <a:r>
-              <a:rPr lang="en-US" sz="2400" dirty="0">
+              <a:rPr lang="en-US" altLang="zh-CN" sz="2400" dirty="0">
                 <a:solidFill>
                   <a:srgbClr val="00B0F0"/>
                 </a:solidFill>
                 <a:latin typeface="Calibri" panose="020F0502020204030204" pitchFamily="34" charset="0"/>
                 <a:cs typeface="Calibri" panose="020F0502020204030204" pitchFamily="34" charset="0"/>
               </a:rPr>
-              <a:t>For example, assume we need to </a:t>
-            </a:r>
-            <a:r>
-              <a:rPr lang="en-US" sz="2400" dirty="0" err="1">
-                <a:solidFill>
-                  <a:srgbClr val="00B0F0"/>
-                </a:solidFill>
-                <a:latin typeface="Calibri" panose="020F0502020204030204" pitchFamily="34" charset="0"/>
-                <a:cs typeface="Calibri" panose="020F0502020204030204" pitchFamily="34" charset="0"/>
-              </a:rPr>
-              <a:t>depad</a:t>
-            </a:r>
-            <a:r>
-              <a:rPr lang="en-US" sz="2400" dirty="0">
-                <a:solidFill>
-                  <a:srgbClr val="00B0F0"/>
-                </a:solidFill>
-                <a:latin typeface="Calibri" panose="020F0502020204030204" pitchFamily="34" charset="0"/>
-                <a:cs typeface="Calibri" panose="020F0502020204030204" pitchFamily="34" charset="0"/>
-              </a:rPr>
-              <a:t> the following text. We </a:t>
-            </a:r>
-            <a:r>
-              <a:rPr lang="en-US" sz="2400">
-                <a:solidFill>
-                  <a:srgbClr val="00B0F0"/>
-                </a:solidFill>
-                <a:latin typeface="Calibri" panose="020F0502020204030204" pitchFamily="34" charset="0"/>
-                <a:cs typeface="Calibri" panose="020F0502020204030204" pitchFamily="34" charset="0"/>
-              </a:rPr>
-              <a:t>choose {0,1} </a:t>
-            </a:r>
-            <a:r>
-              <a:rPr lang="en-US" sz="2400" dirty="0">
-                <a:solidFill>
-                  <a:srgbClr val="00B0F0"/>
-                </a:solidFill>
-                <a:latin typeface="Calibri" panose="020F0502020204030204" pitchFamily="34" charset="0"/>
-                <a:cs typeface="Calibri" panose="020F0502020204030204" pitchFamily="34" charset="0"/>
-              </a:rPr>
-              <a:t>as the added label.</a:t>
+              <a:t>For example, assume we need to pad the following text. We choose {0,1} as the added label.</a:t>
             </a:r>
           </a:p>
           <a:p>
             <a:pPr lvl="1"/>
-            <a:r>
-              <a:rPr lang="en-US" sz="2400" dirty="0">
-                <a:solidFill>
-                  <a:srgbClr val="FFFF00"/>
-                </a:solidFill>
-                <a:latin typeface="Calibri" panose="020F0502020204030204" pitchFamily="34" charset="0"/>
-                <a:cs typeface="Calibri" panose="020F0502020204030204" pitchFamily="34" charset="0"/>
-              </a:rPr>
-              <a:t>Before </a:t>
-            </a:r>
-            <a:r>
-              <a:rPr lang="en-US" sz="2400" dirty="0" err="1">
-                <a:solidFill>
-                  <a:srgbClr val="FFFF00"/>
-                </a:solidFill>
-                <a:latin typeface="Calibri" panose="020F0502020204030204" pitchFamily="34" charset="0"/>
-                <a:cs typeface="Calibri" panose="020F0502020204030204" pitchFamily="34" charset="0"/>
-              </a:rPr>
-              <a:t>depad</a:t>
-            </a:r>
-            <a:r>
-              <a:rPr lang="en-US" sz="2400" dirty="0">
-                <a:solidFill>
-                  <a:srgbClr val="FFFF00"/>
-                </a:solidFill>
-                <a:latin typeface="Calibri" panose="020F0502020204030204" pitchFamily="34" charset="0"/>
-                <a:cs typeface="Calibri" panose="020F0502020204030204" pitchFamily="34" charset="0"/>
-              </a:rPr>
-              <a:t>: I like Boston00000000000</a:t>
-            </a:r>
-          </a:p>
-          <a:p>
-            <a:pPr lvl="1"/>
-            <a:r>
-              <a:rPr lang="en-US" sz="2400" dirty="0">
-                <a:solidFill>
-                  <a:srgbClr val="FFFF00"/>
-                </a:solidFill>
-                <a:latin typeface="Calibri" panose="020F0502020204030204" pitchFamily="34" charset="0"/>
-                <a:cs typeface="Calibri" panose="020F0502020204030204" pitchFamily="34" charset="0"/>
-              </a:rPr>
-              <a:t>After </a:t>
-            </a:r>
-            <a:r>
-              <a:rPr lang="en-US" sz="2400" dirty="0" err="1">
-                <a:solidFill>
-                  <a:srgbClr val="FFFF00"/>
-                </a:solidFill>
-                <a:latin typeface="Calibri" panose="020F0502020204030204" pitchFamily="34" charset="0"/>
-                <a:cs typeface="Calibri" panose="020F0502020204030204" pitchFamily="34" charset="0"/>
-              </a:rPr>
-              <a:t>depad</a:t>
-            </a:r>
-            <a:r>
-              <a:rPr lang="en-US" sz="2400" dirty="0">
-                <a:solidFill>
-                  <a:srgbClr val="FFFF00"/>
-                </a:solidFill>
-                <a:latin typeface="Calibri" panose="020F0502020204030204" pitchFamily="34" charset="0"/>
-                <a:cs typeface="Calibri" panose="020F0502020204030204" pitchFamily="34" charset="0"/>
-              </a:rPr>
-              <a:t>: </a:t>
-            </a:r>
             <a:r>
               <a:rPr lang="en-US" altLang="zh-CN" sz="2400" dirty="0">
                 <a:solidFill>
@@ -6616,22 +6450,28 @@
                 <a:latin typeface="Calibri" panose="020F0502020204030204" pitchFamily="34" charset="0"/>
                 <a:cs typeface="Calibri" panose="020F0502020204030204" pitchFamily="34" charset="0"/>
               </a:rPr>
-              <a:t>I like Boston</a:t>
-            </a:r>
-            <a:endParaRPr lang="en-US" sz="2400" dirty="0">
-              <a:solidFill>
-                <a:srgbClr val="FFFF00"/>
-              </a:solidFill>
-              <a:latin typeface="Calibri" panose="020F0502020204030204" pitchFamily="34" charset="0"/>
-              <a:cs typeface="Calibri" panose="020F0502020204030204" pitchFamily="34" charset="0"/>
-            </a:endParaRPr>
+              <a:t>Before pad: The number of students in BU is more than 10000</a:t>
+            </a:r>
+          </a:p>
+          <a:p>
+            <a:pPr lvl="1"/>
+            <a:r>
+              <a:rPr lang="en-US" altLang="zh-CN" sz="2400" dirty="0">
+                <a:solidFill>
+                  <a:srgbClr val="FFFF00"/>
+                </a:solidFill>
+                <a:latin typeface="Calibri" panose="020F0502020204030204" pitchFamily="34" charset="0"/>
+                <a:cs typeface="Calibri" panose="020F0502020204030204" pitchFamily="34" charset="0"/>
+              </a:rPr>
+              <a:t>After pad: The number of students in BU is more than 1000011111111</a:t>
+            </a:r>
           </a:p>
         </p:txBody>
       </p:sp>
     </p:spTree>
     <p:extLst>
       <p:ext uri="{BB962C8B-B14F-4D97-AF65-F5344CB8AC3E}">
-        <p14:creationId xmlns:p14="http://schemas.microsoft.com/office/powerpoint/2010/main" val="3615012674"/>
+        <p14:creationId xmlns:p14="http://schemas.microsoft.com/office/powerpoint/2010/main" val="4070890068"/>
       </p:ext>
     </p:extLst>
   </p:cSld>
@@ -6700,8 +6540,19 @@
                 <a:latin typeface="Calibri" panose="020F0502020204030204" pitchFamily="34" charset="0"/>
                 <a:cs typeface="Calibri" panose="020F0502020204030204" pitchFamily="34" charset="0"/>
               </a:rPr>
-              <a:t>File Loading</a:t>
-            </a:r>
+              <a:t>File </a:t>
+            </a:r>
+            <a:r>
+              <a:rPr lang="en-US" sz="2800" dirty="0" err="1">
+                <a:latin typeface="Calibri" panose="020F0502020204030204" pitchFamily="34" charset="0"/>
+                <a:cs typeface="Calibri" panose="020F0502020204030204" pitchFamily="34" charset="0"/>
+              </a:rPr>
+              <a:t>Depadding</a:t>
+            </a:r>
+            <a:endParaRPr lang="en-US" sz="2800" dirty="0">
+              <a:latin typeface="Calibri" panose="020F0502020204030204" pitchFamily="34" charset="0"/>
+              <a:cs typeface="Calibri" panose="020F0502020204030204" pitchFamily="34" charset="0"/>
+            </a:endParaRPr>
           </a:p>
           <a:p>
             <a:pPr lvl="1"/>
@@ -6710,7 +6561,35 @@
                 <a:latin typeface="Calibri" panose="020F0502020204030204" pitchFamily="34" charset="0"/>
                 <a:cs typeface="Calibri" panose="020F0502020204030204" pitchFamily="34" charset="0"/>
               </a:rPr>
-              <a:t>Generate a new filename structure, initialize name and insert into filename dictionary.</a:t>
+              <a:t>If we detect there is a file need to </a:t>
+            </a:r>
+            <a:r>
+              <a:rPr lang="en-US" sz="2400" dirty="0" err="1">
+                <a:latin typeface="Calibri" panose="020F0502020204030204" pitchFamily="34" charset="0"/>
+                <a:cs typeface="Calibri" panose="020F0502020204030204" pitchFamily="34" charset="0"/>
+              </a:rPr>
+              <a:t>depad</a:t>
+            </a:r>
+            <a:r>
+              <a:rPr lang="en-US" sz="2400" dirty="0">
+                <a:latin typeface="Calibri" panose="020F0502020204030204" pitchFamily="34" charset="0"/>
+                <a:cs typeface="Calibri" panose="020F0502020204030204" pitchFamily="34" charset="0"/>
+              </a:rPr>
+              <a:t>, we put the text name into function </a:t>
+            </a:r>
+            <a:r>
+              <a:rPr lang="en-US" sz="2400" dirty="0" err="1">
+                <a:latin typeface="Calibri" panose="020F0502020204030204" pitchFamily="34" charset="0"/>
+                <a:cs typeface="Calibri" panose="020F0502020204030204" pitchFamily="34" charset="0"/>
+              </a:rPr>
+              <a:t>depad</a:t>
+            </a:r>
+            <a:r>
+              <a:rPr lang="en-US" sz="2400" dirty="0">
+                <a:latin typeface="Calibri" panose="020F0502020204030204" pitchFamily="34" charset="0"/>
+                <a:cs typeface="Calibri" panose="020F0502020204030204" pitchFamily="34" charset="0"/>
+              </a:rPr>
+              <a:t>(char* c). In this function, we will delete the added labels in the file rail.</a:t>
             </a:r>
           </a:p>
           <a:p>
@@ -6720,7 +6599,7 @@
                 <a:latin typeface="Calibri" panose="020F0502020204030204" pitchFamily="34" charset="0"/>
                 <a:cs typeface="Calibri" panose="020F0502020204030204" pitchFamily="34" charset="0"/>
               </a:rPr>
-              <a:t>Splitting file into chunks.</a:t>
+              <a:t>At first, we need to judge if the last one is the same as our first-order padding-label, we will choose the second-order label instead. </a:t>
             </a:r>
           </a:p>
           <a:p>
@@ -6730,100 +6609,158 @@
                 <a:latin typeface="Calibri" panose="020F0502020204030204" pitchFamily="34" charset="0"/>
                 <a:cs typeface="Calibri" panose="020F0502020204030204" pitchFamily="34" charset="0"/>
               </a:rPr>
-              <a:t>For each chunk, do a SHA256 hash and search for same entry in </a:t>
+              <a:t>After we know which label we used here, we can delete the rail labels until we detect the first no-chosen character.</a:t>
+            </a:r>
+          </a:p>
+          <a:p>
+            <a:pPr lvl="1"/>
+            <a:endParaRPr lang="en-US" sz="2400" dirty="0">
+              <a:latin typeface="Calibri" panose="020F0502020204030204" pitchFamily="34" charset="0"/>
+              <a:cs typeface="Calibri" panose="020F0502020204030204" pitchFamily="34" charset="0"/>
+            </a:endParaRPr>
+          </a:p>
+          <a:p>
+            <a:pPr lvl="1"/>
+            <a:r>
+              <a:rPr lang="en-US" sz="2400" dirty="0">
+                <a:solidFill>
+                  <a:srgbClr val="00B0F0"/>
+                </a:solidFill>
+                <a:latin typeface="Calibri" panose="020F0502020204030204" pitchFamily="34" charset="0"/>
+                <a:cs typeface="Calibri" panose="020F0502020204030204" pitchFamily="34" charset="0"/>
+              </a:rPr>
+              <a:t>For example, assume we need to </a:t>
             </a:r>
             <a:r>
               <a:rPr lang="en-US" sz="2400" dirty="0" err="1">
-                <a:latin typeface="Calibri" panose="020F0502020204030204" pitchFamily="34" charset="0"/>
-                <a:cs typeface="Calibri" panose="020F0502020204030204" pitchFamily="34" charset="0"/>
-              </a:rPr>
-              <a:t>chunkname</a:t>
+                <a:solidFill>
+                  <a:srgbClr val="00B0F0"/>
+                </a:solidFill>
+                <a:latin typeface="Calibri" panose="020F0502020204030204" pitchFamily="34" charset="0"/>
+                <a:cs typeface="Calibri" panose="020F0502020204030204" pitchFamily="34" charset="0"/>
+              </a:rPr>
+              <a:t>depad</a:t>
             </a:r>
             <a:r>
               <a:rPr lang="en-US" sz="2400" dirty="0">
-                <a:latin typeface="Calibri" panose="020F0502020204030204" pitchFamily="34" charset="0"/>
-                <a:cs typeface="Calibri" panose="020F0502020204030204" pitchFamily="34" charset="0"/>
-              </a:rPr>
-              <a:t> dictionary. If found, simply add its </a:t>
+                <a:solidFill>
+                  <a:srgbClr val="00B0F0"/>
+                </a:solidFill>
+                <a:latin typeface="Calibri" panose="020F0502020204030204" pitchFamily="34" charset="0"/>
+                <a:cs typeface="Calibri" panose="020F0502020204030204" pitchFamily="34" charset="0"/>
+              </a:rPr>
+              <a:t> the following text. We </a:t>
+            </a:r>
+            <a:r>
+              <a:rPr lang="en-US" sz="2400">
+                <a:solidFill>
+                  <a:srgbClr val="00B0F0"/>
+                </a:solidFill>
+                <a:latin typeface="Calibri" panose="020F0502020204030204" pitchFamily="34" charset="0"/>
+                <a:cs typeface="Calibri" panose="020F0502020204030204" pitchFamily="34" charset="0"/>
+              </a:rPr>
+              <a:t>choose {0,1} </a:t>
+            </a:r>
+            <a:r>
+              <a:rPr lang="en-US" sz="2400" dirty="0">
+                <a:solidFill>
+                  <a:srgbClr val="00B0F0"/>
+                </a:solidFill>
+                <a:latin typeface="Calibri" panose="020F0502020204030204" pitchFamily="34" charset="0"/>
+                <a:cs typeface="Calibri" panose="020F0502020204030204" pitchFamily="34" charset="0"/>
+              </a:rPr>
+              <a:t>as the added label.</a:t>
+            </a:r>
+          </a:p>
+          <a:p>
+            <a:pPr lvl="1"/>
+            <a:r>
+              <a:rPr lang="en-US" sz="2400" dirty="0">
+                <a:solidFill>
+                  <a:srgbClr val="FFFF00"/>
+                </a:solidFill>
+                <a:latin typeface="Calibri" panose="020F0502020204030204" pitchFamily="34" charset="0"/>
+                <a:cs typeface="Calibri" panose="020F0502020204030204" pitchFamily="34" charset="0"/>
+              </a:rPr>
+              <a:t>Before </a:t>
             </a:r>
             <a:r>
               <a:rPr lang="en-US" sz="2400" dirty="0" err="1">
-                <a:latin typeface="Calibri" panose="020F0502020204030204" pitchFamily="34" charset="0"/>
-                <a:cs typeface="Calibri" panose="020F0502020204030204" pitchFamily="34" charset="0"/>
-              </a:rPr>
-              <a:t>ownercount</a:t>
+                <a:solidFill>
+                  <a:srgbClr val="FFFF00"/>
+                </a:solidFill>
+                <a:latin typeface="Calibri" panose="020F0502020204030204" pitchFamily="34" charset="0"/>
+                <a:cs typeface="Calibri" panose="020F0502020204030204" pitchFamily="34" charset="0"/>
+              </a:rPr>
+              <a:t>depad</a:t>
             </a:r>
             <a:r>
               <a:rPr lang="en-US" sz="2400" dirty="0">
-                <a:latin typeface="Calibri" panose="020F0502020204030204" pitchFamily="34" charset="0"/>
-                <a:cs typeface="Calibri" panose="020F0502020204030204" pitchFamily="34" charset="0"/>
-              </a:rPr>
-              <a:t> by 1; else, save the actual data segment using the hash as name. A new Chunk structure is also built w/ </a:t>
+                <a:solidFill>
+                  <a:srgbClr val="FFFF00"/>
+                </a:solidFill>
+                <a:latin typeface="Calibri" panose="020F0502020204030204" pitchFamily="34" charset="0"/>
+                <a:cs typeface="Calibri" panose="020F0502020204030204" pitchFamily="34" charset="0"/>
+              </a:rPr>
+              <a:t>: I like Boston00000000000</a:t>
+            </a:r>
+          </a:p>
+          <a:p>
+            <a:pPr lvl="1"/>
+            <a:r>
+              <a:rPr lang="en-US" sz="2400" dirty="0">
+                <a:solidFill>
+                  <a:srgbClr val="FFFF00"/>
+                </a:solidFill>
+                <a:latin typeface="Calibri" panose="020F0502020204030204" pitchFamily="34" charset="0"/>
+                <a:cs typeface="Calibri" panose="020F0502020204030204" pitchFamily="34" charset="0"/>
+              </a:rPr>
+              <a:t>After </a:t>
             </a:r>
             <a:r>
               <a:rPr lang="en-US" sz="2400" dirty="0" err="1">
-                <a:latin typeface="Calibri" panose="020F0502020204030204" pitchFamily="34" charset="0"/>
-                <a:cs typeface="Calibri" panose="020F0502020204030204" pitchFamily="34" charset="0"/>
-              </a:rPr>
-              <a:t>chunkname</a:t>
+                <a:solidFill>
+                  <a:srgbClr val="FFFF00"/>
+                </a:solidFill>
+                <a:latin typeface="Calibri" panose="020F0502020204030204" pitchFamily="34" charset="0"/>
+                <a:cs typeface="Calibri" panose="020F0502020204030204" pitchFamily="34" charset="0"/>
+              </a:rPr>
+              <a:t>depad</a:t>
             </a:r>
             <a:r>
               <a:rPr lang="en-US" sz="2400" dirty="0">
-                <a:latin typeface="Calibri" panose="020F0502020204030204" pitchFamily="34" charset="0"/>
-                <a:cs typeface="Calibri" panose="020F0502020204030204" pitchFamily="34" charset="0"/>
-              </a:rPr>
-              <a:t> and link the previous one to the current Chunk.</a:t>
-            </a:r>
-          </a:p>
-          <a:p>
-            <a:pPr lvl="1"/>
-            <a:r>
-              <a:rPr lang="en-US" sz="2400" dirty="0">
-                <a:latin typeface="Calibri" panose="020F0502020204030204" pitchFamily="34" charset="0"/>
-                <a:cs typeface="Calibri" panose="020F0502020204030204" pitchFamily="34" charset="0"/>
-              </a:rPr>
-              <a:t>Judge if the last segment need padding and pad it and set </a:t>
-            </a:r>
-            <a:r>
-              <a:rPr lang="en-US" sz="2400" i="1" dirty="0">
-                <a:latin typeface="Calibri" panose="020F0502020204030204" pitchFamily="34" charset="0"/>
-                <a:cs typeface="Calibri" panose="020F0502020204030204" pitchFamily="34" charset="0"/>
-              </a:rPr>
-              <a:t>padded</a:t>
-            </a:r>
-            <a:r>
-              <a:rPr lang="en-US" sz="2400" dirty="0">
-                <a:latin typeface="Calibri" panose="020F0502020204030204" pitchFamily="34" charset="0"/>
-                <a:cs typeface="Calibri" panose="020F0502020204030204" pitchFamily="34" charset="0"/>
-              </a:rPr>
-              <a:t>=1 if true. Then hash and build Chunk same as above.</a:t>
-            </a:r>
-          </a:p>
-          <a:p>
-            <a:r>
-              <a:rPr lang="en-US" sz="2800" dirty="0">
-                <a:latin typeface="Calibri" panose="020F0502020204030204" pitchFamily="34" charset="0"/>
-                <a:cs typeface="Calibri" panose="020F0502020204030204" pitchFamily="34" charset="0"/>
-              </a:rPr>
-              <a:t>File Listing</a:t>
-            </a:r>
-          </a:p>
-          <a:p>
-            <a:pPr lvl="1"/>
-            <a:r>
-              <a:rPr lang="en-US" sz="2400" dirty="0">
-                <a:latin typeface="Calibri" panose="020F0502020204030204" pitchFamily="34" charset="0"/>
-                <a:cs typeface="Calibri" panose="020F0502020204030204" pitchFamily="34" charset="0"/>
-              </a:rPr>
-              <a:t>Just list the dictionary of filenames. Supports alphabetical order; with extra timestamp/file size it is possible to have these orders as well.</a:t>
-            </a:r>
+                <a:solidFill>
+                  <a:srgbClr val="FFFF00"/>
+                </a:solidFill>
+                <a:latin typeface="Calibri" panose="020F0502020204030204" pitchFamily="34" charset="0"/>
+                <a:cs typeface="Calibri" panose="020F0502020204030204" pitchFamily="34" charset="0"/>
+              </a:rPr>
+              <a:t>: </a:t>
+            </a:r>
+            <a:r>
+              <a:rPr lang="en-US" altLang="zh-CN" sz="2400" dirty="0">
+                <a:solidFill>
+                  <a:srgbClr val="FFFF00"/>
+                </a:solidFill>
+                <a:latin typeface="Calibri" panose="020F0502020204030204" pitchFamily="34" charset="0"/>
+                <a:cs typeface="Calibri" panose="020F0502020204030204" pitchFamily="34" charset="0"/>
+              </a:rPr>
+              <a:t>I like Boston</a:t>
+            </a:r>
+            <a:endParaRPr lang="en-US" sz="2400" dirty="0">
+              <a:solidFill>
+                <a:srgbClr val="FFFF00"/>
+              </a:solidFill>
+              <a:latin typeface="Calibri" panose="020F0502020204030204" pitchFamily="34" charset="0"/>
+              <a:cs typeface="Calibri" panose="020F0502020204030204" pitchFamily="34" charset="0"/>
+            </a:endParaRPr>
           </a:p>
         </p:txBody>
       </p:sp>
     </p:spTree>
     <p:extLst>
       <p:ext uri="{BB962C8B-B14F-4D97-AF65-F5344CB8AC3E}">
-        <p14:creationId xmlns:p14="http://schemas.microsoft.com/office/powerpoint/2010/main" val="1136102002"/>
+        <p14:creationId xmlns:p14="http://schemas.microsoft.com/office/powerpoint/2010/main" val="3615012674"/>
       </p:ext>
     </p:extLst>
   </p:cSld>
@@ -6868,6 +6805,198 @@
         </p:nvSpPr>
         <p:spPr>
           <a:xfrm>
+            <a:off x="685800" y="484094"/>
+            <a:ext cx="10820400" cy="6060141"/>
+          </a:xfrm>
+        </p:spPr>
+        <p:txBody>
+          <a:bodyPr>
+            <a:normAutofit/>
+          </a:bodyPr>
+          <a:lstStyle/>
+          <a:p>
+            <a:r>
+              <a:rPr lang="en-US" sz="3600" dirty="0">
+                <a:latin typeface="Calibri" panose="020F0502020204030204" pitchFamily="34" charset="0"/>
+                <a:cs typeface="Calibri" panose="020F0502020204030204" pitchFamily="34" charset="0"/>
+              </a:rPr>
+              <a:t>Function Outlines</a:t>
+            </a:r>
+          </a:p>
+          <a:p>
+            <a:r>
+              <a:rPr lang="en-US" sz="2800" dirty="0">
+                <a:latin typeface="Calibri" panose="020F0502020204030204" pitchFamily="34" charset="0"/>
+                <a:cs typeface="Calibri" panose="020F0502020204030204" pitchFamily="34" charset="0"/>
+              </a:rPr>
+              <a:t>File Loading</a:t>
+            </a:r>
+          </a:p>
+          <a:p>
+            <a:pPr lvl="1"/>
+            <a:r>
+              <a:rPr lang="en-US" sz="2400" dirty="0">
+                <a:latin typeface="Calibri" panose="020F0502020204030204" pitchFamily="34" charset="0"/>
+                <a:cs typeface="Calibri" panose="020F0502020204030204" pitchFamily="34" charset="0"/>
+              </a:rPr>
+              <a:t>Generate a new filename structure, initialize name and insert into filename dictionary.</a:t>
+            </a:r>
+          </a:p>
+          <a:p>
+            <a:pPr lvl="1"/>
+            <a:r>
+              <a:rPr lang="en-US" sz="2400" dirty="0">
+                <a:latin typeface="Calibri" panose="020F0502020204030204" pitchFamily="34" charset="0"/>
+                <a:cs typeface="Calibri" panose="020F0502020204030204" pitchFamily="34" charset="0"/>
+              </a:rPr>
+              <a:t>Splitting file into chunks.</a:t>
+            </a:r>
+          </a:p>
+          <a:p>
+            <a:pPr lvl="1"/>
+            <a:r>
+              <a:rPr lang="en-US" sz="2400" dirty="0">
+                <a:latin typeface="Calibri" panose="020F0502020204030204" pitchFamily="34" charset="0"/>
+                <a:cs typeface="Calibri" panose="020F0502020204030204" pitchFamily="34" charset="0"/>
+              </a:rPr>
+              <a:t>For each chunk, do a SHA256 hash and search for same entry in </a:t>
+            </a:r>
+            <a:r>
+              <a:rPr lang="en-US" sz="2400" dirty="0" err="1">
+                <a:latin typeface="Calibri" panose="020F0502020204030204" pitchFamily="34" charset="0"/>
+                <a:cs typeface="Calibri" panose="020F0502020204030204" pitchFamily="34" charset="0"/>
+              </a:rPr>
+              <a:t>chunkname</a:t>
+            </a:r>
+            <a:r>
+              <a:rPr lang="en-US" sz="2400" dirty="0">
+                <a:latin typeface="Calibri" panose="020F0502020204030204" pitchFamily="34" charset="0"/>
+                <a:cs typeface="Calibri" panose="020F0502020204030204" pitchFamily="34" charset="0"/>
+              </a:rPr>
+              <a:t> dictionary. If found, simply add its </a:t>
+            </a:r>
+            <a:r>
+              <a:rPr lang="en-US" sz="2400" dirty="0" err="1">
+                <a:latin typeface="Calibri" panose="020F0502020204030204" pitchFamily="34" charset="0"/>
+                <a:cs typeface="Calibri" panose="020F0502020204030204" pitchFamily="34" charset="0"/>
+              </a:rPr>
+              <a:t>ownercount</a:t>
+            </a:r>
+            <a:r>
+              <a:rPr lang="en-US" sz="2400" dirty="0">
+                <a:latin typeface="Calibri" panose="020F0502020204030204" pitchFamily="34" charset="0"/>
+                <a:cs typeface="Calibri" panose="020F0502020204030204" pitchFamily="34" charset="0"/>
+              </a:rPr>
+              <a:t> by 1; else, save the actual data segment using the hash as name. A new Chunk structure is also built w/ </a:t>
+            </a:r>
+            <a:r>
+              <a:rPr lang="en-US" sz="2400" dirty="0" err="1">
+                <a:latin typeface="Calibri" panose="020F0502020204030204" pitchFamily="34" charset="0"/>
+                <a:cs typeface="Calibri" panose="020F0502020204030204" pitchFamily="34" charset="0"/>
+              </a:rPr>
+              <a:t>chunkname</a:t>
+            </a:r>
+            <a:r>
+              <a:rPr lang="en-US" sz="2400" dirty="0">
+                <a:latin typeface="Calibri" panose="020F0502020204030204" pitchFamily="34" charset="0"/>
+                <a:cs typeface="Calibri" panose="020F0502020204030204" pitchFamily="34" charset="0"/>
+              </a:rPr>
+              <a:t> and link the previous one to the current Chunk.</a:t>
+            </a:r>
+          </a:p>
+          <a:p>
+            <a:pPr lvl="1"/>
+            <a:r>
+              <a:rPr lang="en-US" sz="2400" dirty="0">
+                <a:latin typeface="Calibri" panose="020F0502020204030204" pitchFamily="34" charset="0"/>
+                <a:cs typeface="Calibri" panose="020F0502020204030204" pitchFamily="34" charset="0"/>
+              </a:rPr>
+              <a:t>Judge if the last segment need padding and pad it and set </a:t>
+            </a:r>
+            <a:r>
+              <a:rPr lang="en-US" sz="2400" i="1" dirty="0">
+                <a:latin typeface="Calibri" panose="020F0502020204030204" pitchFamily="34" charset="0"/>
+                <a:cs typeface="Calibri" panose="020F0502020204030204" pitchFamily="34" charset="0"/>
+              </a:rPr>
+              <a:t>padded</a:t>
+            </a:r>
+            <a:r>
+              <a:rPr lang="en-US" sz="2400" dirty="0">
+                <a:latin typeface="Calibri" panose="020F0502020204030204" pitchFamily="34" charset="0"/>
+                <a:cs typeface="Calibri" panose="020F0502020204030204" pitchFamily="34" charset="0"/>
+              </a:rPr>
+              <a:t>=1 if true. Then hash and build Chunk same as above.</a:t>
+            </a:r>
+          </a:p>
+          <a:p>
+            <a:r>
+              <a:rPr lang="en-US" sz="2800" dirty="0">
+                <a:latin typeface="Calibri" panose="020F0502020204030204" pitchFamily="34" charset="0"/>
+                <a:cs typeface="Calibri" panose="020F0502020204030204" pitchFamily="34" charset="0"/>
+              </a:rPr>
+              <a:t>File Listing</a:t>
+            </a:r>
+          </a:p>
+          <a:p>
+            <a:pPr lvl="1"/>
+            <a:r>
+              <a:rPr lang="en-US" sz="2400" dirty="0">
+                <a:latin typeface="Calibri" panose="020F0502020204030204" pitchFamily="34" charset="0"/>
+                <a:cs typeface="Calibri" panose="020F0502020204030204" pitchFamily="34" charset="0"/>
+              </a:rPr>
+              <a:t>Just list the dictionary of filenames. Supports alphabetical order; with extra timestamp/file size it is possible to have these orders as well.</a:t>
+            </a:r>
+          </a:p>
+        </p:txBody>
+      </p:sp>
+    </p:spTree>
+    <p:extLst>
+      <p:ext uri="{BB962C8B-B14F-4D97-AF65-F5344CB8AC3E}">
+        <p14:creationId xmlns:p14="http://schemas.microsoft.com/office/powerpoint/2010/main" val="1136102002"/>
+      </p:ext>
+    </p:extLst>
+  </p:cSld>
+  <p:clrMapOvr>
+    <a:masterClrMapping/>
+  </p:clrMapOvr>
+</p:sld>
+</file>
+
+<file path=ppt/slides/slide7.xml><?xml version="1.0" encoding="utf-8"?>
+<p:sld xmlns:a="http://schemas.openxmlformats.org/drawingml/2006/main" xmlns:r="http://schemas.openxmlformats.org/officeDocument/2006/relationships" xmlns:p="http://schemas.openxmlformats.org/presentationml/2006/main">
+  <p:cSld>
+    <p:spTree>
+      <p:nvGrpSpPr>
+        <p:cNvPr id="1" name=""/>
+        <p:cNvGrpSpPr/>
+        <p:nvPr/>
+      </p:nvGrpSpPr>
+      <p:grpSpPr>
+        <a:xfrm>
+          <a:off x="0" y="0"/>
+          <a:ext cx="0" cy="0"/>
+          <a:chOff x="0" y="0"/>
+          <a:chExt cx="0" cy="0"/>
+        </a:xfrm>
+      </p:grpSpPr>
+      <p:sp>
+        <p:nvSpPr>
+          <p:cNvPr id="3" name="内容占位符 2">
+            <a:extLst>
+              <a:ext uri="{FF2B5EF4-FFF2-40B4-BE49-F238E27FC236}">
+                <a16:creationId xmlns:a16="http://schemas.microsoft.com/office/drawing/2014/main" id="{C0F5322C-F5FD-41D3-B17C-EF8CFF58CE74}"/>
+              </a:ext>
+            </a:extLst>
+          </p:cNvPr>
+          <p:cNvSpPr>
+            <a:spLocks noGrp="1"/>
+          </p:cNvSpPr>
+          <p:nvPr>
+            <p:ph idx="1"/>
+          </p:nvPr>
+        </p:nvSpPr>
+        <p:spPr>
+          <a:xfrm>
             <a:off x="685800" y="555812"/>
             <a:ext cx="10820400" cy="6382871"/>
           </a:xfrm>
@@ -7107,7 +7236,7 @@
 </p:sld>
 </file>
 
-<file path=ppt/slides/slide7.xml><?xml version="1.0" encoding="utf-8"?>
+<file path=ppt/slides/slide8.xml><?xml version="1.0" encoding="utf-8"?>
 <p:sld xmlns:a="http://schemas.openxmlformats.org/drawingml/2006/main" xmlns:r="http://schemas.openxmlformats.org/officeDocument/2006/relationships" xmlns:p="http://schemas.openxmlformats.org/presentationml/2006/main">
   <p:cSld>
     <p:spTree>

--- a/EC504Project2.pptx
+++ b/EC504Project2.pptx
@@ -8,11 +8,12 @@
     <p:sldId id="256" r:id="rId2"/>
     <p:sldId id="257" r:id="rId3"/>
     <p:sldId id="264" r:id="rId4"/>
-    <p:sldId id="258" r:id="rId5"/>
-    <p:sldId id="262" r:id="rId6"/>
-    <p:sldId id="261" r:id="rId7"/>
-    <p:sldId id="259" r:id="rId8"/>
-    <p:sldId id="260" r:id="rId9"/>
+    <p:sldId id="261" r:id="rId5"/>
+    <p:sldId id="259" r:id="rId6"/>
+    <p:sldId id="258" r:id="rId7"/>
+    <p:sldId id="262" r:id="rId8"/>
+    <p:sldId id="268" r:id="rId9"/>
+    <p:sldId id="267" r:id="rId10"/>
   </p:sldIdLst>
   <p:sldSz cx="12192000" cy="6858000"/>
   <p:notesSz cx="6858000" cy="9144000"/>
@@ -289,7 +290,7 @@
           <a:p>
             <a:fld id="{48A87A34-81AB-432B-8DAE-1953F412C126}" type="datetimeFigureOut">
               <a:rPr lang="en-US" dirty="0"/>
-              <a:t>12/8/20</a:t>
+              <a:t>12/11/2020</a:t>
             </a:fld>
             <a:endParaRPr lang="en-US" dirty="0"/>
           </a:p>
@@ -551,7 +552,7 @@
           <a:p>
             <a:fld id="{48A87A34-81AB-432B-8DAE-1953F412C126}" type="datetimeFigureOut">
               <a:rPr lang="en-US" dirty="0"/>
-              <a:t>12/8/20</a:t>
+              <a:t>12/11/2020</a:t>
             </a:fld>
             <a:endParaRPr lang="en-US" dirty="0"/>
           </a:p>
@@ -778,7 +779,7 @@
             <a:fld id="{48A87A34-81AB-432B-8DAE-1953F412C126}" type="datetimeFigureOut">
               <a:rPr lang="en-US" dirty="0"/>
               <a:pPr/>
-              <a:t>12/8/20</a:t>
+              <a:t>12/11/2020</a:t>
             </a:fld>
             <a:endParaRPr lang="en-US" dirty="0"/>
           </a:p>
@@ -1084,7 +1085,7 @@
             <a:fld id="{48A87A34-81AB-432B-8DAE-1953F412C126}" type="datetimeFigureOut">
               <a:rPr lang="en-US" dirty="0"/>
               <a:pPr/>
-              <a:t>12/8/20</a:t>
+              <a:t>12/11/2020</a:t>
             </a:fld>
             <a:endParaRPr lang="en-US" dirty="0"/>
           </a:p>
@@ -1553,7 +1554,7 @@
             <a:fld id="{48A87A34-81AB-432B-8DAE-1953F412C126}" type="datetimeFigureOut">
               <a:rPr lang="en-US" dirty="0"/>
               <a:pPr/>
-              <a:t>12/8/20</a:t>
+              <a:t>12/11/2020</a:t>
             </a:fld>
             <a:endParaRPr lang="en-US" dirty="0"/>
           </a:p>
@@ -2095,7 +2096,7 @@
           <a:p>
             <a:fld id="{48A87A34-81AB-432B-8DAE-1953F412C126}" type="datetimeFigureOut">
               <a:rPr lang="en-US" dirty="0"/>
-              <a:t>12/8/20</a:t>
+              <a:t>12/11/2020</a:t>
             </a:fld>
             <a:endParaRPr lang="en-US" dirty="0"/>
           </a:p>
@@ -2864,7 +2865,7 @@
           <a:p>
             <a:fld id="{48A87A34-81AB-432B-8DAE-1953F412C126}" type="datetimeFigureOut">
               <a:rPr lang="en-US" dirty="0"/>
-              <a:t>12/8/20</a:t>
+              <a:t>12/11/2020</a:t>
             </a:fld>
             <a:endParaRPr lang="en-US" dirty="0"/>
           </a:p>
@@ -3034,7 +3035,7 @@
           <a:p>
             <a:fld id="{48A87A34-81AB-432B-8DAE-1953F412C126}" type="datetimeFigureOut">
               <a:rPr lang="en-US" dirty="0"/>
-              <a:t>12/8/20</a:t>
+              <a:t>12/11/2020</a:t>
             </a:fld>
             <a:endParaRPr lang="en-US" dirty="0"/>
           </a:p>
@@ -3253,7 +3254,7 @@
             <a:fld id="{48A87A34-81AB-432B-8DAE-1953F412C126}" type="datetimeFigureOut">
               <a:rPr lang="en-US" dirty="0"/>
               <a:pPr/>
-              <a:t>12/8/20</a:t>
+              <a:t>12/11/2020</a:t>
             </a:fld>
             <a:endParaRPr lang="en-US" dirty="0"/>
           </a:p>
@@ -3428,7 +3429,7 @@
           <a:p>
             <a:fld id="{48A87A34-81AB-432B-8DAE-1953F412C126}" type="datetimeFigureOut">
               <a:rPr lang="en-US" dirty="0"/>
-              <a:t>12/8/20</a:t>
+              <a:t>12/11/2020</a:t>
             </a:fld>
             <a:endParaRPr lang="en-US" dirty="0"/>
           </a:p>
@@ -3713,7 +3714,7 @@
             <a:fld id="{48A87A34-81AB-432B-8DAE-1953F412C126}" type="datetimeFigureOut">
               <a:rPr lang="en-US" dirty="0"/>
               <a:pPr/>
-              <a:t>12/8/20</a:t>
+              <a:t>12/11/2020</a:t>
             </a:fld>
             <a:endParaRPr lang="en-US" dirty="0"/>
           </a:p>
@@ -3950,7 +3951,7 @@
           <a:p>
             <a:fld id="{48A87A34-81AB-432B-8DAE-1953F412C126}" type="datetimeFigureOut">
               <a:rPr lang="en-US" dirty="0"/>
-              <a:t>12/8/20</a:t>
+              <a:t>12/11/2020</a:t>
             </a:fld>
             <a:endParaRPr lang="en-US" dirty="0"/>
           </a:p>
@@ -4324,7 +4325,7 @@
           <a:p>
             <a:fld id="{48A87A34-81AB-432B-8DAE-1953F412C126}" type="datetimeFigureOut">
               <a:rPr lang="en-US" dirty="0"/>
-              <a:t>12/8/20</a:t>
+              <a:t>12/11/2020</a:t>
             </a:fld>
             <a:endParaRPr lang="en-US" dirty="0"/>
           </a:p>
@@ -4437,7 +4438,7 @@
           <a:p>
             <a:fld id="{48A87A34-81AB-432B-8DAE-1953F412C126}" type="datetimeFigureOut">
               <a:rPr lang="en-US" dirty="0"/>
-              <a:t>12/8/20</a:t>
+              <a:t>12/11/2020</a:t>
             </a:fld>
             <a:endParaRPr lang="en-US" dirty="0"/>
           </a:p>
@@ -4527,7 +4528,7 @@
           <a:p>
             <a:fld id="{48A87A34-81AB-432B-8DAE-1953F412C126}" type="datetimeFigureOut">
               <a:rPr lang="en-US" dirty="0"/>
-              <a:t>12/8/20</a:t>
+              <a:t>12/11/2020</a:t>
             </a:fld>
             <a:endParaRPr lang="en-US" dirty="0"/>
           </a:p>
@@ -4771,7 +4772,7 @@
           <a:p>
             <a:fld id="{48A87A34-81AB-432B-8DAE-1953F412C126}" type="datetimeFigureOut">
               <a:rPr lang="en-US" dirty="0"/>
-              <a:t>12/8/20</a:t>
+              <a:t>12/11/2020</a:t>
             </a:fld>
             <a:endParaRPr lang="en-US" dirty="0"/>
           </a:p>
@@ -5023,7 +5024,7 @@
           <a:p>
             <a:fld id="{48A87A34-81AB-432B-8DAE-1953F412C126}" type="datetimeFigureOut">
               <a:rPr lang="en-US" dirty="0"/>
-              <a:t>12/8/20</a:t>
+              <a:t>12/11/2020</a:t>
             </a:fld>
             <a:endParaRPr lang="en-US" dirty="0"/>
           </a:p>
@@ -5262,7 +5263,7 @@
             <a:fld id="{48A87A34-81AB-432B-8DAE-1953F412C126}" type="datetimeFigureOut">
               <a:rPr lang="en-US" dirty="0"/>
               <a:pPr/>
-              <a:t>12/8/20</a:t>
+              <a:t>12/11/2020</a:t>
             </a:fld>
             <a:endParaRPr lang="en-US" dirty="0"/>
           </a:p>
@@ -6286,17 +6287,7 @@
                 <a:latin typeface="Calibri" panose="020F0502020204030204" pitchFamily="34" charset="0"/>
                 <a:cs typeface="Calibri" panose="020F0502020204030204" pitchFamily="34" charset="0"/>
               </a:rPr>
-              <a:t>Read the chunk file into a buffer, then open our input file in write mode and add the chunk to the end of input file. Save this new input file into </a:t>
-            </a:r>
-            <a:r>
-              <a:rPr lang="en-US" sz="2400">
-                <a:solidFill>
-                  <a:prstClr val="white"/>
-                </a:solidFill>
-                <a:latin typeface="Calibri" panose="020F0502020204030204" pitchFamily="34" charset="0"/>
-                <a:cs typeface="Calibri" panose="020F0502020204030204" pitchFamily="34" charset="0"/>
-              </a:rPr>
-              <a:t>the output file.</a:t>
+              <a:t>Read the chunk file into a buffer, then open our input file in write mode and add the chunk to the end of input file. Save this new input file into the output file.</a:t>
             </a:r>
             <a:endParaRPr lang="en-US" dirty="0"/>
           </a:p>
@@ -6363,13 +6354,13 @@
         </p:nvSpPr>
         <p:spPr>
           <a:xfrm>
-            <a:off x="685800" y="484095"/>
-            <a:ext cx="10820400" cy="5782482"/>
+            <a:off x="685800" y="484094"/>
+            <a:ext cx="10820400" cy="6060141"/>
           </a:xfrm>
         </p:spPr>
         <p:txBody>
           <a:bodyPr>
-            <a:normAutofit lnSpcReduction="10000"/>
+            <a:normAutofit/>
           </a:bodyPr>
           <a:lstStyle/>
           <a:p>
@@ -6387,7 +6378,7 @@
                 <a:latin typeface="Calibri" panose="020F0502020204030204" pitchFamily="34" charset="0"/>
                 <a:cs typeface="Calibri" panose="020F0502020204030204" pitchFamily="34" charset="0"/>
               </a:rPr>
-              <a:t>File Padding</a:t>
+              <a:t>File Loading</a:t>
             </a:r>
           </a:p>
           <a:p>
@@ -6397,7 +6388,7 @@
                 <a:latin typeface="Calibri" panose="020F0502020204030204" pitchFamily="34" charset="0"/>
                 <a:cs typeface="Calibri" panose="020F0502020204030204" pitchFamily="34" charset="0"/>
               </a:rPr>
-              <a:t>If we detect there is a file need to pad, we put the text name into function pad(char* c). In this function, we firstly detect the whole text and judge the length of this file. </a:t>
+              <a:t>Generate a new filename structure, initialize name and insert into filename dictionary.</a:t>
             </a:r>
           </a:p>
           <a:p>
@@ -6407,7 +6398,7 @@
                 <a:latin typeface="Calibri" panose="020F0502020204030204" pitchFamily="34" charset="0"/>
                 <a:cs typeface="Calibri" panose="020F0502020204030204" pitchFamily="34" charset="0"/>
               </a:rPr>
-              <a:t>If the length is equal to our set size, return back. Otherwise, we need to detect the last character of this file. </a:t>
+              <a:t>Splitting file into chunks.</a:t>
             </a:r>
           </a:p>
           <a:p>
@@ -6417,53 +6408,92 @@
                 <a:latin typeface="Calibri" panose="020F0502020204030204" pitchFamily="34" charset="0"/>
                 <a:cs typeface="Calibri" panose="020F0502020204030204" pitchFamily="34" charset="0"/>
               </a:rPr>
-              <a:t>If the last one is the same as our first-order padding-label, we will choose the second-order label instead. Otherwise, we will use the first one and plus multiple labels after the original last character until the size of file can equal to our set size.</a:t>
-            </a:r>
-          </a:p>
-          <a:p>
-            <a:pPr lvl="1"/>
-            <a:endParaRPr lang="en-US" sz="2400" dirty="0">
-              <a:latin typeface="Calibri" panose="020F0502020204030204" pitchFamily="34" charset="0"/>
-              <a:cs typeface="Calibri" panose="020F0502020204030204" pitchFamily="34" charset="0"/>
-            </a:endParaRPr>
-          </a:p>
-          <a:p>
-            <a:pPr lvl="1"/>
-            <a:r>
-              <a:rPr lang="en-US" altLang="zh-CN" sz="2400" dirty="0">
-                <a:solidFill>
-                  <a:srgbClr val="00B0F0"/>
-                </a:solidFill>
+              <a:t>For each chunk, do a SHA256 hash and search for same entry in </a:t>
+            </a:r>
+            <a:r>
+              <a:rPr lang="en-US" sz="2400" dirty="0" err="1">
                 <a:latin typeface="Calibri" panose="020F0502020204030204" pitchFamily="34" charset="0"/>
                 <a:cs typeface="Calibri" panose="020F0502020204030204" pitchFamily="34" charset="0"/>
               </a:rPr>
-              <a:t>For example, assume we need to pad the following text. We choose {0,1} as the added label.</a:t>
-            </a:r>
-          </a:p>
-          <a:p>
-            <a:pPr lvl="1"/>
-            <a:r>
-              <a:rPr lang="en-US" altLang="zh-CN" sz="2400" dirty="0">
-                <a:solidFill>
-                  <a:srgbClr val="FFFF00"/>
-                </a:solidFill>
+              <a:t>chunkname</a:t>
+            </a:r>
+            <a:r>
+              <a:rPr lang="en-US" sz="2400" dirty="0">
                 <a:latin typeface="Calibri" panose="020F0502020204030204" pitchFamily="34" charset="0"/>
                 <a:cs typeface="Calibri" panose="020F0502020204030204" pitchFamily="34" charset="0"/>
               </a:rPr>
-              <a:t>Before pad: The number of students in BU is more than 10000</a:t>
-            </a:r>
-          </a:p>
-          <a:p>
-            <a:pPr lvl="1"/>
-            <a:r>
-              <a:rPr lang="en-US" altLang="zh-CN" sz="2400" dirty="0">
-                <a:solidFill>
-                  <a:srgbClr val="FFFF00"/>
-                </a:solidFill>
+              <a:t> dictionary. If found, simply add its </a:t>
+            </a:r>
+            <a:r>
+              <a:rPr lang="en-US" sz="2400" dirty="0" err="1">
                 <a:latin typeface="Calibri" panose="020F0502020204030204" pitchFamily="34" charset="0"/>
                 <a:cs typeface="Calibri" panose="020F0502020204030204" pitchFamily="34" charset="0"/>
               </a:rPr>
-              <a:t>After pad: The number of students in BU is more than 1000011111111</a:t>
+              <a:t>ownercount</a:t>
+            </a:r>
+            <a:r>
+              <a:rPr lang="en-US" sz="2400" dirty="0">
+                <a:latin typeface="Calibri" panose="020F0502020204030204" pitchFamily="34" charset="0"/>
+                <a:cs typeface="Calibri" panose="020F0502020204030204" pitchFamily="34" charset="0"/>
+              </a:rPr>
+              <a:t> by 1; else, save the actual data segment using the hash as name. A new Chunk structure is also built w/ </a:t>
+            </a:r>
+            <a:r>
+              <a:rPr lang="en-US" sz="2400" dirty="0" err="1">
+                <a:latin typeface="Calibri" panose="020F0502020204030204" pitchFamily="34" charset="0"/>
+                <a:cs typeface="Calibri" panose="020F0502020204030204" pitchFamily="34" charset="0"/>
+              </a:rPr>
+              <a:t>chunkname</a:t>
+            </a:r>
+            <a:r>
+              <a:rPr lang="en-US" sz="2400" dirty="0">
+                <a:latin typeface="Calibri" panose="020F0502020204030204" pitchFamily="34" charset="0"/>
+                <a:cs typeface="Calibri" panose="020F0502020204030204" pitchFamily="34" charset="0"/>
+              </a:rPr>
+              <a:t> and link the previous one to the current Chunk.</a:t>
+            </a:r>
+          </a:p>
+          <a:p>
+            <a:pPr lvl="1"/>
+            <a:r>
+              <a:rPr lang="en-US" sz="2400" dirty="0">
+                <a:latin typeface="Calibri" panose="020F0502020204030204" pitchFamily="34" charset="0"/>
+                <a:cs typeface="Calibri" panose="020F0502020204030204" pitchFamily="34" charset="0"/>
+              </a:rPr>
+              <a:t>Judge if the last segment need padding and pad it and set </a:t>
+            </a:r>
+            <a:r>
+              <a:rPr lang="en-US" sz="2400" i="1" dirty="0">
+                <a:latin typeface="Calibri" panose="020F0502020204030204" pitchFamily="34" charset="0"/>
+                <a:cs typeface="Calibri" panose="020F0502020204030204" pitchFamily="34" charset="0"/>
+              </a:rPr>
+              <a:t>padded</a:t>
+            </a:r>
+            <a:r>
+              <a:rPr lang="en-US" sz="2400" dirty="0">
+                <a:latin typeface="Calibri" panose="020F0502020204030204" pitchFamily="34" charset="0"/>
+                <a:cs typeface="Calibri" panose="020F0502020204030204" pitchFamily="34" charset="0"/>
+              </a:rPr>
+              <a:t>=1 if true. Then hash and build Chunk same as above.</a:t>
+            </a:r>
+          </a:p>
+          <a:p>
+            <a:r>
+              <a:rPr lang="en-US" sz="2800" dirty="0">
+                <a:latin typeface="Calibri" panose="020F0502020204030204" pitchFamily="34" charset="0"/>
+                <a:cs typeface="Calibri" panose="020F0502020204030204" pitchFamily="34" charset="0"/>
+              </a:rPr>
+              <a:t>File Listing</a:t>
+            </a:r>
+          </a:p>
+          <a:p>
+            <a:pPr lvl="1"/>
+            <a:r>
+              <a:rPr lang="en-US" sz="2400" dirty="0">
+                <a:latin typeface="Calibri" panose="020F0502020204030204" pitchFamily="34" charset="0"/>
+                <a:cs typeface="Calibri" panose="020F0502020204030204" pitchFamily="34" charset="0"/>
+              </a:rPr>
+              <a:t>Just list the dictionary of filenames. Supports alphabetical order; with extra timestamp/file size it is possible to have these orders as well.</a:t>
             </a:r>
           </a:p>
         </p:txBody>
@@ -6471,7 +6501,7 @@
     </p:spTree>
     <p:extLst>
       <p:ext uri="{BB962C8B-B14F-4D97-AF65-F5344CB8AC3E}">
-        <p14:creationId xmlns:p14="http://schemas.microsoft.com/office/powerpoint/2010/main" val="4070890068"/>
+        <p14:creationId xmlns:p14="http://schemas.microsoft.com/office/powerpoint/2010/main" val="1136102002"/>
       </p:ext>
     </p:extLst>
   </p:cSld>
@@ -6516,13 +6546,13 @@
         </p:nvSpPr>
         <p:spPr>
           <a:xfrm>
-            <a:off x="685800" y="484094"/>
-            <a:ext cx="10820400" cy="6060141"/>
+            <a:off x="685800" y="555812"/>
+            <a:ext cx="10820400" cy="6382871"/>
           </a:xfrm>
         </p:spPr>
         <p:txBody>
           <a:bodyPr>
-            <a:normAutofit/>
+            <a:normAutofit lnSpcReduction="10000"/>
           </a:bodyPr>
           <a:lstStyle/>
           <a:p>
@@ -6540,19 +6570,8 @@
                 <a:latin typeface="Calibri" panose="020F0502020204030204" pitchFamily="34" charset="0"/>
                 <a:cs typeface="Calibri" panose="020F0502020204030204" pitchFamily="34" charset="0"/>
               </a:rPr>
-              <a:t>File </a:t>
-            </a:r>
-            <a:r>
-              <a:rPr lang="en-US" sz="2800" dirty="0" err="1">
-                <a:latin typeface="Calibri" panose="020F0502020204030204" pitchFamily="34" charset="0"/>
-                <a:cs typeface="Calibri" panose="020F0502020204030204" pitchFamily="34" charset="0"/>
-              </a:rPr>
-              <a:t>Depadding</a:t>
-            </a:r>
-            <a:endParaRPr lang="en-US" sz="2800" dirty="0">
-              <a:latin typeface="Calibri" panose="020F0502020204030204" pitchFamily="34" charset="0"/>
-              <a:cs typeface="Calibri" panose="020F0502020204030204" pitchFamily="34" charset="0"/>
-            </a:endParaRPr>
+              <a:t>File Retrieval</a:t>
+            </a:r>
           </a:p>
           <a:p>
             <a:pPr lvl="1"/>
@@ -6561,21 +6580,65 @@
                 <a:latin typeface="Calibri" panose="020F0502020204030204" pitchFamily="34" charset="0"/>
                 <a:cs typeface="Calibri" panose="020F0502020204030204" pitchFamily="34" charset="0"/>
               </a:rPr>
-              <a:t>If we detect there is a file need to </a:t>
+              <a:t>Search by input name in the filename dictionary.</a:t>
+            </a:r>
+          </a:p>
+          <a:p>
+            <a:pPr lvl="1"/>
+            <a:r>
+              <a:rPr lang="en-US" sz="2400" dirty="0">
+                <a:latin typeface="Calibri" panose="020F0502020204030204" pitchFamily="34" charset="0"/>
+                <a:cs typeface="Calibri" panose="020F0502020204030204" pitchFamily="34" charset="0"/>
+              </a:rPr>
+              <a:t>If input name is found in dictionary, find the corresponding filename structure.</a:t>
+            </a:r>
+          </a:p>
+          <a:p>
+            <a:pPr lvl="1"/>
+            <a:r>
+              <a:rPr lang="en-US" sz="2400" dirty="0">
+                <a:latin typeface="Calibri" panose="020F0502020204030204" pitchFamily="34" charset="0"/>
+                <a:cs typeface="Calibri" panose="020F0502020204030204" pitchFamily="34" charset="0"/>
+              </a:rPr>
+              <a:t>Go through the entire linked list, and for every node in the linked list copy the chunk, then merge it to the end of the output file.</a:t>
+            </a:r>
+          </a:p>
+          <a:p>
+            <a:pPr lvl="1"/>
+            <a:r>
+              <a:rPr lang="en-US" sz="2400" dirty="0">
+                <a:latin typeface="Calibri" panose="020F0502020204030204" pitchFamily="34" charset="0"/>
+                <a:cs typeface="Calibri" panose="020F0502020204030204" pitchFamily="34" charset="0"/>
+              </a:rPr>
+              <a:t>Judge if the last chunk needs </a:t>
             </a:r>
             <a:r>
               <a:rPr lang="en-US" sz="2400" dirty="0" err="1">
                 <a:latin typeface="Calibri" panose="020F0502020204030204" pitchFamily="34" charset="0"/>
                 <a:cs typeface="Calibri" panose="020F0502020204030204" pitchFamily="34" charset="0"/>
               </a:rPr>
-              <a:t>depad</a:t>
+              <a:t>depadding</a:t>
             </a:r>
             <a:r>
               <a:rPr lang="en-US" sz="2400" dirty="0">
                 <a:latin typeface="Calibri" panose="020F0502020204030204" pitchFamily="34" charset="0"/>
                 <a:cs typeface="Calibri" panose="020F0502020204030204" pitchFamily="34" charset="0"/>
               </a:rPr>
-              <a:t>, we put the text name into function </a:t>
+              <a:t> by </a:t>
+            </a:r>
+            <a:r>
+              <a:rPr lang="en-US" sz="2400" i="1" dirty="0">
+                <a:latin typeface="Calibri" panose="020F0502020204030204" pitchFamily="34" charset="0"/>
+                <a:cs typeface="Calibri" panose="020F0502020204030204" pitchFamily="34" charset="0"/>
+              </a:rPr>
+              <a:t>padded</a:t>
+            </a:r>
+            <a:r>
+              <a:rPr lang="en-US" sz="2400" dirty="0">
+                <a:latin typeface="Calibri" panose="020F0502020204030204" pitchFamily="34" charset="0"/>
+                <a:cs typeface="Calibri" panose="020F0502020204030204" pitchFamily="34" charset="0"/>
+              </a:rPr>
+              <a:t> and </a:t>
             </a:r>
             <a:r>
               <a:rPr lang="en-US" sz="2400" dirty="0" err="1">
@@ -6589,7 +6652,7 @@
                 <a:latin typeface="Calibri" panose="020F0502020204030204" pitchFamily="34" charset="0"/>
                 <a:cs typeface="Calibri" panose="020F0502020204030204" pitchFamily="34" charset="0"/>
               </a:rPr>
-              <a:t>(char* c). In this function, we will delete the added labels in the file rail.</a:t>
+              <a:t> it if needed before merging.</a:t>
             </a:r>
           </a:p>
           <a:p>
@@ -6599,7 +6662,16 @@
                 <a:latin typeface="Calibri" panose="020F0502020204030204" pitchFamily="34" charset="0"/>
                 <a:cs typeface="Calibri" panose="020F0502020204030204" pitchFamily="34" charset="0"/>
               </a:rPr>
-              <a:t>At first, we need to judge if the last one is the same as our first-order padding-label, we will choose the second-order label instead. </a:t>
+              <a:t>Return the output file.</a:t>
+            </a:r>
+          </a:p>
+          <a:p>
+            <a:r>
+              <a:rPr lang="en-US" sz="2800" dirty="0">
+                <a:latin typeface="Calibri" panose="020F0502020204030204" pitchFamily="34" charset="0"/>
+                <a:cs typeface="Calibri" panose="020F0502020204030204" pitchFamily="34" charset="0"/>
+              </a:rPr>
+              <a:t>File Deletion</a:t>
             </a:r>
           </a:p>
           <a:p>
@@ -6609,158 +6681,101 @@
                 <a:latin typeface="Calibri" panose="020F0502020204030204" pitchFamily="34" charset="0"/>
                 <a:cs typeface="Calibri" panose="020F0502020204030204" pitchFamily="34" charset="0"/>
               </a:rPr>
-              <a:t>After we know which label we used here, we can delete the rail labels until we detect the first no-chosen character.</a:t>
+              <a:t>Search by input name in the filename dictionary.</a:t>
             </a:r>
           </a:p>
           <a:p>
             <a:pPr lvl="1"/>
-            <a:endParaRPr lang="en-US" sz="2400" dirty="0">
-              <a:latin typeface="Calibri" panose="020F0502020204030204" pitchFamily="34" charset="0"/>
-              <a:cs typeface="Calibri" panose="020F0502020204030204" pitchFamily="34" charset="0"/>
-            </a:endParaRPr>
-          </a:p>
-          <a:p>
-            <a:pPr lvl="1"/>
             <a:r>
               <a:rPr lang="en-US" sz="2400" dirty="0">
-                <a:solidFill>
-                  <a:srgbClr val="00B0F0"/>
-                </a:solidFill>
                 <a:latin typeface="Calibri" panose="020F0502020204030204" pitchFamily="34" charset="0"/>
                 <a:cs typeface="Calibri" panose="020F0502020204030204" pitchFamily="34" charset="0"/>
               </a:rPr>
-              <a:t>For example, assume we need to </a:t>
-            </a:r>
-            <a:r>
-              <a:rPr lang="en-US" sz="2400" dirty="0" err="1">
-                <a:solidFill>
-                  <a:srgbClr val="00B0F0"/>
-                </a:solidFill>
+              <a:t>If input name is found in dictionary, find the corresponding filename structure.</a:t>
+            </a:r>
+          </a:p>
+          <a:p>
+            <a:pPr lvl="1"/>
+            <a:r>
+              <a:rPr lang="en-US" sz="2400" dirty="0">
                 <a:latin typeface="Calibri" panose="020F0502020204030204" pitchFamily="34" charset="0"/>
                 <a:cs typeface="Calibri" panose="020F0502020204030204" pitchFamily="34" charset="0"/>
               </a:rPr>
-              <a:t>depad</a:t>
-            </a:r>
-            <a:r>
-              <a:rPr lang="en-US" sz="2400" dirty="0">
-                <a:solidFill>
-                  <a:srgbClr val="00B0F0"/>
-                </a:solidFill>
+              <a:t>Go through the entire linked list, and for every node in the linked list find the entry in </a:t>
+            </a:r>
+            <a:r>
+              <a:rPr lang="en-US" sz="2400" dirty="0" err="1">
                 <a:latin typeface="Calibri" panose="020F0502020204030204" pitchFamily="34" charset="0"/>
                 <a:cs typeface="Calibri" panose="020F0502020204030204" pitchFamily="34" charset="0"/>
               </a:rPr>
-              <a:t> the following text. We </a:t>
-            </a:r>
-            <a:r>
-              <a:rPr lang="en-US" sz="2400">
-                <a:solidFill>
-                  <a:srgbClr val="00B0F0"/>
-                </a:solidFill>
+              <a:t>chunkname</a:t>
+            </a:r>
+            <a:r>
+              <a:rPr lang="en-US" sz="2400" dirty="0">
                 <a:latin typeface="Calibri" panose="020F0502020204030204" pitchFamily="34" charset="0"/>
                 <a:cs typeface="Calibri" panose="020F0502020204030204" pitchFamily="34" charset="0"/>
               </a:rPr>
-              <a:t>choose {0,1} </a:t>
-            </a:r>
-            <a:r>
-              <a:rPr lang="en-US" sz="2400" dirty="0">
-                <a:solidFill>
-                  <a:srgbClr val="00B0F0"/>
-                </a:solidFill>
+              <a:t> dictionary and reduce </a:t>
+            </a:r>
+            <a:r>
+              <a:rPr lang="en-US" sz="2400" dirty="0" err="1">
                 <a:latin typeface="Calibri" panose="020F0502020204030204" pitchFamily="34" charset="0"/>
                 <a:cs typeface="Calibri" panose="020F0502020204030204" pitchFamily="34" charset="0"/>
               </a:rPr>
-              <a:t>as the added label.</a:t>
-            </a:r>
-          </a:p>
-          <a:p>
-            <a:pPr lvl="1"/>
+              <a:t>ownercount</a:t>
+            </a:r>
             <a:r>
               <a:rPr lang="en-US" sz="2400" dirty="0">
-                <a:solidFill>
-                  <a:srgbClr val="FFFF00"/>
-                </a:solidFill>
                 <a:latin typeface="Calibri" panose="020F0502020204030204" pitchFamily="34" charset="0"/>
                 <a:cs typeface="Calibri" panose="020F0502020204030204" pitchFamily="34" charset="0"/>
               </a:rPr>
-              <a:t>Before </a:t>
+              <a:t> by 1. If now </a:t>
             </a:r>
             <a:r>
               <a:rPr lang="en-US" sz="2400" dirty="0" err="1">
-                <a:solidFill>
-                  <a:srgbClr val="FFFF00"/>
-                </a:solidFill>
                 <a:latin typeface="Calibri" panose="020F0502020204030204" pitchFamily="34" charset="0"/>
                 <a:cs typeface="Calibri" panose="020F0502020204030204" pitchFamily="34" charset="0"/>
               </a:rPr>
-              <a:t>depad</a:t>
+              <a:t>ownercount</a:t>
             </a:r>
             <a:r>
               <a:rPr lang="en-US" sz="2400" dirty="0">
-                <a:solidFill>
-                  <a:srgbClr val="FFFF00"/>
-                </a:solidFill>
                 <a:latin typeface="Calibri" panose="020F0502020204030204" pitchFamily="34" charset="0"/>
                 <a:cs typeface="Calibri" panose="020F0502020204030204" pitchFamily="34" charset="0"/>
               </a:rPr>
-              <a:t>: I like Boston00000000000</a:t>
-            </a:r>
-          </a:p>
-          <a:p>
-            <a:pPr lvl="1"/>
-            <a:r>
-              <a:rPr lang="en-US" sz="2400" dirty="0">
-                <a:solidFill>
-                  <a:srgbClr val="FFFF00"/>
-                </a:solidFill>
+              <a:t> is 0, remove the actual data segment and </a:t>
+            </a:r>
+            <a:r>
+              <a:rPr lang="en-US" sz="2400" dirty="0" err="1">
                 <a:latin typeface="Calibri" panose="020F0502020204030204" pitchFamily="34" charset="0"/>
                 <a:cs typeface="Calibri" panose="020F0502020204030204" pitchFamily="34" charset="0"/>
               </a:rPr>
-              <a:t>After </a:t>
-            </a:r>
-            <a:r>
-              <a:rPr lang="en-US" sz="2400" dirty="0" err="1">
-                <a:solidFill>
-                  <a:srgbClr val="FFFF00"/>
-                </a:solidFill>
+              <a:t>chunkname</a:t>
+            </a:r>
+            <a:r>
+              <a:rPr lang="en-US" sz="2400" dirty="0">
                 <a:latin typeface="Calibri" panose="020F0502020204030204" pitchFamily="34" charset="0"/>
                 <a:cs typeface="Calibri" panose="020F0502020204030204" pitchFamily="34" charset="0"/>
               </a:rPr>
-              <a:t>depad</a:t>
-            </a:r>
+              <a:t> dictionary entry.</a:t>
+            </a:r>
+          </a:p>
+          <a:p>
+            <a:pPr lvl="1"/>
             <a:r>
               <a:rPr lang="en-US" sz="2400" dirty="0">
-                <a:solidFill>
-                  <a:srgbClr val="FFFF00"/>
-                </a:solidFill>
                 <a:latin typeface="Calibri" panose="020F0502020204030204" pitchFamily="34" charset="0"/>
                 <a:cs typeface="Calibri" panose="020F0502020204030204" pitchFamily="34" charset="0"/>
               </a:rPr>
-              <a:t>: </a:t>
-            </a:r>
-            <a:r>
-              <a:rPr lang="en-US" altLang="zh-CN" sz="2400" dirty="0">
-                <a:solidFill>
-                  <a:srgbClr val="FFFF00"/>
-                </a:solidFill>
-                <a:latin typeface="Calibri" panose="020F0502020204030204" pitchFamily="34" charset="0"/>
-                <a:cs typeface="Calibri" panose="020F0502020204030204" pitchFamily="34" charset="0"/>
-              </a:rPr>
-              <a:t>I like Boston</a:t>
-            </a:r>
-            <a:endParaRPr lang="en-US" sz="2400" dirty="0">
-              <a:solidFill>
-                <a:srgbClr val="FFFF00"/>
-              </a:solidFill>
-              <a:latin typeface="Calibri" panose="020F0502020204030204" pitchFamily="34" charset="0"/>
-              <a:cs typeface="Calibri" panose="020F0502020204030204" pitchFamily="34" charset="0"/>
-            </a:endParaRPr>
+              <a:t>Remove the filename structure, and entry in the filename dictionary.</a:t>
+            </a:r>
           </a:p>
         </p:txBody>
       </p:sp>
     </p:spTree>
     <p:extLst>
       <p:ext uri="{BB962C8B-B14F-4D97-AF65-F5344CB8AC3E}">
-        <p14:creationId xmlns:p14="http://schemas.microsoft.com/office/powerpoint/2010/main" val="3615012674"/>
+        <p14:creationId xmlns:p14="http://schemas.microsoft.com/office/powerpoint/2010/main" val="2326757046"/>
       </p:ext>
     </p:extLst>
   </p:cSld>
@@ -6805,13 +6820,13 @@
         </p:nvSpPr>
         <p:spPr>
           <a:xfrm>
-            <a:off x="685800" y="484094"/>
-            <a:ext cx="10820400" cy="6060141"/>
+            <a:off x="685800" y="484095"/>
+            <a:ext cx="10820400" cy="5782482"/>
           </a:xfrm>
         </p:spPr>
         <p:txBody>
           <a:bodyPr>
-            <a:normAutofit/>
+            <a:normAutofit lnSpcReduction="10000"/>
           </a:bodyPr>
           <a:lstStyle/>
           <a:p>
@@ -6829,7 +6844,7 @@
                 <a:latin typeface="Calibri" panose="020F0502020204030204" pitchFamily="34" charset="0"/>
                 <a:cs typeface="Calibri" panose="020F0502020204030204" pitchFamily="34" charset="0"/>
               </a:rPr>
-              <a:t>File Loading</a:t>
+              <a:t>File Padding</a:t>
             </a:r>
           </a:p>
           <a:p>
@@ -6839,7 +6854,7 @@
                 <a:latin typeface="Calibri" panose="020F0502020204030204" pitchFamily="34" charset="0"/>
                 <a:cs typeface="Calibri" panose="020F0502020204030204" pitchFamily="34" charset="0"/>
               </a:rPr>
-              <a:t>Generate a new filename structure, initialize name and insert into filename dictionary.</a:t>
+              <a:t>If we detect there is a file need to pad, we put the text name into function pad(char* c). In this function, we firstly detect the whole text and judge the length of this file. </a:t>
             </a:r>
           </a:p>
           <a:p>
@@ -6849,7 +6864,7 @@
                 <a:latin typeface="Calibri" panose="020F0502020204030204" pitchFamily="34" charset="0"/>
                 <a:cs typeface="Calibri" panose="020F0502020204030204" pitchFamily="34" charset="0"/>
               </a:rPr>
-              <a:t>Splitting file into chunks.</a:t>
+              <a:t>If the length is equal to our set size, return back. Otherwise, we need to detect the last character of this file. </a:t>
             </a:r>
           </a:p>
           <a:p>
@@ -6859,92 +6874,53 @@
                 <a:latin typeface="Calibri" panose="020F0502020204030204" pitchFamily="34" charset="0"/>
                 <a:cs typeface="Calibri" panose="020F0502020204030204" pitchFamily="34" charset="0"/>
               </a:rPr>
-              <a:t>For each chunk, do a SHA256 hash and search for same entry in </a:t>
-            </a:r>
-            <a:r>
-              <a:rPr lang="en-US" sz="2400" dirty="0" err="1">
+              <a:t>If the last one is the same as our first-order padding-label, we will choose the second-order label instead. Otherwise, we will use the first one and plus multiple labels after the original last character until the size of file can equal to our set size.</a:t>
+            </a:r>
+          </a:p>
+          <a:p>
+            <a:pPr lvl="1"/>
+            <a:endParaRPr lang="en-US" sz="2400" dirty="0">
+              <a:latin typeface="Calibri" panose="020F0502020204030204" pitchFamily="34" charset="0"/>
+              <a:cs typeface="Calibri" panose="020F0502020204030204" pitchFamily="34" charset="0"/>
+            </a:endParaRPr>
+          </a:p>
+          <a:p>
+            <a:pPr lvl="1"/>
+            <a:r>
+              <a:rPr lang="en-US" altLang="zh-CN" sz="2400" dirty="0">
+                <a:solidFill>
+                  <a:srgbClr val="00B0F0"/>
+                </a:solidFill>
                 <a:latin typeface="Calibri" panose="020F0502020204030204" pitchFamily="34" charset="0"/>
                 <a:cs typeface="Calibri" panose="020F0502020204030204" pitchFamily="34" charset="0"/>
               </a:rPr>
-              <a:t>chunkname</a:t>
-            </a:r>
-            <a:r>
-              <a:rPr lang="en-US" sz="2400" dirty="0">
+              <a:t>For example, assume we need to pad the following text. We choose {0,1} as the added label.</a:t>
+            </a:r>
+          </a:p>
+          <a:p>
+            <a:pPr lvl="1"/>
+            <a:r>
+              <a:rPr lang="en-US" altLang="zh-CN" sz="2400" dirty="0">
+                <a:solidFill>
+                  <a:srgbClr val="FFFF00"/>
+                </a:solidFill>
                 <a:latin typeface="Calibri" panose="020F0502020204030204" pitchFamily="34" charset="0"/>
                 <a:cs typeface="Calibri" panose="020F0502020204030204" pitchFamily="34" charset="0"/>
               </a:rPr>
-              <a:t> dictionary. If found, simply add its </a:t>
-            </a:r>
-            <a:r>
-              <a:rPr lang="en-US" sz="2400" dirty="0" err="1">
+              <a:t>Before pad: The number of students in BU is more than 10000</a:t>
+            </a:r>
+          </a:p>
+          <a:p>
+            <a:pPr lvl="1"/>
+            <a:r>
+              <a:rPr lang="en-US" altLang="zh-CN" sz="2400" dirty="0">
+                <a:solidFill>
+                  <a:srgbClr val="FFFF00"/>
+                </a:solidFill>
                 <a:latin typeface="Calibri" panose="020F0502020204030204" pitchFamily="34" charset="0"/>
                 <a:cs typeface="Calibri" panose="020F0502020204030204" pitchFamily="34" charset="0"/>
               </a:rPr>
-              <a:t>ownercount</a:t>
-            </a:r>
-            <a:r>
-              <a:rPr lang="en-US" sz="2400" dirty="0">
-                <a:latin typeface="Calibri" panose="020F0502020204030204" pitchFamily="34" charset="0"/>
-                <a:cs typeface="Calibri" panose="020F0502020204030204" pitchFamily="34" charset="0"/>
-              </a:rPr>
-              <a:t> by 1; else, save the actual data segment using the hash as name. A new Chunk structure is also built w/ </a:t>
-            </a:r>
-            <a:r>
-              <a:rPr lang="en-US" sz="2400" dirty="0" err="1">
-                <a:latin typeface="Calibri" panose="020F0502020204030204" pitchFamily="34" charset="0"/>
-                <a:cs typeface="Calibri" panose="020F0502020204030204" pitchFamily="34" charset="0"/>
-              </a:rPr>
-              <a:t>chunkname</a:t>
-            </a:r>
-            <a:r>
-              <a:rPr lang="en-US" sz="2400" dirty="0">
-                <a:latin typeface="Calibri" panose="020F0502020204030204" pitchFamily="34" charset="0"/>
-                <a:cs typeface="Calibri" panose="020F0502020204030204" pitchFamily="34" charset="0"/>
-              </a:rPr>
-              <a:t> and link the previous one to the current Chunk.</a:t>
-            </a:r>
-          </a:p>
-          <a:p>
-            <a:pPr lvl="1"/>
-            <a:r>
-              <a:rPr lang="en-US" sz="2400" dirty="0">
-                <a:latin typeface="Calibri" panose="020F0502020204030204" pitchFamily="34" charset="0"/>
-                <a:cs typeface="Calibri" panose="020F0502020204030204" pitchFamily="34" charset="0"/>
-              </a:rPr>
-              <a:t>Judge if the last segment need padding and pad it and set </a:t>
-            </a:r>
-            <a:r>
-              <a:rPr lang="en-US" sz="2400" i="1" dirty="0">
-                <a:latin typeface="Calibri" panose="020F0502020204030204" pitchFamily="34" charset="0"/>
-                <a:cs typeface="Calibri" panose="020F0502020204030204" pitchFamily="34" charset="0"/>
-              </a:rPr>
-              <a:t>padded</a:t>
-            </a:r>
-            <a:r>
-              <a:rPr lang="en-US" sz="2400" dirty="0">
-                <a:latin typeface="Calibri" panose="020F0502020204030204" pitchFamily="34" charset="0"/>
-                <a:cs typeface="Calibri" panose="020F0502020204030204" pitchFamily="34" charset="0"/>
-              </a:rPr>
-              <a:t>=1 if true. Then hash and build Chunk same as above.</a:t>
-            </a:r>
-          </a:p>
-          <a:p>
-            <a:r>
-              <a:rPr lang="en-US" sz="2800" dirty="0">
-                <a:latin typeface="Calibri" panose="020F0502020204030204" pitchFamily="34" charset="0"/>
-                <a:cs typeface="Calibri" panose="020F0502020204030204" pitchFamily="34" charset="0"/>
-              </a:rPr>
-              <a:t>File Listing</a:t>
-            </a:r>
-          </a:p>
-          <a:p>
-            <a:pPr lvl="1"/>
-            <a:r>
-              <a:rPr lang="en-US" sz="2400" dirty="0">
-                <a:latin typeface="Calibri" panose="020F0502020204030204" pitchFamily="34" charset="0"/>
-                <a:cs typeface="Calibri" panose="020F0502020204030204" pitchFamily="34" charset="0"/>
-              </a:rPr>
-              <a:t>Just list the dictionary of filenames. Supports alphabetical order; with extra timestamp/file size it is possible to have these orders as well.</a:t>
+              <a:t>After pad: The number of students in BU is more than 1000011111111</a:t>
             </a:r>
           </a:p>
         </p:txBody>
@@ -6952,7 +6928,7 @@
     </p:spTree>
     <p:extLst>
       <p:ext uri="{BB962C8B-B14F-4D97-AF65-F5344CB8AC3E}">
-        <p14:creationId xmlns:p14="http://schemas.microsoft.com/office/powerpoint/2010/main" val="1136102002"/>
+        <p14:creationId xmlns:p14="http://schemas.microsoft.com/office/powerpoint/2010/main" val="4070890068"/>
       </p:ext>
     </p:extLst>
   </p:cSld>
@@ -6997,13 +6973,13 @@
         </p:nvSpPr>
         <p:spPr>
           <a:xfrm>
-            <a:off x="685800" y="555812"/>
-            <a:ext cx="10820400" cy="6382871"/>
+            <a:off x="685800" y="484094"/>
+            <a:ext cx="10820400" cy="6060141"/>
           </a:xfrm>
         </p:spPr>
         <p:txBody>
           <a:bodyPr>
-            <a:normAutofit lnSpcReduction="10000"/>
+            <a:normAutofit/>
           </a:bodyPr>
           <a:lstStyle/>
           <a:p>
@@ -7021,8 +6997,19 @@
                 <a:latin typeface="Calibri" panose="020F0502020204030204" pitchFamily="34" charset="0"/>
                 <a:cs typeface="Calibri" panose="020F0502020204030204" pitchFamily="34" charset="0"/>
               </a:rPr>
-              <a:t>File Retrieval</a:t>
-            </a:r>
+              <a:t>File </a:t>
+            </a:r>
+            <a:r>
+              <a:rPr lang="en-US" sz="2800" dirty="0" err="1">
+                <a:latin typeface="Calibri" panose="020F0502020204030204" pitchFamily="34" charset="0"/>
+                <a:cs typeface="Calibri" panose="020F0502020204030204" pitchFamily="34" charset="0"/>
+              </a:rPr>
+              <a:t>Depadding</a:t>
+            </a:r>
+            <a:endParaRPr lang="en-US" sz="2800" dirty="0">
+              <a:latin typeface="Calibri" panose="020F0502020204030204" pitchFamily="34" charset="0"/>
+              <a:cs typeface="Calibri" panose="020F0502020204030204" pitchFamily="34" charset="0"/>
+            </a:endParaRPr>
           </a:p>
           <a:p>
             <a:pPr lvl="1"/>
@@ -7031,27 +7018,35 @@
                 <a:latin typeface="Calibri" panose="020F0502020204030204" pitchFamily="34" charset="0"/>
                 <a:cs typeface="Calibri" panose="020F0502020204030204" pitchFamily="34" charset="0"/>
               </a:rPr>
-              <a:t>Search by input name in the filename dictionary.</a:t>
-            </a:r>
-          </a:p>
-          <a:p>
-            <a:pPr lvl="1"/>
+              <a:t>If we detect there is a file need to </a:t>
+            </a:r>
+            <a:r>
+              <a:rPr lang="en-US" sz="2400" dirty="0" err="1">
+                <a:latin typeface="Calibri" panose="020F0502020204030204" pitchFamily="34" charset="0"/>
+                <a:cs typeface="Calibri" panose="020F0502020204030204" pitchFamily="34" charset="0"/>
+              </a:rPr>
+              <a:t>depad</a:t>
+            </a:r>
             <a:r>
               <a:rPr lang="en-US" sz="2400" dirty="0">
                 <a:latin typeface="Calibri" panose="020F0502020204030204" pitchFamily="34" charset="0"/>
                 <a:cs typeface="Calibri" panose="020F0502020204030204" pitchFamily="34" charset="0"/>
               </a:rPr>
-              <a:t>If input name is found in dictionary, find the corresponding filename structure.</a:t>
-            </a:r>
-          </a:p>
-          <a:p>
-            <a:pPr lvl="1"/>
+              <a:t>, we put the text name into function </a:t>
+            </a:r>
+            <a:r>
+              <a:rPr lang="en-US" sz="2400" dirty="0" err="1">
+                <a:latin typeface="Calibri" panose="020F0502020204030204" pitchFamily="34" charset="0"/>
+                <a:cs typeface="Calibri" panose="020F0502020204030204" pitchFamily="34" charset="0"/>
+              </a:rPr>
+              <a:t>depad</a:t>
+            </a:r>
             <a:r>
               <a:rPr lang="en-US" sz="2400" dirty="0">
                 <a:latin typeface="Calibri" panose="020F0502020204030204" pitchFamily="34" charset="0"/>
                 <a:cs typeface="Calibri" panose="020F0502020204030204" pitchFamily="34" charset="0"/>
               </a:rPr>
-              <a:t>Go through the entire linked list, and for every node in the linked list copy the chunk, then merge it to the end of the output file.</a:t>
+              <a:t>(char* c). In this function, we will delete the added labels in the file rail.</a:t>
             </a:r>
           </a:p>
           <a:p>
@@ -7061,172 +7056,168 @@
                 <a:latin typeface="Calibri" panose="020F0502020204030204" pitchFamily="34" charset="0"/>
                 <a:cs typeface="Calibri" panose="020F0502020204030204" pitchFamily="34" charset="0"/>
               </a:rPr>
-              <a:t>Judge if the last chunk needs </a:t>
-            </a:r>
-            <a:r>
-              <a:rPr lang="en-US" sz="2400" dirty="0" err="1">
-                <a:latin typeface="Calibri" panose="020F0502020204030204" pitchFamily="34" charset="0"/>
-                <a:cs typeface="Calibri" panose="020F0502020204030204" pitchFamily="34" charset="0"/>
-              </a:rPr>
-              <a:t>depadding</a:t>
-            </a:r>
+              <a:t>At first, we need to judge if the last one is the same as our first-order padding-label, we will choose the second-order label instead. </a:t>
+            </a:r>
+          </a:p>
+          <a:p>
+            <a:pPr lvl="1"/>
             <a:r>
               <a:rPr lang="en-US" sz="2400" dirty="0">
                 <a:latin typeface="Calibri" panose="020F0502020204030204" pitchFamily="34" charset="0"/>
                 <a:cs typeface="Calibri" panose="020F0502020204030204" pitchFamily="34" charset="0"/>
               </a:rPr>
-              <a:t> by </a:t>
-            </a:r>
-            <a:r>
-              <a:rPr lang="en-US" sz="2400" i="1" dirty="0">
+              <a:t>After we know which label we used here, we can delete the rail labels until we detect the first no-chosen character.</a:t>
+            </a:r>
+          </a:p>
+          <a:p>
+            <a:pPr lvl="1"/>
+            <a:endParaRPr lang="en-US" sz="2400" dirty="0">
+              <a:latin typeface="Calibri" panose="020F0502020204030204" pitchFamily="34" charset="0"/>
+              <a:cs typeface="Calibri" panose="020F0502020204030204" pitchFamily="34" charset="0"/>
+            </a:endParaRPr>
+          </a:p>
+          <a:p>
+            <a:pPr lvl="1"/>
+            <a:r>
+              <a:rPr lang="en-US" sz="2400" dirty="0">
+                <a:solidFill>
+                  <a:srgbClr val="00B0F0"/>
+                </a:solidFill>
                 <a:latin typeface="Calibri" panose="020F0502020204030204" pitchFamily="34" charset="0"/>
                 <a:cs typeface="Calibri" panose="020F0502020204030204" pitchFamily="34" charset="0"/>
               </a:rPr>
-              <a:t>padded</a:t>
-            </a:r>
-            <a:r>
-              <a:rPr lang="en-US" sz="2400" dirty="0">
+              <a:t>For example, assume we need to </a:t>
+            </a:r>
+            <a:r>
+              <a:rPr lang="en-US" sz="2400" dirty="0" err="1">
+                <a:solidFill>
+                  <a:srgbClr val="00B0F0"/>
+                </a:solidFill>
                 <a:latin typeface="Calibri" panose="020F0502020204030204" pitchFamily="34" charset="0"/>
                 <a:cs typeface="Calibri" panose="020F0502020204030204" pitchFamily="34" charset="0"/>
               </a:rPr>
-              <a:t> and </a:t>
-            </a:r>
-            <a:r>
-              <a:rPr lang="en-US" sz="2400" dirty="0" err="1">
+              <a:t>depad</a:t>
+            </a:r>
+            <a:r>
+              <a:rPr lang="en-US" sz="2400" dirty="0">
+                <a:solidFill>
+                  <a:srgbClr val="00B0F0"/>
+                </a:solidFill>
                 <a:latin typeface="Calibri" panose="020F0502020204030204" pitchFamily="34" charset="0"/>
                 <a:cs typeface="Calibri" panose="020F0502020204030204" pitchFamily="34" charset="0"/>
               </a:rPr>
-              <a:t>depad</a:t>
-            </a:r>
-            <a:r>
-              <a:rPr lang="en-US" sz="2400" dirty="0">
+              <a:t> the following text. We </a:t>
+            </a:r>
+            <a:r>
+              <a:rPr lang="en-US" sz="2400">
+                <a:solidFill>
+                  <a:srgbClr val="00B0F0"/>
+                </a:solidFill>
                 <a:latin typeface="Calibri" panose="020F0502020204030204" pitchFamily="34" charset="0"/>
                 <a:cs typeface="Calibri" panose="020F0502020204030204" pitchFamily="34" charset="0"/>
               </a:rPr>
-              <a:t> it if needed before merging.</a:t>
-            </a:r>
-          </a:p>
-          <a:p>
-            <a:pPr lvl="1"/>
+              <a:t>choose {0,1} </a:t>
+            </a:r>
             <a:r>
               <a:rPr lang="en-US" sz="2400" dirty="0">
+                <a:solidFill>
+                  <a:srgbClr val="00B0F0"/>
+                </a:solidFill>
                 <a:latin typeface="Calibri" panose="020F0502020204030204" pitchFamily="34" charset="0"/>
                 <a:cs typeface="Calibri" panose="020F0502020204030204" pitchFamily="34" charset="0"/>
               </a:rPr>
-              <a:t>Return the output file.</a:t>
-            </a:r>
-          </a:p>
-          <a:p>
-            <a:r>
-              <a:rPr lang="en-US" sz="2800" dirty="0">
+              <a:t>as the added label.</a:t>
+            </a:r>
+          </a:p>
+          <a:p>
+            <a:pPr lvl="1"/>
+            <a:r>
+              <a:rPr lang="en-US" sz="2400" dirty="0">
+                <a:solidFill>
+                  <a:srgbClr val="FFFF00"/>
+                </a:solidFill>
                 <a:latin typeface="Calibri" panose="020F0502020204030204" pitchFamily="34" charset="0"/>
                 <a:cs typeface="Calibri" panose="020F0502020204030204" pitchFamily="34" charset="0"/>
               </a:rPr>
-              <a:t>File Deletion</a:t>
-            </a:r>
-          </a:p>
-          <a:p>
-            <a:pPr lvl="1"/>
-            <a:r>
-              <a:rPr lang="en-US" sz="2400" dirty="0">
+              <a:t>Before </a:t>
+            </a:r>
+            <a:r>
+              <a:rPr lang="en-US" sz="2400" dirty="0" err="1">
+                <a:solidFill>
+                  <a:srgbClr val="FFFF00"/>
+                </a:solidFill>
                 <a:latin typeface="Calibri" panose="020F0502020204030204" pitchFamily="34" charset="0"/>
                 <a:cs typeface="Calibri" panose="020F0502020204030204" pitchFamily="34" charset="0"/>
               </a:rPr>
-              <a:t>Search by input name in the filename dictionary.</a:t>
-            </a:r>
-          </a:p>
-          <a:p>
-            <a:pPr lvl="1"/>
+              <a:t>depad</a:t>
+            </a:r>
             <a:r>
               <a:rPr lang="en-US" sz="2400" dirty="0">
+                <a:solidFill>
+                  <a:srgbClr val="FFFF00"/>
+                </a:solidFill>
                 <a:latin typeface="Calibri" panose="020F0502020204030204" pitchFamily="34" charset="0"/>
                 <a:cs typeface="Calibri" panose="020F0502020204030204" pitchFamily="34" charset="0"/>
               </a:rPr>
-              <a:t>If input name is found in dictionary, find the corresponding filename structure.</a:t>
+              <a:t>: I like Boston00000000000</a:t>
             </a:r>
           </a:p>
           <a:p>
             <a:pPr lvl="1"/>
             <a:r>
               <a:rPr lang="en-US" sz="2400" dirty="0">
+                <a:solidFill>
+                  <a:srgbClr val="FFFF00"/>
+                </a:solidFill>
                 <a:latin typeface="Calibri" panose="020F0502020204030204" pitchFamily="34" charset="0"/>
                 <a:cs typeface="Calibri" panose="020F0502020204030204" pitchFamily="34" charset="0"/>
               </a:rPr>
-              <a:t>Go through the entire linked list, and for every node in the linked list find the entry in </a:t>
+              <a:t>After </a:t>
             </a:r>
             <a:r>
               <a:rPr lang="en-US" sz="2400" dirty="0" err="1">
+                <a:solidFill>
+                  <a:srgbClr val="FFFF00"/>
+                </a:solidFill>
                 <a:latin typeface="Calibri" panose="020F0502020204030204" pitchFamily="34" charset="0"/>
                 <a:cs typeface="Calibri" panose="020F0502020204030204" pitchFamily="34" charset="0"/>
               </a:rPr>
-              <a:t>chunkname</a:t>
+              <a:t>depad</a:t>
             </a:r>
             <a:r>
               <a:rPr lang="en-US" sz="2400" dirty="0">
+                <a:solidFill>
+                  <a:srgbClr val="FFFF00"/>
+                </a:solidFill>
                 <a:latin typeface="Calibri" panose="020F0502020204030204" pitchFamily="34" charset="0"/>
                 <a:cs typeface="Calibri" panose="020F0502020204030204" pitchFamily="34" charset="0"/>
               </a:rPr>
-              <a:t> dictionary and reduce </a:t>
-            </a:r>
-            <a:r>
-              <a:rPr lang="en-US" sz="2400" dirty="0" err="1">
+              <a:t>: </a:t>
+            </a:r>
+            <a:r>
+              <a:rPr lang="en-US" altLang="zh-CN" sz="2400" dirty="0">
+                <a:solidFill>
+                  <a:srgbClr val="FFFF00"/>
+                </a:solidFill>
                 <a:latin typeface="Calibri" panose="020F0502020204030204" pitchFamily="34" charset="0"/>
                 <a:cs typeface="Calibri" panose="020F0502020204030204" pitchFamily="34" charset="0"/>
               </a:rPr>
-              <a:t>ownercount</a:t>
-            </a:r>
-            <a:r>
-              <a:rPr lang="en-US" sz="2400" dirty="0">
-                <a:latin typeface="Calibri" panose="020F0502020204030204" pitchFamily="34" charset="0"/>
-                <a:cs typeface="Calibri" panose="020F0502020204030204" pitchFamily="34" charset="0"/>
-              </a:rPr>
-              <a:t> by 1. If now </a:t>
-            </a:r>
-            <a:r>
-              <a:rPr lang="en-US" sz="2400" dirty="0" err="1">
-                <a:latin typeface="Calibri" panose="020F0502020204030204" pitchFamily="34" charset="0"/>
-                <a:cs typeface="Calibri" panose="020F0502020204030204" pitchFamily="34" charset="0"/>
-              </a:rPr>
-              <a:t>ownercount</a:t>
-            </a:r>
-            <a:r>
-              <a:rPr lang="en-US" sz="2400" dirty="0">
-                <a:latin typeface="Calibri" panose="020F0502020204030204" pitchFamily="34" charset="0"/>
-                <a:cs typeface="Calibri" panose="020F0502020204030204" pitchFamily="34" charset="0"/>
-              </a:rPr>
-              <a:t> is 0, remove the actual data segment and </a:t>
-            </a:r>
-            <a:r>
-              <a:rPr lang="en-US" sz="2400" dirty="0" err="1">
-                <a:latin typeface="Calibri" panose="020F0502020204030204" pitchFamily="34" charset="0"/>
-                <a:cs typeface="Calibri" panose="020F0502020204030204" pitchFamily="34" charset="0"/>
-              </a:rPr>
-              <a:t>chunkname</a:t>
-            </a:r>
-            <a:r>
-              <a:rPr lang="en-US" sz="2400" dirty="0">
-                <a:latin typeface="Calibri" panose="020F0502020204030204" pitchFamily="34" charset="0"/>
-                <a:cs typeface="Calibri" panose="020F0502020204030204" pitchFamily="34" charset="0"/>
-              </a:rPr>
-              <a:t> dictionary entry.</a:t>
-            </a:r>
-          </a:p>
-          <a:p>
-            <a:pPr lvl="1"/>
-            <a:r>
-              <a:rPr lang="en-US" sz="2400" dirty="0">
-                <a:latin typeface="Calibri" panose="020F0502020204030204" pitchFamily="34" charset="0"/>
-                <a:cs typeface="Calibri" panose="020F0502020204030204" pitchFamily="34" charset="0"/>
-              </a:rPr>
-              <a:t>Remove the filename structure, and entry in the filename dictionary.</a:t>
-            </a:r>
+              <a:t>I like Boston</a:t>
+            </a:r>
+            <a:endParaRPr lang="en-US" sz="2400" dirty="0">
+              <a:solidFill>
+                <a:srgbClr val="FFFF00"/>
+              </a:solidFill>
+              <a:latin typeface="Calibri" panose="020F0502020204030204" pitchFamily="34" charset="0"/>
+              <a:cs typeface="Calibri" panose="020F0502020204030204" pitchFamily="34" charset="0"/>
+            </a:endParaRPr>
           </a:p>
         </p:txBody>
       </p:sp>
     </p:spTree>
     <p:extLst>
       <p:ext uri="{BB962C8B-B14F-4D97-AF65-F5344CB8AC3E}">
-        <p14:creationId xmlns:p14="http://schemas.microsoft.com/office/powerpoint/2010/main" val="2326757046"/>
+        <p14:creationId xmlns:p14="http://schemas.microsoft.com/office/powerpoint/2010/main" val="3615012674"/>
       </p:ext>
     </p:extLst>
   </p:cSld>
@@ -7255,150 +7246,5100 @@
       </p:grpSpPr>
       <p:sp>
         <p:nvSpPr>
-          <p:cNvPr id="3" name="内容占位符 2">
+          <p:cNvPr id="4" name="Rectangle 3">
             <a:extLst>
               <a:ext uri="{FF2B5EF4-FFF2-40B4-BE49-F238E27FC236}">
-                <a16:creationId xmlns:a16="http://schemas.microsoft.com/office/drawing/2014/main" id="{C0F5322C-F5FD-41D3-B17C-EF8CFF58CE74}"/>
+                <a16:creationId xmlns:a16="http://schemas.microsoft.com/office/drawing/2014/main" id="{E7D2A708-9F6D-4470-B7FF-15AA1ABF6A0E}"/>
               </a:ext>
             </a:extLst>
           </p:cNvPr>
-          <p:cNvSpPr>
-            <a:spLocks noGrp="1"/>
-          </p:cNvSpPr>
-          <p:nvPr>
-            <p:ph idx="1"/>
-          </p:nvPr>
-        </p:nvSpPr>
-        <p:spPr>
-          <a:xfrm>
-            <a:off x="685800" y="555813"/>
-            <a:ext cx="10820400" cy="6042212"/>
-          </a:xfrm>
-        </p:spPr>
-        <p:txBody>
-          <a:bodyPr>
-            <a:normAutofit/>
+          <p:cNvSpPr/>
+          <p:nvPr/>
+        </p:nvSpPr>
+        <p:spPr>
+          <a:xfrm>
+            <a:off x="6874876" y="1353692"/>
+            <a:ext cx="4991450" cy="5222579"/>
+          </a:xfrm>
+          <a:prstGeom prst="rect">
+            <a:avLst/>
+          </a:prstGeom>
+          <a:noFill/>
+          <a:ln w="38100">
+            <a:solidFill>
+              <a:schemeClr val="tx1"/>
+            </a:solidFill>
+          </a:ln>
+        </p:spPr>
+        <p:style>
+          <a:lnRef idx="2">
+            <a:schemeClr val="accent1">
+              <a:shade val="50000"/>
+            </a:schemeClr>
+          </a:lnRef>
+          <a:fillRef idx="1">
+            <a:schemeClr val="accent1"/>
+          </a:fillRef>
+          <a:effectRef idx="0">
+            <a:schemeClr val="accent1"/>
+          </a:effectRef>
+          <a:fontRef idx="minor">
+            <a:schemeClr val="lt1"/>
+          </a:fontRef>
+        </p:style>
+        <p:txBody>
+          <a:bodyPr rtlCol="0" anchor="ctr"/>
+          <a:lstStyle/>
+          <a:p>
+            <a:pPr algn="ctr"/>
+            <a:endParaRPr lang="zh-CN" altLang="en-US"/>
+          </a:p>
+        </p:txBody>
+      </p:sp>
+      <p:sp>
+        <p:nvSpPr>
+          <p:cNvPr id="2" name="Rectangle 1">
+            <a:extLst>
+              <a:ext uri="{FF2B5EF4-FFF2-40B4-BE49-F238E27FC236}">
+                <a16:creationId xmlns:a16="http://schemas.microsoft.com/office/drawing/2014/main" id="{752AD5F3-0FF0-476A-951F-FCFD434070E2}"/>
+              </a:ext>
+            </a:extLst>
+          </p:cNvPr>
+          <p:cNvSpPr/>
+          <p:nvPr/>
+        </p:nvSpPr>
+        <p:spPr>
+          <a:xfrm>
+            <a:off x="1601290" y="1492186"/>
+            <a:ext cx="4424143" cy="1200329"/>
+          </a:xfrm>
+          <a:prstGeom prst="rect">
+            <a:avLst/>
+          </a:prstGeom>
+        </p:spPr>
+        <p:txBody>
+          <a:bodyPr wrap="square">
+            <a:spAutoFit/>
           </a:bodyPr>
           <a:lstStyle/>
           <a:p>
             <a:r>
-              <a:rPr lang="en-US" sz="3600" dirty="0">
-                <a:latin typeface="Calibri" panose="020F0502020204030204" pitchFamily="34" charset="0"/>
-                <a:cs typeface="Calibri" panose="020F0502020204030204" pitchFamily="34" charset="0"/>
-              </a:rPr>
-              <a:t>Progress</a:t>
-            </a:r>
-          </a:p>
-          <a:p>
-            <a:r>
-              <a:rPr lang="en-US" sz="2800" dirty="0">
-                <a:latin typeface="Calibri" panose="020F0502020204030204" pitchFamily="34" charset="0"/>
-                <a:cs typeface="Calibri" panose="020F0502020204030204" pitchFamily="34" charset="0"/>
-              </a:rPr>
-              <a:t>Component functions written and tested</a:t>
-            </a:r>
-          </a:p>
-          <a:p>
-            <a:pPr lvl="1"/>
-            <a:r>
-              <a:rPr lang="en-US" sz="2400" dirty="0">
-                <a:latin typeface="Calibri" panose="020F0502020204030204" pitchFamily="34" charset="0"/>
-                <a:cs typeface="Calibri" panose="020F0502020204030204" pitchFamily="34" charset="0"/>
-              </a:rPr>
-              <a:t>Used </a:t>
-            </a:r>
-            <a:r>
-              <a:rPr lang="en-US" sz="2400" dirty="0">
-                <a:latin typeface="Calibri" panose="020F0502020204030204" pitchFamily="34" charset="0"/>
-                <a:cs typeface="Calibri" panose="020F0502020204030204" pitchFamily="34" charset="0"/>
-                <a:hlinkClick r:id="rId2"/>
-              </a:rPr>
-              <a:t>library</a:t>
-            </a:r>
-            <a:r>
-              <a:rPr lang="en-US" sz="2400" dirty="0">
-                <a:latin typeface="Calibri" panose="020F0502020204030204" pitchFamily="34" charset="0"/>
-                <a:cs typeface="Calibri" panose="020F0502020204030204" pitchFamily="34" charset="0"/>
-              </a:rPr>
-              <a:t> for SHA256, and a </a:t>
-            </a:r>
-            <a:r>
-              <a:rPr lang="en-US" sz="2400" dirty="0">
-                <a:latin typeface="Calibri" panose="020F0502020204030204" pitchFamily="34" charset="0"/>
-                <a:cs typeface="Calibri" panose="020F0502020204030204" pitchFamily="34" charset="0"/>
-                <a:hlinkClick r:id="rId3"/>
-              </a:rPr>
-              <a:t>macro-based header</a:t>
-            </a:r>
-            <a:r>
-              <a:rPr lang="en-US" sz="2400" dirty="0">
-                <a:latin typeface="Calibri" panose="020F0502020204030204" pitchFamily="34" charset="0"/>
-                <a:cs typeface="Calibri" panose="020F0502020204030204" pitchFamily="34" charset="0"/>
-              </a:rPr>
-              <a:t> for dictionary</a:t>
-            </a:r>
-          </a:p>
-          <a:p>
-            <a:pPr lvl="1"/>
-            <a:r>
-              <a:rPr lang="en-US" sz="2400" dirty="0">
-                <a:latin typeface="Calibri" panose="020F0502020204030204" pitchFamily="34" charset="0"/>
-                <a:cs typeface="Calibri" panose="020F0502020204030204" pitchFamily="34" charset="0"/>
-              </a:rPr>
-              <a:t>Others are mainly </a:t>
-            </a:r>
-            <a:r>
-              <a:rPr lang="en-US" sz="2400">
-                <a:latin typeface="Calibri" panose="020F0502020204030204" pitchFamily="34" charset="0"/>
-                <a:cs typeface="Calibri" panose="020F0502020204030204" pitchFamily="34" charset="0"/>
-              </a:rPr>
-              <a:t>file handling</a:t>
-            </a:r>
-            <a:endParaRPr lang="en-US" sz="2400" dirty="0">
-              <a:latin typeface="Calibri" panose="020F0502020204030204" pitchFamily="34" charset="0"/>
-              <a:cs typeface="Calibri" panose="020F0502020204030204" pitchFamily="34" charset="0"/>
+              <a:rPr lang="en-US" altLang="zh-CN" dirty="0">
+                <a:latin typeface="Times New Roman" panose="02020603050405020304" pitchFamily="18" charset="0"/>
+                <a:cs typeface="Times New Roman" panose="02020603050405020304" pitchFamily="18" charset="0"/>
+              </a:rPr>
+              <a:t>Keep track of the numbers of files that contain a specific chunk. If the count is 0, the relevant data segment needs to be removed. The dictionary entry also need to be deleted</a:t>
+            </a:r>
+            <a:endParaRPr lang="zh-CN" altLang="en-US" dirty="0">
+              <a:latin typeface="Times New Roman" panose="02020603050405020304" pitchFamily="18" charset="0"/>
+              <a:cs typeface="Times New Roman" panose="02020603050405020304" pitchFamily="18" charset="0"/>
             </a:endParaRPr>
           </a:p>
-          <a:p>
-            <a:r>
-              <a:rPr lang="en-US" sz="2800" dirty="0">
-                <a:latin typeface="Calibri" panose="020F0502020204030204" pitchFamily="34" charset="0"/>
-                <a:cs typeface="Calibri" panose="020F0502020204030204" pitchFamily="34" charset="0"/>
-              </a:rPr>
-              <a:t>Combination and overall testing WIP</a:t>
-            </a:r>
-          </a:p>
-          <a:p>
-            <a:pPr lvl="1"/>
-            <a:r>
-              <a:rPr lang="en-US" sz="2400" dirty="0">
-                <a:latin typeface="Calibri" panose="020F0502020204030204" pitchFamily="34" charset="0"/>
-                <a:cs typeface="Calibri" panose="020F0502020204030204" pitchFamily="34" charset="0"/>
-              </a:rPr>
-              <a:t>Mainly the interface handling, the pseudocode/logic is finished</a:t>
-            </a:r>
-          </a:p>
-          <a:p>
-            <a:r>
-              <a:rPr lang="en-US" sz="2800" dirty="0">
-                <a:latin typeface="Calibri" panose="020F0502020204030204" pitchFamily="34" charset="0"/>
-                <a:cs typeface="Calibri" panose="020F0502020204030204" pitchFamily="34" charset="0"/>
-              </a:rPr>
-              <a:t>Simple GUI is still feasible within time limit</a:t>
-            </a:r>
-          </a:p>
-          <a:p>
-            <a:endParaRPr lang="en-US" sz="2600" dirty="0">
-              <a:latin typeface="Calibri" panose="020F0502020204030204" pitchFamily="34" charset="0"/>
-              <a:cs typeface="Calibri" panose="020F0502020204030204" pitchFamily="34" charset="0"/>
+        </p:txBody>
+      </p:sp>
+      <p:grpSp>
+        <p:nvGrpSpPr>
+          <p:cNvPr id="9" name="Group 8">
+            <a:extLst>
+              <a:ext uri="{FF2B5EF4-FFF2-40B4-BE49-F238E27FC236}">
+                <a16:creationId xmlns:a16="http://schemas.microsoft.com/office/drawing/2014/main" id="{0423338F-D1DE-4E81-BFCB-2437F19914E5}"/>
+              </a:ext>
+            </a:extLst>
+          </p:cNvPr>
+          <p:cNvGrpSpPr/>
+          <p:nvPr/>
+        </p:nvGrpSpPr>
+        <p:grpSpPr>
+          <a:xfrm>
+            <a:off x="822857" y="3428999"/>
+            <a:ext cx="2140592" cy="2518795"/>
+            <a:chOff x="1177254" y="2828860"/>
+            <a:chExt cx="2140592" cy="3147271"/>
+          </a:xfrm>
+        </p:grpSpPr>
+        <p:sp>
+          <p:nvSpPr>
+            <p:cNvPr id="5" name="Rectangle 4">
+              <a:extLst>
+                <a:ext uri="{FF2B5EF4-FFF2-40B4-BE49-F238E27FC236}">
+                  <a16:creationId xmlns:a16="http://schemas.microsoft.com/office/drawing/2014/main" id="{D51432E8-AD0F-403F-9689-FD0BCFB10F39}"/>
+                </a:ext>
+              </a:extLst>
+            </p:cNvPr>
+            <p:cNvSpPr/>
+            <p:nvPr/>
+          </p:nvSpPr>
+          <p:spPr>
+            <a:xfrm>
+              <a:off x="1177254" y="2828860"/>
+              <a:ext cx="2140592" cy="3147271"/>
+            </a:xfrm>
+            <a:prstGeom prst="rect">
+              <a:avLst/>
+            </a:prstGeom>
+            <a:noFill/>
+            <a:ln w="38100">
+              <a:solidFill>
+                <a:schemeClr val="tx1"/>
+              </a:solidFill>
+            </a:ln>
+          </p:spPr>
+          <p:style>
+            <a:lnRef idx="2">
+              <a:schemeClr val="accent1">
+                <a:shade val="50000"/>
+              </a:schemeClr>
+            </a:lnRef>
+            <a:fillRef idx="1">
+              <a:schemeClr val="accent1"/>
+            </a:fillRef>
+            <a:effectRef idx="0">
+              <a:schemeClr val="accent1"/>
+            </a:effectRef>
+            <a:fontRef idx="minor">
+              <a:schemeClr val="lt1"/>
+            </a:fontRef>
+          </p:style>
+          <p:txBody>
+            <a:bodyPr rtlCol="0" anchor="ctr"/>
+            <a:lstStyle/>
+            <a:p>
+              <a:pPr algn="ctr"/>
+              <a:endParaRPr lang="zh-CN" altLang="en-US"/>
+            </a:p>
+          </p:txBody>
+        </p:sp>
+        <p:sp>
+          <p:nvSpPr>
+            <p:cNvPr id="6" name="TextBox 5">
+              <a:extLst>
+                <a:ext uri="{FF2B5EF4-FFF2-40B4-BE49-F238E27FC236}">
+                  <a16:creationId xmlns:a16="http://schemas.microsoft.com/office/drawing/2014/main" id="{9AF7C2D0-B0F8-487C-8C62-3082496299A6}"/>
+                </a:ext>
+              </a:extLst>
+            </p:cNvPr>
+            <p:cNvSpPr txBox="1"/>
+            <p:nvPr/>
+          </p:nvSpPr>
+          <p:spPr>
+            <a:xfrm>
+              <a:off x="1316064" y="3101549"/>
+              <a:ext cx="2001782" cy="2031325"/>
+            </a:xfrm>
+            <a:prstGeom prst="rect">
+              <a:avLst/>
+            </a:prstGeom>
+            <a:noFill/>
+          </p:spPr>
+          <p:txBody>
+            <a:bodyPr wrap="square" rtlCol="0">
+              <a:spAutoFit/>
+            </a:bodyPr>
+            <a:lstStyle/>
+            <a:p>
+              <a:r>
+                <a:rPr lang="en-US" altLang="zh-CN" dirty="0">
+                  <a:latin typeface="Times New Roman" panose="02020603050405020304" pitchFamily="18" charset="0"/>
+                  <a:cs typeface="Times New Roman" panose="02020603050405020304" pitchFamily="18" charset="0"/>
+                </a:rPr>
+                <a:t>Char name</a:t>
+              </a:r>
+            </a:p>
+            <a:p>
+              <a:r>
+                <a:rPr lang="en-US" altLang="zh-CN" dirty="0">
+                  <a:latin typeface="Times New Roman" panose="02020603050405020304" pitchFamily="18" charset="0"/>
+                  <a:cs typeface="Times New Roman" panose="02020603050405020304" pitchFamily="18" charset="0"/>
+                </a:rPr>
+                <a:t>Chunk *first</a:t>
+              </a:r>
+            </a:p>
+            <a:p>
+              <a:r>
+                <a:rPr lang="en-US" altLang="zh-CN" dirty="0">
+                  <a:latin typeface="Times New Roman" panose="02020603050405020304" pitchFamily="18" charset="0"/>
+                  <a:cs typeface="Times New Roman" panose="02020603050405020304" pitchFamily="18" charset="0"/>
+                </a:rPr>
+                <a:t>Int padded</a:t>
+              </a:r>
+            </a:p>
+            <a:p>
+              <a:r>
+                <a:rPr lang="en-US" altLang="zh-CN" dirty="0">
+                  <a:latin typeface="Times New Roman" panose="02020603050405020304" pitchFamily="18" charset="0"/>
+                  <a:cs typeface="Times New Roman" panose="02020603050405020304" pitchFamily="18" charset="0"/>
+                </a:rPr>
+                <a:t>UT-</a:t>
+              </a:r>
+              <a:r>
+                <a:rPr lang="en-US" altLang="zh-CN" dirty="0" err="1">
+                  <a:latin typeface="Times New Roman" panose="02020603050405020304" pitchFamily="18" charset="0"/>
+                  <a:cs typeface="Times New Roman" panose="02020603050405020304" pitchFamily="18" charset="0"/>
+                </a:rPr>
+                <a:t>hash_handle</a:t>
+              </a:r>
+              <a:r>
+                <a:rPr lang="en-US" altLang="zh-CN" dirty="0">
+                  <a:latin typeface="Times New Roman" panose="02020603050405020304" pitchFamily="18" charset="0"/>
+                  <a:cs typeface="Times New Roman" panose="02020603050405020304" pitchFamily="18" charset="0"/>
+                </a:rPr>
+                <a:t> </a:t>
+              </a:r>
+              <a:r>
+                <a:rPr lang="en-US" altLang="zh-CN" dirty="0" err="1">
+                  <a:latin typeface="Times New Roman" panose="02020603050405020304" pitchFamily="18" charset="0"/>
+                  <a:cs typeface="Times New Roman" panose="02020603050405020304" pitchFamily="18" charset="0"/>
+                </a:rPr>
+                <a:t>hh</a:t>
+              </a:r>
+              <a:endParaRPr lang="en-US" altLang="zh-CN" dirty="0">
+                <a:latin typeface="Times New Roman" panose="02020603050405020304" pitchFamily="18" charset="0"/>
+                <a:cs typeface="Times New Roman" panose="02020603050405020304" pitchFamily="18" charset="0"/>
+              </a:endParaRPr>
+            </a:p>
+            <a:p>
+              <a:endParaRPr lang="en-US" altLang="zh-CN" dirty="0">
+                <a:latin typeface="Times New Roman" panose="02020603050405020304" pitchFamily="18" charset="0"/>
+                <a:cs typeface="Times New Roman" panose="02020603050405020304" pitchFamily="18" charset="0"/>
+              </a:endParaRPr>
+            </a:p>
+            <a:p>
+              <a:r>
+                <a:rPr lang="en-US" altLang="zh-CN" dirty="0">
+                  <a:latin typeface="Times New Roman" panose="02020603050405020304" pitchFamily="18" charset="0"/>
+                  <a:cs typeface="Times New Roman" panose="02020603050405020304" pitchFamily="18" charset="0"/>
+                </a:rPr>
+                <a:t>Void add()</a:t>
+              </a:r>
+            </a:p>
+            <a:p>
+              <a:r>
+                <a:rPr lang="en-US" altLang="zh-CN" dirty="0">
+                  <a:latin typeface="Times New Roman" panose="02020603050405020304" pitchFamily="18" charset="0"/>
+                  <a:cs typeface="Times New Roman" panose="02020603050405020304" pitchFamily="18" charset="0"/>
+                </a:rPr>
+                <a:t>Void delete()</a:t>
+              </a:r>
+              <a:endParaRPr lang="zh-CN" altLang="en-US" dirty="0">
+                <a:latin typeface="Times New Roman" panose="02020603050405020304" pitchFamily="18" charset="0"/>
+                <a:cs typeface="Times New Roman" panose="02020603050405020304" pitchFamily="18" charset="0"/>
+              </a:endParaRPr>
+            </a:p>
+          </p:txBody>
+        </p:sp>
+      </p:grpSp>
+      <p:grpSp>
+        <p:nvGrpSpPr>
+          <p:cNvPr id="10" name="Group 9">
+            <a:extLst>
+              <a:ext uri="{FF2B5EF4-FFF2-40B4-BE49-F238E27FC236}">
+                <a16:creationId xmlns:a16="http://schemas.microsoft.com/office/drawing/2014/main" id="{CA4EC047-7672-465E-9334-0443793DEF0A}"/>
+              </a:ext>
+            </a:extLst>
+          </p:cNvPr>
+          <p:cNvGrpSpPr/>
+          <p:nvPr/>
+        </p:nvGrpSpPr>
+        <p:grpSpPr>
+          <a:xfrm>
+            <a:off x="3893426" y="3429001"/>
+            <a:ext cx="2140592" cy="2518794"/>
+            <a:chOff x="1177254" y="2828860"/>
+            <a:chExt cx="2140592" cy="3147271"/>
+          </a:xfrm>
+        </p:grpSpPr>
+        <p:sp>
+          <p:nvSpPr>
+            <p:cNvPr id="11" name="Rectangle 10">
+              <a:extLst>
+                <a:ext uri="{FF2B5EF4-FFF2-40B4-BE49-F238E27FC236}">
+                  <a16:creationId xmlns:a16="http://schemas.microsoft.com/office/drawing/2014/main" id="{5A021BF3-7181-4336-A26E-9DF9FEF36CB1}"/>
+                </a:ext>
+              </a:extLst>
+            </p:cNvPr>
+            <p:cNvSpPr/>
+            <p:nvPr/>
+          </p:nvSpPr>
+          <p:spPr>
+            <a:xfrm>
+              <a:off x="1177254" y="2828860"/>
+              <a:ext cx="2140592" cy="3147271"/>
+            </a:xfrm>
+            <a:prstGeom prst="rect">
+              <a:avLst/>
+            </a:prstGeom>
+            <a:noFill/>
+            <a:ln w="38100">
+              <a:solidFill>
+                <a:schemeClr val="tx1"/>
+              </a:solidFill>
+            </a:ln>
+          </p:spPr>
+          <p:style>
+            <a:lnRef idx="2">
+              <a:schemeClr val="accent1">
+                <a:shade val="50000"/>
+              </a:schemeClr>
+            </a:lnRef>
+            <a:fillRef idx="1">
+              <a:schemeClr val="accent1"/>
+            </a:fillRef>
+            <a:effectRef idx="0">
+              <a:schemeClr val="accent1"/>
+            </a:effectRef>
+            <a:fontRef idx="minor">
+              <a:schemeClr val="lt1"/>
+            </a:fontRef>
+          </p:style>
+          <p:txBody>
+            <a:bodyPr rtlCol="0" anchor="ctr"/>
+            <a:lstStyle/>
+            <a:p>
+              <a:pPr algn="ctr"/>
+              <a:endParaRPr lang="zh-CN" altLang="en-US"/>
+            </a:p>
+          </p:txBody>
+        </p:sp>
+        <p:sp>
+          <p:nvSpPr>
+            <p:cNvPr id="12" name="TextBox 11">
+              <a:extLst>
+                <a:ext uri="{FF2B5EF4-FFF2-40B4-BE49-F238E27FC236}">
+                  <a16:creationId xmlns:a16="http://schemas.microsoft.com/office/drawing/2014/main" id="{6DB4D54E-22D6-4DBD-90A0-E4CA8AA8C8D4}"/>
+                </a:ext>
+              </a:extLst>
+            </p:cNvPr>
+            <p:cNvSpPr txBox="1"/>
+            <p:nvPr/>
+          </p:nvSpPr>
+          <p:spPr>
+            <a:xfrm>
+              <a:off x="1316064" y="3101549"/>
+              <a:ext cx="2001782" cy="1754326"/>
+            </a:xfrm>
+            <a:prstGeom prst="rect">
+              <a:avLst/>
+            </a:prstGeom>
+            <a:noFill/>
+          </p:spPr>
+          <p:txBody>
+            <a:bodyPr wrap="square" rtlCol="0">
+              <a:spAutoFit/>
+            </a:bodyPr>
+            <a:lstStyle/>
+            <a:p>
+              <a:r>
+                <a:rPr lang="en-US" altLang="zh-CN" dirty="0">
+                  <a:latin typeface="Times New Roman" panose="02020603050405020304" pitchFamily="18" charset="0"/>
+                  <a:cs typeface="Times New Roman" panose="02020603050405020304" pitchFamily="18" charset="0"/>
+                </a:rPr>
+                <a:t>Char name</a:t>
+              </a:r>
+            </a:p>
+            <a:p>
+              <a:r>
+                <a:rPr lang="en-US" altLang="zh-CN" dirty="0">
+                  <a:latin typeface="Times New Roman" panose="02020603050405020304" pitchFamily="18" charset="0"/>
+                  <a:cs typeface="Times New Roman" panose="02020603050405020304" pitchFamily="18" charset="0"/>
+                </a:rPr>
+                <a:t>Int count</a:t>
+              </a:r>
+            </a:p>
+            <a:p>
+              <a:r>
+                <a:rPr lang="en-US" altLang="zh-CN" dirty="0">
+                  <a:latin typeface="Times New Roman" panose="02020603050405020304" pitchFamily="18" charset="0"/>
+                  <a:cs typeface="Times New Roman" panose="02020603050405020304" pitchFamily="18" charset="0"/>
+                </a:rPr>
+                <a:t>UT-</a:t>
+              </a:r>
+              <a:r>
+                <a:rPr lang="en-US" altLang="zh-CN" dirty="0" err="1">
+                  <a:latin typeface="Times New Roman" panose="02020603050405020304" pitchFamily="18" charset="0"/>
+                  <a:cs typeface="Times New Roman" panose="02020603050405020304" pitchFamily="18" charset="0"/>
+                </a:rPr>
+                <a:t>hash_handle</a:t>
+              </a:r>
+              <a:r>
+                <a:rPr lang="en-US" altLang="zh-CN" dirty="0">
+                  <a:latin typeface="Times New Roman" panose="02020603050405020304" pitchFamily="18" charset="0"/>
+                  <a:cs typeface="Times New Roman" panose="02020603050405020304" pitchFamily="18" charset="0"/>
+                </a:rPr>
+                <a:t> </a:t>
+              </a:r>
+              <a:r>
+                <a:rPr lang="en-US" altLang="zh-CN" dirty="0" err="1">
+                  <a:latin typeface="Times New Roman" panose="02020603050405020304" pitchFamily="18" charset="0"/>
+                  <a:cs typeface="Times New Roman" panose="02020603050405020304" pitchFamily="18" charset="0"/>
+                </a:rPr>
+                <a:t>hh</a:t>
+              </a:r>
+              <a:endParaRPr lang="en-US" altLang="zh-CN" dirty="0">
+                <a:latin typeface="Times New Roman" panose="02020603050405020304" pitchFamily="18" charset="0"/>
+                <a:cs typeface="Times New Roman" panose="02020603050405020304" pitchFamily="18" charset="0"/>
+              </a:endParaRPr>
+            </a:p>
+            <a:p>
+              <a:endParaRPr lang="en-US" altLang="zh-CN" dirty="0">
+                <a:latin typeface="Times New Roman" panose="02020603050405020304" pitchFamily="18" charset="0"/>
+                <a:cs typeface="Times New Roman" panose="02020603050405020304" pitchFamily="18" charset="0"/>
+              </a:endParaRPr>
+            </a:p>
+            <a:p>
+              <a:r>
+                <a:rPr lang="en-US" altLang="zh-CN" dirty="0">
+                  <a:latin typeface="Times New Roman" panose="02020603050405020304" pitchFamily="18" charset="0"/>
+                  <a:cs typeface="Times New Roman" panose="02020603050405020304" pitchFamily="18" charset="0"/>
+                </a:rPr>
+                <a:t>Void add()</a:t>
+              </a:r>
+            </a:p>
+            <a:p>
+              <a:r>
+                <a:rPr lang="en-US" altLang="zh-CN" dirty="0">
+                  <a:latin typeface="Times New Roman" panose="02020603050405020304" pitchFamily="18" charset="0"/>
+                  <a:cs typeface="Times New Roman" panose="02020603050405020304" pitchFamily="18" charset="0"/>
+                </a:rPr>
+                <a:t>Void delete()</a:t>
+              </a:r>
+              <a:endParaRPr lang="zh-CN" altLang="en-US" dirty="0">
+                <a:latin typeface="Times New Roman" panose="02020603050405020304" pitchFamily="18" charset="0"/>
+                <a:cs typeface="Times New Roman" panose="02020603050405020304" pitchFamily="18" charset="0"/>
+              </a:endParaRPr>
+            </a:p>
+          </p:txBody>
+        </p:sp>
+      </p:grpSp>
+      <p:sp>
+        <p:nvSpPr>
+          <p:cNvPr id="15" name="Rectangle 14">
+            <a:extLst>
+              <a:ext uri="{FF2B5EF4-FFF2-40B4-BE49-F238E27FC236}">
+                <a16:creationId xmlns:a16="http://schemas.microsoft.com/office/drawing/2014/main" id="{48FB9D5A-A58F-4000-BBF1-F06B8E86B1FB}"/>
+              </a:ext>
+            </a:extLst>
+          </p:cNvPr>
+          <p:cNvSpPr/>
+          <p:nvPr/>
+        </p:nvSpPr>
+        <p:spPr>
+          <a:xfrm>
+            <a:off x="539579" y="371930"/>
+            <a:ext cx="4711929" cy="646331"/>
+          </a:xfrm>
+          <a:prstGeom prst="rect">
+            <a:avLst/>
+          </a:prstGeom>
+        </p:spPr>
+        <p:txBody>
+          <a:bodyPr wrap="square">
+            <a:spAutoFit/>
+          </a:bodyPr>
+          <a:lstStyle/>
+          <a:p>
+            <a:r>
+              <a:rPr lang="en-US" altLang="zh-CN" sz="3600" dirty="0">
+                <a:latin typeface="Times New Roman" panose="02020603050405020304" pitchFamily="18" charset="0"/>
+                <a:cs typeface="Times New Roman" panose="02020603050405020304" pitchFamily="18" charset="0"/>
+              </a:rPr>
+              <a:t>Algorithm Introduction</a:t>
+            </a:r>
+            <a:endParaRPr lang="zh-CN" altLang="en-US" sz="3600" dirty="0">
+              <a:latin typeface="Times New Roman" panose="02020603050405020304" pitchFamily="18" charset="0"/>
+              <a:cs typeface="Times New Roman" panose="02020603050405020304" pitchFamily="18" charset="0"/>
             </a:endParaRPr>
           </a:p>
         </p:txBody>
       </p:sp>
+      <p:sp>
+        <p:nvSpPr>
+          <p:cNvPr id="16" name="Rectangle 15">
+            <a:extLst>
+              <a:ext uri="{FF2B5EF4-FFF2-40B4-BE49-F238E27FC236}">
+                <a16:creationId xmlns:a16="http://schemas.microsoft.com/office/drawing/2014/main" id="{59219F82-EB5E-4728-B549-532EFE8599DB}"/>
+              </a:ext>
+            </a:extLst>
+          </p:cNvPr>
+          <p:cNvSpPr/>
+          <p:nvPr/>
+        </p:nvSpPr>
+        <p:spPr>
+          <a:xfrm>
+            <a:off x="1160207" y="2923323"/>
+            <a:ext cx="1803242" cy="369332"/>
+          </a:xfrm>
+          <a:prstGeom prst="rect">
+            <a:avLst/>
+          </a:prstGeom>
+        </p:spPr>
+        <p:txBody>
+          <a:bodyPr wrap="square">
+            <a:spAutoFit/>
+          </a:bodyPr>
+          <a:lstStyle/>
+          <a:p>
+            <a:r>
+              <a:rPr lang="en-US" altLang="zh-CN" b="1" dirty="0">
+                <a:latin typeface="Times New Roman" panose="02020603050405020304" pitchFamily="18" charset="0"/>
+                <a:cs typeface="Times New Roman" panose="02020603050405020304" pitchFamily="18" charset="0"/>
+              </a:rPr>
+              <a:t>Class filename</a:t>
+            </a:r>
+            <a:endParaRPr lang="zh-CN" altLang="en-US" b="1" dirty="0">
+              <a:latin typeface="Times New Roman" panose="02020603050405020304" pitchFamily="18" charset="0"/>
+              <a:cs typeface="Times New Roman" panose="02020603050405020304" pitchFamily="18" charset="0"/>
+            </a:endParaRPr>
+          </a:p>
+        </p:txBody>
+      </p:sp>
+      <p:sp>
+        <p:nvSpPr>
+          <p:cNvPr id="17" name="Rectangle 16">
+            <a:extLst>
+              <a:ext uri="{FF2B5EF4-FFF2-40B4-BE49-F238E27FC236}">
+                <a16:creationId xmlns:a16="http://schemas.microsoft.com/office/drawing/2014/main" id="{0094B626-CBDF-4B93-92A0-9A870559E6F0}"/>
+              </a:ext>
+            </a:extLst>
+          </p:cNvPr>
+          <p:cNvSpPr/>
+          <p:nvPr/>
+        </p:nvSpPr>
+        <p:spPr>
+          <a:xfrm>
+            <a:off x="4032236" y="2923323"/>
+            <a:ext cx="1922321" cy="369332"/>
+          </a:xfrm>
+          <a:prstGeom prst="rect">
+            <a:avLst/>
+          </a:prstGeom>
+        </p:spPr>
+        <p:txBody>
+          <a:bodyPr wrap="none">
+            <a:spAutoFit/>
+          </a:bodyPr>
+          <a:lstStyle/>
+          <a:p>
+            <a:r>
+              <a:rPr lang="en-US" altLang="zh-CN" b="1" dirty="0">
+                <a:latin typeface="Times New Roman" panose="02020603050405020304" pitchFamily="18" charset="0"/>
+                <a:cs typeface="Times New Roman" panose="02020603050405020304" pitchFamily="18" charset="0"/>
+              </a:rPr>
+              <a:t>Class </a:t>
+            </a:r>
+            <a:r>
+              <a:rPr lang="en-US" altLang="zh-CN" b="1" dirty="0" err="1">
+                <a:latin typeface="Times New Roman" panose="02020603050405020304" pitchFamily="18" charset="0"/>
+                <a:cs typeface="Times New Roman" panose="02020603050405020304" pitchFamily="18" charset="0"/>
+              </a:rPr>
+              <a:t>chunkname</a:t>
+            </a:r>
+            <a:endParaRPr lang="zh-CN" altLang="en-US" b="1" dirty="0">
+              <a:latin typeface="Times New Roman" panose="02020603050405020304" pitchFamily="18" charset="0"/>
+              <a:cs typeface="Times New Roman" panose="02020603050405020304" pitchFamily="18" charset="0"/>
+            </a:endParaRPr>
+          </a:p>
+        </p:txBody>
+      </p:sp>
+      <p:sp>
+        <p:nvSpPr>
+          <p:cNvPr id="18" name="Rectangle 17">
+            <a:extLst>
+              <a:ext uri="{FF2B5EF4-FFF2-40B4-BE49-F238E27FC236}">
+                <a16:creationId xmlns:a16="http://schemas.microsoft.com/office/drawing/2014/main" id="{551E2FD7-F263-4BED-911B-D9B11D330FF6}"/>
+              </a:ext>
+            </a:extLst>
+          </p:cNvPr>
+          <p:cNvSpPr/>
+          <p:nvPr/>
+        </p:nvSpPr>
+        <p:spPr>
+          <a:xfrm>
+            <a:off x="6815523" y="895417"/>
+            <a:ext cx="2589170" cy="369332"/>
+          </a:xfrm>
+          <a:prstGeom prst="rect">
+            <a:avLst/>
+          </a:prstGeom>
+        </p:spPr>
+        <p:txBody>
+          <a:bodyPr wrap="none">
+            <a:spAutoFit/>
+          </a:bodyPr>
+          <a:lstStyle/>
+          <a:p>
+            <a:r>
+              <a:rPr lang="en-US" altLang="zh-CN" b="1" dirty="0" err="1">
+                <a:latin typeface="Times New Roman" panose="02020603050405020304" pitchFamily="18" charset="0"/>
+                <a:cs typeface="Times New Roman" panose="02020603050405020304" pitchFamily="18" charset="0"/>
+              </a:rPr>
+              <a:t>Chunk_name</a:t>
+            </a:r>
+            <a:r>
+              <a:rPr lang="en-US" altLang="zh-CN" b="1" dirty="0">
+                <a:latin typeface="Times New Roman" panose="02020603050405020304" pitchFamily="18" charset="0"/>
+                <a:cs typeface="Times New Roman" panose="02020603050405020304" pitchFamily="18" charset="0"/>
+              </a:rPr>
+              <a:t> dictionary</a:t>
+            </a:r>
+            <a:endParaRPr lang="zh-CN" altLang="en-US" b="1" dirty="0"/>
+          </a:p>
+        </p:txBody>
+      </p:sp>
+      <p:sp>
+        <p:nvSpPr>
+          <p:cNvPr id="19" name="Rectangle 18">
+            <a:extLst>
+              <a:ext uri="{FF2B5EF4-FFF2-40B4-BE49-F238E27FC236}">
+                <a16:creationId xmlns:a16="http://schemas.microsoft.com/office/drawing/2014/main" id="{B0F56969-DC0C-4622-AC2F-6EC90BBDE2BE}"/>
+              </a:ext>
+            </a:extLst>
+          </p:cNvPr>
+          <p:cNvSpPr/>
+          <p:nvPr/>
+        </p:nvSpPr>
+        <p:spPr>
+          <a:xfrm>
+            <a:off x="7197057" y="2122415"/>
+            <a:ext cx="1641544" cy="4082249"/>
+          </a:xfrm>
+          <a:prstGeom prst="rect">
+            <a:avLst/>
+          </a:prstGeom>
+          <a:noFill/>
+          <a:ln w="38100">
+            <a:solidFill>
+              <a:schemeClr val="tx1"/>
+            </a:solidFill>
+          </a:ln>
+        </p:spPr>
+        <p:style>
+          <a:lnRef idx="2">
+            <a:schemeClr val="accent1">
+              <a:shade val="50000"/>
+            </a:schemeClr>
+          </a:lnRef>
+          <a:fillRef idx="1">
+            <a:schemeClr val="accent1"/>
+          </a:fillRef>
+          <a:effectRef idx="0">
+            <a:schemeClr val="accent1"/>
+          </a:effectRef>
+          <a:fontRef idx="minor">
+            <a:schemeClr val="lt1"/>
+          </a:fontRef>
+        </p:style>
+        <p:txBody>
+          <a:bodyPr rtlCol="0" anchor="ctr"/>
+          <a:lstStyle/>
+          <a:p>
+            <a:pPr algn="ctr"/>
+            <a:endParaRPr lang="zh-CN" altLang="en-US"/>
+          </a:p>
+        </p:txBody>
+      </p:sp>
+      <p:sp>
+        <p:nvSpPr>
+          <p:cNvPr id="20" name="Rectangle 19">
+            <a:extLst>
+              <a:ext uri="{FF2B5EF4-FFF2-40B4-BE49-F238E27FC236}">
+                <a16:creationId xmlns:a16="http://schemas.microsoft.com/office/drawing/2014/main" id="{0DB81EA3-4928-4D4E-B136-1A08A01B3580}"/>
+              </a:ext>
+            </a:extLst>
+          </p:cNvPr>
+          <p:cNvSpPr/>
+          <p:nvPr/>
+        </p:nvSpPr>
+        <p:spPr>
+          <a:xfrm>
+            <a:off x="9945445" y="2122414"/>
+            <a:ext cx="1641544" cy="4082249"/>
+          </a:xfrm>
+          <a:prstGeom prst="rect">
+            <a:avLst/>
+          </a:prstGeom>
+          <a:noFill/>
+          <a:ln w="38100">
+            <a:solidFill>
+              <a:schemeClr val="tx1"/>
+            </a:solidFill>
+          </a:ln>
+        </p:spPr>
+        <p:style>
+          <a:lnRef idx="2">
+            <a:schemeClr val="accent1">
+              <a:shade val="50000"/>
+            </a:schemeClr>
+          </a:lnRef>
+          <a:fillRef idx="1">
+            <a:schemeClr val="accent1"/>
+          </a:fillRef>
+          <a:effectRef idx="0">
+            <a:schemeClr val="accent1"/>
+          </a:effectRef>
+          <a:fontRef idx="minor">
+            <a:schemeClr val="lt1"/>
+          </a:fontRef>
+        </p:style>
+        <p:txBody>
+          <a:bodyPr rtlCol="0" anchor="ctr"/>
+          <a:lstStyle/>
+          <a:p>
+            <a:pPr algn="ctr"/>
+            <a:endParaRPr lang="zh-CN" altLang="en-US"/>
+          </a:p>
+        </p:txBody>
+      </p:sp>
+      <p:sp>
+        <p:nvSpPr>
+          <p:cNvPr id="21" name="Rectangle 20">
+            <a:extLst>
+              <a:ext uri="{FF2B5EF4-FFF2-40B4-BE49-F238E27FC236}">
+                <a16:creationId xmlns:a16="http://schemas.microsoft.com/office/drawing/2014/main" id="{E8804FBA-9B91-4AFE-8CDB-A1367009D22D}"/>
+              </a:ext>
+            </a:extLst>
+          </p:cNvPr>
+          <p:cNvSpPr/>
+          <p:nvPr/>
+        </p:nvSpPr>
+        <p:spPr>
+          <a:xfrm>
+            <a:off x="9967217" y="2465920"/>
+            <a:ext cx="1531188" cy="2585323"/>
+          </a:xfrm>
+          <a:prstGeom prst="rect">
+            <a:avLst/>
+          </a:prstGeom>
+        </p:spPr>
+        <p:txBody>
+          <a:bodyPr wrap="none">
+            <a:spAutoFit/>
+          </a:bodyPr>
+          <a:lstStyle/>
+          <a:p>
+            <a:r>
+              <a:rPr lang="en-US" altLang="zh-CN" b="1" dirty="0" err="1">
+                <a:latin typeface="Times New Roman" panose="02020603050405020304" pitchFamily="18" charset="0"/>
+                <a:cs typeface="Times New Roman" panose="02020603050405020304" pitchFamily="18" charset="0"/>
+              </a:rPr>
+              <a:t>Owner_count</a:t>
+            </a:r>
+            <a:endParaRPr lang="en-US" altLang="zh-CN" b="1" dirty="0">
+              <a:latin typeface="Times New Roman" panose="02020603050405020304" pitchFamily="18" charset="0"/>
+              <a:cs typeface="Times New Roman" panose="02020603050405020304" pitchFamily="18" charset="0"/>
+            </a:endParaRPr>
+          </a:p>
+          <a:p>
+            <a:endParaRPr lang="en-US" altLang="zh-CN" b="1" dirty="0">
+              <a:latin typeface="Times New Roman" panose="02020603050405020304" pitchFamily="18" charset="0"/>
+              <a:cs typeface="Times New Roman" panose="02020603050405020304" pitchFamily="18" charset="0"/>
+            </a:endParaRPr>
+          </a:p>
+          <a:p>
+            <a:r>
+              <a:rPr lang="en-US" altLang="zh-CN" b="1" dirty="0">
+                <a:latin typeface="Times New Roman" panose="02020603050405020304" pitchFamily="18" charset="0"/>
+                <a:cs typeface="Times New Roman" panose="02020603050405020304" pitchFamily="18" charset="0"/>
+              </a:rPr>
+              <a:t>11</a:t>
+            </a:r>
+          </a:p>
+          <a:p>
+            <a:r>
+              <a:rPr lang="en-US" altLang="zh-CN" b="1" dirty="0">
+                <a:latin typeface="Times New Roman" panose="02020603050405020304" pitchFamily="18" charset="0"/>
+                <a:cs typeface="Times New Roman" panose="02020603050405020304" pitchFamily="18" charset="0"/>
+              </a:rPr>
+              <a:t>2</a:t>
+            </a:r>
+          </a:p>
+          <a:p>
+            <a:r>
+              <a:rPr lang="en-US" altLang="zh-CN" b="1" dirty="0">
+                <a:latin typeface="Times New Roman" panose="02020603050405020304" pitchFamily="18" charset="0"/>
+                <a:cs typeface="Times New Roman" panose="02020603050405020304" pitchFamily="18" charset="0"/>
+              </a:rPr>
+              <a:t>7</a:t>
+            </a:r>
+          </a:p>
+          <a:p>
+            <a:endParaRPr lang="en-US" altLang="zh-CN" b="1" dirty="0">
+              <a:latin typeface="Times New Roman" panose="02020603050405020304" pitchFamily="18" charset="0"/>
+              <a:cs typeface="Times New Roman" panose="02020603050405020304" pitchFamily="18" charset="0"/>
+            </a:endParaRPr>
+          </a:p>
+          <a:p>
+            <a:r>
+              <a:rPr lang="en-US" altLang="zh-CN" b="1" dirty="0">
+                <a:latin typeface="Times New Roman" panose="02020603050405020304" pitchFamily="18" charset="0"/>
+                <a:cs typeface="Times New Roman" panose="02020603050405020304" pitchFamily="18" charset="0"/>
+              </a:rPr>
+              <a:t>…</a:t>
+            </a:r>
+          </a:p>
+          <a:p>
+            <a:endParaRPr lang="en-US" altLang="zh-CN" b="1" dirty="0">
+              <a:latin typeface="Times New Roman" panose="02020603050405020304" pitchFamily="18" charset="0"/>
+              <a:cs typeface="Times New Roman" panose="02020603050405020304" pitchFamily="18" charset="0"/>
+            </a:endParaRPr>
+          </a:p>
+          <a:p>
+            <a:r>
+              <a:rPr lang="en-US" altLang="zh-CN" b="1" dirty="0">
+                <a:latin typeface="Times New Roman" panose="02020603050405020304" pitchFamily="18" charset="0"/>
+                <a:cs typeface="Times New Roman" panose="02020603050405020304" pitchFamily="18" charset="0"/>
+              </a:rPr>
+              <a:t>1</a:t>
+            </a:r>
+            <a:endParaRPr lang="zh-CN" altLang="en-US" dirty="0"/>
+          </a:p>
+        </p:txBody>
+      </p:sp>
+      <p:sp>
+        <p:nvSpPr>
+          <p:cNvPr id="22" name="Rectangle 21">
+            <a:extLst>
+              <a:ext uri="{FF2B5EF4-FFF2-40B4-BE49-F238E27FC236}">
+                <a16:creationId xmlns:a16="http://schemas.microsoft.com/office/drawing/2014/main" id="{5706B505-5794-4105-8F9C-B98B28658767}"/>
+              </a:ext>
+            </a:extLst>
+          </p:cNvPr>
+          <p:cNvSpPr/>
+          <p:nvPr/>
+        </p:nvSpPr>
+        <p:spPr>
+          <a:xfrm>
+            <a:off x="7272144" y="2465920"/>
+            <a:ext cx="1536062" cy="2585323"/>
+          </a:xfrm>
+          <a:prstGeom prst="rect">
+            <a:avLst/>
+          </a:prstGeom>
+        </p:spPr>
+        <p:txBody>
+          <a:bodyPr wrap="none">
+            <a:spAutoFit/>
+          </a:bodyPr>
+          <a:lstStyle/>
+          <a:p>
+            <a:r>
+              <a:rPr lang="en-US" altLang="zh-CN" b="1" dirty="0" err="1">
+                <a:latin typeface="Times New Roman" panose="02020603050405020304" pitchFamily="18" charset="0"/>
+                <a:cs typeface="Times New Roman" panose="02020603050405020304" pitchFamily="18" charset="0"/>
+              </a:rPr>
+              <a:t>Chunknames</a:t>
+            </a:r>
+            <a:endParaRPr lang="en-US" altLang="zh-CN" b="1" dirty="0">
+              <a:latin typeface="Times New Roman" panose="02020603050405020304" pitchFamily="18" charset="0"/>
+              <a:cs typeface="Times New Roman" panose="02020603050405020304" pitchFamily="18" charset="0"/>
+            </a:endParaRPr>
+          </a:p>
+          <a:p>
+            <a:endParaRPr lang="en-US" altLang="zh-CN" b="1" dirty="0">
+              <a:latin typeface="Times New Roman" panose="02020603050405020304" pitchFamily="18" charset="0"/>
+              <a:cs typeface="Times New Roman" panose="02020603050405020304" pitchFamily="18" charset="0"/>
+            </a:endParaRPr>
+          </a:p>
+          <a:p>
+            <a:pPr algn="r"/>
+            <a:r>
+              <a:rPr lang="en-US" altLang="zh-CN" b="1" dirty="0">
+                <a:latin typeface="Times New Roman" panose="02020603050405020304" pitchFamily="18" charset="0"/>
+                <a:cs typeface="Times New Roman" panose="02020603050405020304" pitchFamily="18" charset="0"/>
+              </a:rPr>
+              <a:t>Name1</a:t>
+            </a:r>
+          </a:p>
+          <a:p>
+            <a:pPr algn="r"/>
+            <a:r>
+              <a:rPr lang="en-US" altLang="zh-CN" b="1" dirty="0">
+                <a:latin typeface="Times New Roman" panose="02020603050405020304" pitchFamily="18" charset="0"/>
+                <a:cs typeface="Times New Roman" panose="02020603050405020304" pitchFamily="18" charset="0"/>
+              </a:rPr>
+              <a:t>Name2</a:t>
+            </a:r>
+          </a:p>
+          <a:p>
+            <a:pPr algn="r"/>
+            <a:r>
+              <a:rPr lang="en-US" altLang="zh-CN" b="1" dirty="0">
+                <a:latin typeface="Times New Roman" panose="02020603050405020304" pitchFamily="18" charset="0"/>
+                <a:cs typeface="Times New Roman" panose="02020603050405020304" pitchFamily="18" charset="0"/>
+              </a:rPr>
+              <a:t>Name3</a:t>
+            </a:r>
+          </a:p>
+          <a:p>
+            <a:pPr algn="r"/>
+            <a:endParaRPr lang="en-US" altLang="zh-CN" b="1" dirty="0">
+              <a:latin typeface="Times New Roman" panose="02020603050405020304" pitchFamily="18" charset="0"/>
+              <a:cs typeface="Times New Roman" panose="02020603050405020304" pitchFamily="18" charset="0"/>
+            </a:endParaRPr>
+          </a:p>
+          <a:p>
+            <a:pPr algn="r"/>
+            <a:r>
+              <a:rPr lang="en-US" altLang="zh-CN" b="1" dirty="0">
+                <a:latin typeface="Times New Roman" panose="02020603050405020304" pitchFamily="18" charset="0"/>
+                <a:cs typeface="Times New Roman" panose="02020603050405020304" pitchFamily="18" charset="0"/>
+              </a:rPr>
+              <a:t>…</a:t>
+            </a:r>
+          </a:p>
+          <a:p>
+            <a:pPr algn="r"/>
+            <a:endParaRPr lang="en-US" altLang="zh-CN" b="1" dirty="0">
+              <a:latin typeface="Times New Roman" panose="02020603050405020304" pitchFamily="18" charset="0"/>
+              <a:cs typeface="Times New Roman" panose="02020603050405020304" pitchFamily="18" charset="0"/>
+            </a:endParaRPr>
+          </a:p>
+          <a:p>
+            <a:pPr algn="r"/>
+            <a:r>
+              <a:rPr lang="en-US" altLang="zh-CN" b="1" dirty="0" err="1">
+                <a:latin typeface="Times New Roman" panose="02020603050405020304" pitchFamily="18" charset="0"/>
+                <a:cs typeface="Times New Roman" panose="02020603050405020304" pitchFamily="18" charset="0"/>
+              </a:rPr>
+              <a:t>NameN</a:t>
+            </a:r>
+            <a:endParaRPr lang="zh-CN" altLang="en-US" dirty="0"/>
+          </a:p>
+        </p:txBody>
+      </p:sp>
+      <p:cxnSp>
+        <p:nvCxnSpPr>
+          <p:cNvPr id="7" name="Straight Arrow Connector 6">
+            <a:extLst>
+              <a:ext uri="{FF2B5EF4-FFF2-40B4-BE49-F238E27FC236}">
+                <a16:creationId xmlns:a16="http://schemas.microsoft.com/office/drawing/2014/main" id="{8BA29335-8B64-42EF-B57C-4EB0D4574F6F}"/>
+              </a:ext>
+            </a:extLst>
+          </p:cNvPr>
+          <p:cNvCxnSpPr>
+            <a:cxnSpLocks/>
+          </p:cNvCxnSpPr>
+          <p:nvPr/>
+        </p:nvCxnSpPr>
+        <p:spPr>
+          <a:xfrm>
+            <a:off x="8934275" y="3225544"/>
+            <a:ext cx="897622" cy="0"/>
+          </a:xfrm>
+          <a:prstGeom prst="straightConnector1">
+            <a:avLst/>
+          </a:prstGeom>
+          <a:ln w="28575">
+            <a:solidFill>
+              <a:schemeClr val="tx1"/>
+            </a:solidFill>
+            <a:tailEnd type="triangle"/>
+          </a:ln>
+        </p:spPr>
+        <p:style>
+          <a:lnRef idx="1">
+            <a:schemeClr val="accent1"/>
+          </a:lnRef>
+          <a:fillRef idx="0">
+            <a:schemeClr val="accent1"/>
+          </a:fillRef>
+          <a:effectRef idx="0">
+            <a:schemeClr val="accent1"/>
+          </a:effectRef>
+          <a:fontRef idx="minor">
+            <a:schemeClr val="tx1"/>
+          </a:fontRef>
+        </p:style>
+      </p:cxnSp>
+      <p:cxnSp>
+        <p:nvCxnSpPr>
+          <p:cNvPr id="23" name="Straight Arrow Connector 22">
+            <a:extLst>
+              <a:ext uri="{FF2B5EF4-FFF2-40B4-BE49-F238E27FC236}">
+                <a16:creationId xmlns:a16="http://schemas.microsoft.com/office/drawing/2014/main" id="{31A291BD-FF4D-401A-AFD5-FCCE3EF3BC90}"/>
+              </a:ext>
+            </a:extLst>
+          </p:cNvPr>
+          <p:cNvCxnSpPr>
+            <a:cxnSpLocks/>
+          </p:cNvCxnSpPr>
+          <p:nvPr/>
+        </p:nvCxnSpPr>
+        <p:spPr>
+          <a:xfrm>
+            <a:off x="8934275" y="3428999"/>
+            <a:ext cx="897622" cy="0"/>
+          </a:xfrm>
+          <a:prstGeom prst="straightConnector1">
+            <a:avLst/>
+          </a:prstGeom>
+          <a:ln w="28575">
+            <a:solidFill>
+              <a:schemeClr val="tx1"/>
+            </a:solidFill>
+            <a:tailEnd type="triangle"/>
+          </a:ln>
+        </p:spPr>
+        <p:style>
+          <a:lnRef idx="1">
+            <a:schemeClr val="accent1"/>
+          </a:lnRef>
+          <a:fillRef idx="0">
+            <a:schemeClr val="accent1"/>
+          </a:fillRef>
+          <a:effectRef idx="0">
+            <a:schemeClr val="accent1"/>
+          </a:effectRef>
+          <a:fontRef idx="minor">
+            <a:schemeClr val="tx1"/>
+          </a:fontRef>
+        </p:style>
+      </p:cxnSp>
+      <p:cxnSp>
+        <p:nvCxnSpPr>
+          <p:cNvPr id="24" name="Straight Arrow Connector 23">
+            <a:extLst>
+              <a:ext uri="{FF2B5EF4-FFF2-40B4-BE49-F238E27FC236}">
+                <a16:creationId xmlns:a16="http://schemas.microsoft.com/office/drawing/2014/main" id="{6CABA81F-235F-41AA-86B4-37985C9B494E}"/>
+              </a:ext>
+            </a:extLst>
+          </p:cNvPr>
+          <p:cNvCxnSpPr>
+            <a:cxnSpLocks/>
+          </p:cNvCxnSpPr>
+          <p:nvPr/>
+        </p:nvCxnSpPr>
+        <p:spPr>
+          <a:xfrm>
+            <a:off x="8955882" y="3755449"/>
+            <a:ext cx="897622" cy="0"/>
+          </a:xfrm>
+          <a:prstGeom prst="straightConnector1">
+            <a:avLst/>
+          </a:prstGeom>
+          <a:ln w="28575">
+            <a:solidFill>
+              <a:schemeClr val="tx1"/>
+            </a:solidFill>
+            <a:tailEnd type="triangle"/>
+          </a:ln>
+        </p:spPr>
+        <p:style>
+          <a:lnRef idx="1">
+            <a:schemeClr val="accent1"/>
+          </a:lnRef>
+          <a:fillRef idx="0">
+            <a:schemeClr val="accent1"/>
+          </a:fillRef>
+          <a:effectRef idx="0">
+            <a:schemeClr val="accent1"/>
+          </a:effectRef>
+          <a:fontRef idx="minor">
+            <a:schemeClr val="tx1"/>
+          </a:fontRef>
+        </p:style>
+      </p:cxnSp>
+      <p:cxnSp>
+        <p:nvCxnSpPr>
+          <p:cNvPr id="25" name="Straight Arrow Connector 24">
+            <a:extLst>
+              <a:ext uri="{FF2B5EF4-FFF2-40B4-BE49-F238E27FC236}">
+                <a16:creationId xmlns:a16="http://schemas.microsoft.com/office/drawing/2014/main" id="{9371641C-FBA6-4BED-8F19-2D76E356B40F}"/>
+              </a:ext>
+            </a:extLst>
+          </p:cNvPr>
+          <p:cNvCxnSpPr>
+            <a:cxnSpLocks/>
+          </p:cNvCxnSpPr>
+          <p:nvPr/>
+        </p:nvCxnSpPr>
+        <p:spPr>
+          <a:xfrm>
+            <a:off x="8955882" y="4401401"/>
+            <a:ext cx="897622" cy="0"/>
+          </a:xfrm>
+          <a:prstGeom prst="straightConnector1">
+            <a:avLst/>
+          </a:prstGeom>
+          <a:ln w="28575">
+            <a:solidFill>
+              <a:schemeClr val="tx1"/>
+            </a:solidFill>
+            <a:tailEnd type="triangle"/>
+          </a:ln>
+        </p:spPr>
+        <p:style>
+          <a:lnRef idx="1">
+            <a:schemeClr val="accent1"/>
+          </a:lnRef>
+          <a:fillRef idx="0">
+            <a:schemeClr val="accent1"/>
+          </a:fillRef>
+          <a:effectRef idx="0">
+            <a:schemeClr val="accent1"/>
+          </a:effectRef>
+          <a:fontRef idx="minor">
+            <a:schemeClr val="tx1"/>
+          </a:fontRef>
+        </p:style>
+      </p:cxnSp>
+      <p:cxnSp>
+        <p:nvCxnSpPr>
+          <p:cNvPr id="26" name="Straight Arrow Connector 25">
+            <a:extLst>
+              <a:ext uri="{FF2B5EF4-FFF2-40B4-BE49-F238E27FC236}">
+                <a16:creationId xmlns:a16="http://schemas.microsoft.com/office/drawing/2014/main" id="{197FC024-9513-4370-8F11-D36F315CA052}"/>
+              </a:ext>
+            </a:extLst>
+          </p:cNvPr>
+          <p:cNvCxnSpPr>
+            <a:cxnSpLocks/>
+          </p:cNvCxnSpPr>
+          <p:nvPr/>
+        </p:nvCxnSpPr>
+        <p:spPr>
+          <a:xfrm>
+            <a:off x="8934275" y="4820851"/>
+            <a:ext cx="897622" cy="0"/>
+          </a:xfrm>
+          <a:prstGeom prst="straightConnector1">
+            <a:avLst/>
+          </a:prstGeom>
+          <a:ln w="28575">
+            <a:solidFill>
+              <a:schemeClr val="tx1"/>
+            </a:solidFill>
+            <a:tailEnd type="triangle"/>
+          </a:ln>
+        </p:spPr>
+        <p:style>
+          <a:lnRef idx="1">
+            <a:schemeClr val="accent1"/>
+          </a:lnRef>
+          <a:fillRef idx="0">
+            <a:schemeClr val="accent1"/>
+          </a:fillRef>
+          <a:effectRef idx="0">
+            <a:schemeClr val="accent1"/>
+          </a:effectRef>
+          <a:fontRef idx="minor">
+            <a:schemeClr val="tx1"/>
+          </a:fontRef>
+        </p:style>
+      </p:cxnSp>
     </p:spTree>
     <p:extLst>
       <p:ext uri="{BB962C8B-B14F-4D97-AF65-F5344CB8AC3E}">
-        <p14:creationId xmlns:p14="http://schemas.microsoft.com/office/powerpoint/2010/main" val="4282192451"/>
+        <p14:creationId xmlns:p14="http://schemas.microsoft.com/office/powerpoint/2010/main" val="2379625318"/>
+      </p:ext>
+    </p:extLst>
+  </p:cSld>
+  <p:clrMapOvr>
+    <a:masterClrMapping/>
+  </p:clrMapOvr>
+</p:sld>
+</file>
+
+<file path=ppt/slides/slide9.xml><?xml version="1.0" encoding="utf-8"?>
+<p:sld xmlns:a="http://schemas.openxmlformats.org/drawingml/2006/main" xmlns:r="http://schemas.openxmlformats.org/officeDocument/2006/relationships" xmlns:p="http://schemas.openxmlformats.org/presentationml/2006/main">
+  <p:cSld>
+    <p:spTree>
+      <p:nvGrpSpPr>
+        <p:cNvPr id="1" name=""/>
+        <p:cNvGrpSpPr/>
+        <p:nvPr/>
+      </p:nvGrpSpPr>
+      <p:grpSpPr>
+        <a:xfrm>
+          <a:off x="0" y="0"/>
+          <a:ext cx="0" cy="0"/>
+          <a:chOff x="0" y="0"/>
+          <a:chExt cx="0" cy="0"/>
+        </a:xfrm>
+      </p:grpSpPr>
+      <p:sp>
+        <p:nvSpPr>
+          <p:cNvPr id="4" name="Rectangle 3">
+            <a:extLst>
+              <a:ext uri="{FF2B5EF4-FFF2-40B4-BE49-F238E27FC236}">
+                <a16:creationId xmlns:a16="http://schemas.microsoft.com/office/drawing/2014/main" id="{641B1286-FC1D-4672-8AEF-9A980FC0230A}"/>
+              </a:ext>
+            </a:extLst>
+          </p:cNvPr>
+          <p:cNvSpPr/>
+          <p:nvPr/>
+        </p:nvSpPr>
+        <p:spPr>
+          <a:xfrm>
+            <a:off x="352338" y="205099"/>
+            <a:ext cx="4991450" cy="5222579"/>
+          </a:xfrm>
+          <a:prstGeom prst="rect">
+            <a:avLst/>
+          </a:prstGeom>
+          <a:noFill/>
+          <a:ln w="38100">
+            <a:solidFill>
+              <a:schemeClr val="tx1"/>
+            </a:solidFill>
+          </a:ln>
+        </p:spPr>
+        <p:style>
+          <a:lnRef idx="2">
+            <a:schemeClr val="accent1">
+              <a:shade val="50000"/>
+            </a:schemeClr>
+          </a:lnRef>
+          <a:fillRef idx="1">
+            <a:schemeClr val="accent1"/>
+          </a:fillRef>
+          <a:effectRef idx="0">
+            <a:schemeClr val="accent1"/>
+          </a:effectRef>
+          <a:fontRef idx="minor">
+            <a:schemeClr val="lt1"/>
+          </a:fontRef>
+        </p:style>
+        <p:txBody>
+          <a:bodyPr rtlCol="0" anchor="ctr"/>
+          <a:lstStyle/>
+          <a:p>
+            <a:pPr algn="ctr"/>
+            <a:endParaRPr lang="zh-CN" altLang="en-US"/>
+          </a:p>
+        </p:txBody>
+      </p:sp>
+      <p:sp>
+        <p:nvSpPr>
+          <p:cNvPr id="5" name="Rectangle 4">
+            <a:extLst>
+              <a:ext uri="{FF2B5EF4-FFF2-40B4-BE49-F238E27FC236}">
+                <a16:creationId xmlns:a16="http://schemas.microsoft.com/office/drawing/2014/main" id="{0E0B40A4-A8BC-497B-BFA2-E78B23646AF4}"/>
+              </a:ext>
+            </a:extLst>
+          </p:cNvPr>
+          <p:cNvSpPr/>
+          <p:nvPr/>
+        </p:nvSpPr>
+        <p:spPr>
+          <a:xfrm>
+            <a:off x="3157892" y="637454"/>
+            <a:ext cx="2050497" cy="2092475"/>
+          </a:xfrm>
+          <a:prstGeom prst="rect">
+            <a:avLst/>
+          </a:prstGeom>
+          <a:noFill/>
+          <a:ln w="38100">
+            <a:solidFill>
+              <a:schemeClr val="tx1"/>
+            </a:solidFill>
+          </a:ln>
+        </p:spPr>
+        <p:style>
+          <a:lnRef idx="2">
+            <a:schemeClr val="accent1">
+              <a:shade val="50000"/>
+            </a:schemeClr>
+          </a:lnRef>
+          <a:fillRef idx="1">
+            <a:schemeClr val="accent1"/>
+          </a:fillRef>
+          <a:effectRef idx="0">
+            <a:schemeClr val="accent1"/>
+          </a:effectRef>
+          <a:fontRef idx="minor">
+            <a:schemeClr val="lt1"/>
+          </a:fontRef>
+        </p:style>
+        <p:txBody>
+          <a:bodyPr rtlCol="0" anchor="ctr"/>
+          <a:lstStyle/>
+          <a:p>
+            <a:pPr algn="ctr"/>
+            <a:endParaRPr lang="zh-CN" altLang="en-US"/>
+          </a:p>
+        </p:txBody>
+      </p:sp>
+      <p:sp>
+        <p:nvSpPr>
+          <p:cNvPr id="9" name="Rectangle 8">
+            <a:extLst>
+              <a:ext uri="{FF2B5EF4-FFF2-40B4-BE49-F238E27FC236}">
+                <a16:creationId xmlns:a16="http://schemas.microsoft.com/office/drawing/2014/main" id="{4A128608-0008-4E0D-8BE8-8C29B2D3EDF8}"/>
+              </a:ext>
+            </a:extLst>
+          </p:cNvPr>
+          <p:cNvSpPr/>
+          <p:nvPr/>
+        </p:nvSpPr>
+        <p:spPr>
+          <a:xfrm>
+            <a:off x="3070370" y="3971889"/>
+            <a:ext cx="1652631" cy="1282414"/>
+          </a:xfrm>
+          <a:prstGeom prst="rect">
+            <a:avLst/>
+          </a:prstGeom>
+          <a:noFill/>
+          <a:ln w="38100">
+            <a:solidFill>
+              <a:schemeClr val="tx1"/>
+            </a:solidFill>
+          </a:ln>
+        </p:spPr>
+        <p:style>
+          <a:lnRef idx="2">
+            <a:schemeClr val="accent1">
+              <a:shade val="50000"/>
+            </a:schemeClr>
+          </a:lnRef>
+          <a:fillRef idx="1">
+            <a:schemeClr val="accent1"/>
+          </a:fillRef>
+          <a:effectRef idx="0">
+            <a:schemeClr val="accent1"/>
+          </a:effectRef>
+          <a:fontRef idx="minor">
+            <a:schemeClr val="lt1"/>
+          </a:fontRef>
+        </p:style>
+        <p:txBody>
+          <a:bodyPr rtlCol="0" anchor="ctr"/>
+          <a:lstStyle/>
+          <a:p>
+            <a:pPr algn="ctr"/>
+            <a:endParaRPr lang="zh-CN" altLang="en-US"/>
+          </a:p>
+        </p:txBody>
+      </p:sp>
+      <p:sp>
+        <p:nvSpPr>
+          <p:cNvPr id="10" name="Rectangle 9">
+            <a:extLst>
+              <a:ext uri="{FF2B5EF4-FFF2-40B4-BE49-F238E27FC236}">
+                <a16:creationId xmlns:a16="http://schemas.microsoft.com/office/drawing/2014/main" id="{B0787282-BBA3-4508-AE5D-5FD76E234E77}"/>
+              </a:ext>
+            </a:extLst>
+          </p:cNvPr>
+          <p:cNvSpPr/>
+          <p:nvPr/>
+        </p:nvSpPr>
+        <p:spPr>
+          <a:xfrm>
+            <a:off x="486560" y="915040"/>
+            <a:ext cx="1929469" cy="4168688"/>
+          </a:xfrm>
+          <a:prstGeom prst="rect">
+            <a:avLst/>
+          </a:prstGeom>
+          <a:noFill/>
+          <a:ln w="38100">
+            <a:solidFill>
+              <a:schemeClr val="tx1"/>
+            </a:solidFill>
+          </a:ln>
+        </p:spPr>
+        <p:style>
+          <a:lnRef idx="2">
+            <a:schemeClr val="accent1">
+              <a:shade val="50000"/>
+            </a:schemeClr>
+          </a:lnRef>
+          <a:fillRef idx="1">
+            <a:schemeClr val="accent1"/>
+          </a:fillRef>
+          <a:effectRef idx="0">
+            <a:schemeClr val="accent1"/>
+          </a:effectRef>
+          <a:fontRef idx="minor">
+            <a:schemeClr val="lt1"/>
+          </a:fontRef>
+        </p:style>
+        <p:txBody>
+          <a:bodyPr rtlCol="0" anchor="ctr"/>
+          <a:lstStyle/>
+          <a:p>
+            <a:pPr algn="ctr"/>
+            <a:endParaRPr lang="zh-CN" altLang="en-US"/>
+          </a:p>
+        </p:txBody>
+      </p:sp>
+      <p:sp>
+        <p:nvSpPr>
+          <p:cNvPr id="11" name="TextBox 10">
+            <a:extLst>
+              <a:ext uri="{FF2B5EF4-FFF2-40B4-BE49-F238E27FC236}">
+                <a16:creationId xmlns:a16="http://schemas.microsoft.com/office/drawing/2014/main" id="{58508883-2785-4E82-A3D4-9AB9200C90D4}"/>
+              </a:ext>
+            </a:extLst>
+          </p:cNvPr>
+          <p:cNvSpPr txBox="1"/>
+          <p:nvPr/>
+        </p:nvSpPr>
+        <p:spPr>
+          <a:xfrm>
+            <a:off x="1681994" y="2189527"/>
+            <a:ext cx="734035" cy="369332"/>
+          </a:xfrm>
+          <a:prstGeom prst="rect">
+            <a:avLst/>
+          </a:prstGeom>
+          <a:noFill/>
+        </p:spPr>
+        <p:txBody>
+          <a:bodyPr wrap="square" rtlCol="0">
+            <a:spAutoFit/>
+          </a:bodyPr>
+          <a:lstStyle/>
+          <a:p>
+            <a:r>
+              <a:rPr lang="en-US" altLang="zh-CN" dirty="0">
+                <a:latin typeface="Times New Roman" panose="02020603050405020304" pitchFamily="18" charset="0"/>
+                <a:cs typeface="Times New Roman" panose="02020603050405020304" pitchFamily="18" charset="0"/>
+              </a:rPr>
+              <a:t>File1</a:t>
+            </a:r>
+            <a:endParaRPr lang="zh-CN" altLang="en-US" dirty="0">
+              <a:latin typeface="Times New Roman" panose="02020603050405020304" pitchFamily="18" charset="0"/>
+              <a:cs typeface="Times New Roman" panose="02020603050405020304" pitchFamily="18" charset="0"/>
+            </a:endParaRPr>
+          </a:p>
+        </p:txBody>
+      </p:sp>
+      <p:sp>
+        <p:nvSpPr>
+          <p:cNvPr id="12" name="TextBox 11">
+            <a:extLst>
+              <a:ext uri="{FF2B5EF4-FFF2-40B4-BE49-F238E27FC236}">
+                <a16:creationId xmlns:a16="http://schemas.microsoft.com/office/drawing/2014/main" id="{21728BC9-3392-4C13-895B-E449E782D93D}"/>
+              </a:ext>
+            </a:extLst>
+          </p:cNvPr>
+          <p:cNvSpPr txBox="1"/>
+          <p:nvPr/>
+        </p:nvSpPr>
+        <p:spPr>
+          <a:xfrm>
+            <a:off x="580940" y="918946"/>
+            <a:ext cx="1061205" cy="1200329"/>
+          </a:xfrm>
+          <a:prstGeom prst="rect">
+            <a:avLst/>
+          </a:prstGeom>
+          <a:noFill/>
+        </p:spPr>
+        <p:txBody>
+          <a:bodyPr wrap="square" rtlCol="0">
+            <a:spAutoFit/>
+          </a:bodyPr>
+          <a:lstStyle/>
+          <a:p>
+            <a:r>
+              <a:rPr lang="en-US" altLang="zh-CN" dirty="0">
+                <a:latin typeface="Times New Roman" panose="02020603050405020304" pitchFamily="18" charset="0"/>
+                <a:cs typeface="Times New Roman" panose="02020603050405020304" pitchFamily="18" charset="0"/>
+              </a:rPr>
+              <a:t>Names of uploaded </a:t>
+            </a:r>
+          </a:p>
+          <a:p>
+            <a:r>
+              <a:rPr lang="en-US" altLang="zh-CN" dirty="0">
+                <a:latin typeface="Times New Roman" panose="02020603050405020304" pitchFamily="18" charset="0"/>
+                <a:cs typeface="Times New Roman" panose="02020603050405020304" pitchFamily="18" charset="0"/>
+              </a:rPr>
+              <a:t>files</a:t>
+            </a:r>
+            <a:endParaRPr lang="zh-CN" altLang="en-US" dirty="0">
+              <a:latin typeface="Times New Roman" panose="02020603050405020304" pitchFamily="18" charset="0"/>
+              <a:cs typeface="Times New Roman" panose="02020603050405020304" pitchFamily="18" charset="0"/>
+            </a:endParaRPr>
+          </a:p>
+        </p:txBody>
+      </p:sp>
+      <p:sp>
+        <p:nvSpPr>
+          <p:cNvPr id="13" name="Rectangle 12">
+            <a:extLst>
+              <a:ext uri="{FF2B5EF4-FFF2-40B4-BE49-F238E27FC236}">
+                <a16:creationId xmlns:a16="http://schemas.microsoft.com/office/drawing/2014/main" id="{76579F20-39DC-49F0-AF92-34DA5484A20F}"/>
+              </a:ext>
+            </a:extLst>
+          </p:cNvPr>
+          <p:cNvSpPr/>
+          <p:nvPr/>
+        </p:nvSpPr>
+        <p:spPr>
+          <a:xfrm>
+            <a:off x="1681994" y="2609410"/>
+            <a:ext cx="659155" cy="369332"/>
+          </a:xfrm>
+          <a:prstGeom prst="rect">
+            <a:avLst/>
+          </a:prstGeom>
+        </p:spPr>
+        <p:txBody>
+          <a:bodyPr wrap="none">
+            <a:spAutoFit/>
+          </a:bodyPr>
+          <a:lstStyle/>
+          <a:p>
+            <a:r>
+              <a:rPr lang="en-US" altLang="zh-CN" dirty="0">
+                <a:latin typeface="Times New Roman" panose="02020603050405020304" pitchFamily="18" charset="0"/>
+                <a:cs typeface="Times New Roman" panose="02020603050405020304" pitchFamily="18" charset="0"/>
+              </a:rPr>
+              <a:t>File2</a:t>
+            </a:r>
+            <a:endParaRPr lang="zh-CN" altLang="en-US" dirty="0">
+              <a:latin typeface="Times New Roman" panose="02020603050405020304" pitchFamily="18" charset="0"/>
+              <a:cs typeface="Times New Roman" panose="02020603050405020304" pitchFamily="18" charset="0"/>
+            </a:endParaRPr>
+          </a:p>
+        </p:txBody>
+      </p:sp>
+      <p:sp>
+        <p:nvSpPr>
+          <p:cNvPr id="14" name="Rectangle 13">
+            <a:extLst>
+              <a:ext uri="{FF2B5EF4-FFF2-40B4-BE49-F238E27FC236}">
+                <a16:creationId xmlns:a16="http://schemas.microsoft.com/office/drawing/2014/main" id="{3A5999AF-CDCB-497C-B184-D2934E499057}"/>
+              </a:ext>
+            </a:extLst>
+          </p:cNvPr>
+          <p:cNvSpPr/>
+          <p:nvPr/>
+        </p:nvSpPr>
+        <p:spPr>
+          <a:xfrm>
+            <a:off x="1689762" y="3029293"/>
+            <a:ext cx="659155" cy="369332"/>
+          </a:xfrm>
+          <a:prstGeom prst="rect">
+            <a:avLst/>
+          </a:prstGeom>
+        </p:spPr>
+        <p:txBody>
+          <a:bodyPr wrap="none">
+            <a:spAutoFit/>
+          </a:bodyPr>
+          <a:lstStyle/>
+          <a:p>
+            <a:r>
+              <a:rPr lang="en-US" altLang="zh-CN" dirty="0">
+                <a:latin typeface="Times New Roman" panose="02020603050405020304" pitchFamily="18" charset="0"/>
+                <a:cs typeface="Times New Roman" panose="02020603050405020304" pitchFamily="18" charset="0"/>
+              </a:rPr>
+              <a:t>File3</a:t>
+            </a:r>
+            <a:endParaRPr lang="zh-CN" altLang="en-US" dirty="0">
+              <a:latin typeface="Times New Roman" panose="02020603050405020304" pitchFamily="18" charset="0"/>
+              <a:cs typeface="Times New Roman" panose="02020603050405020304" pitchFamily="18" charset="0"/>
+            </a:endParaRPr>
+          </a:p>
+        </p:txBody>
+      </p:sp>
+      <p:sp>
+        <p:nvSpPr>
+          <p:cNvPr id="15" name="Rectangle 14">
+            <a:extLst>
+              <a:ext uri="{FF2B5EF4-FFF2-40B4-BE49-F238E27FC236}">
+                <a16:creationId xmlns:a16="http://schemas.microsoft.com/office/drawing/2014/main" id="{DC035F6C-6208-4A68-BEF9-F688381B73A8}"/>
+              </a:ext>
+            </a:extLst>
+          </p:cNvPr>
+          <p:cNvSpPr/>
+          <p:nvPr/>
+        </p:nvSpPr>
+        <p:spPr>
+          <a:xfrm>
+            <a:off x="1689762" y="3453046"/>
+            <a:ext cx="659155" cy="369332"/>
+          </a:xfrm>
+          <a:prstGeom prst="rect">
+            <a:avLst/>
+          </a:prstGeom>
+        </p:spPr>
+        <p:txBody>
+          <a:bodyPr wrap="none">
+            <a:spAutoFit/>
+          </a:bodyPr>
+          <a:lstStyle/>
+          <a:p>
+            <a:r>
+              <a:rPr lang="en-US" altLang="zh-CN" dirty="0">
+                <a:latin typeface="Times New Roman" panose="02020603050405020304" pitchFamily="18" charset="0"/>
+                <a:cs typeface="Times New Roman" panose="02020603050405020304" pitchFamily="18" charset="0"/>
+              </a:rPr>
+              <a:t>File4</a:t>
+            </a:r>
+            <a:endParaRPr lang="zh-CN" altLang="en-US" dirty="0">
+              <a:latin typeface="Times New Roman" panose="02020603050405020304" pitchFamily="18" charset="0"/>
+              <a:cs typeface="Times New Roman" panose="02020603050405020304" pitchFamily="18" charset="0"/>
+            </a:endParaRPr>
+          </a:p>
+        </p:txBody>
+      </p:sp>
+      <p:sp>
+        <p:nvSpPr>
+          <p:cNvPr id="16" name="Rectangle 15">
+            <a:extLst>
+              <a:ext uri="{FF2B5EF4-FFF2-40B4-BE49-F238E27FC236}">
+                <a16:creationId xmlns:a16="http://schemas.microsoft.com/office/drawing/2014/main" id="{11B0342C-2440-4322-AA71-F787FC24ABD4}"/>
+              </a:ext>
+            </a:extLst>
+          </p:cNvPr>
+          <p:cNvSpPr/>
+          <p:nvPr/>
+        </p:nvSpPr>
+        <p:spPr>
+          <a:xfrm>
+            <a:off x="1689762" y="3876799"/>
+            <a:ext cx="473206" cy="369332"/>
+          </a:xfrm>
+          <a:prstGeom prst="rect">
+            <a:avLst/>
+          </a:prstGeom>
+        </p:spPr>
+        <p:txBody>
+          <a:bodyPr wrap="none">
+            <a:spAutoFit/>
+          </a:bodyPr>
+          <a:lstStyle/>
+          <a:p>
+            <a:r>
+              <a:rPr lang="en-US" altLang="zh-CN" dirty="0">
+                <a:latin typeface="Times New Roman" panose="02020603050405020304" pitchFamily="18" charset="0"/>
+                <a:cs typeface="Times New Roman" panose="02020603050405020304" pitchFamily="18" charset="0"/>
+              </a:rPr>
+              <a:t>….</a:t>
+            </a:r>
+            <a:endParaRPr lang="zh-CN" altLang="en-US" dirty="0">
+              <a:latin typeface="Times New Roman" panose="02020603050405020304" pitchFamily="18" charset="0"/>
+              <a:cs typeface="Times New Roman" panose="02020603050405020304" pitchFamily="18" charset="0"/>
+            </a:endParaRPr>
+          </a:p>
+        </p:txBody>
+      </p:sp>
+      <p:sp>
+        <p:nvSpPr>
+          <p:cNvPr id="17" name="Rectangle 16">
+            <a:extLst>
+              <a:ext uri="{FF2B5EF4-FFF2-40B4-BE49-F238E27FC236}">
+                <a16:creationId xmlns:a16="http://schemas.microsoft.com/office/drawing/2014/main" id="{26AEBD5E-FA9B-4924-95AD-8CC3060739DF}"/>
+              </a:ext>
+            </a:extLst>
+          </p:cNvPr>
+          <p:cNvSpPr/>
+          <p:nvPr/>
+        </p:nvSpPr>
+        <p:spPr>
+          <a:xfrm>
+            <a:off x="1681993" y="4299142"/>
+            <a:ext cx="710451" cy="369332"/>
+          </a:xfrm>
+          <a:prstGeom prst="rect">
+            <a:avLst/>
+          </a:prstGeom>
+        </p:spPr>
+        <p:txBody>
+          <a:bodyPr wrap="none">
+            <a:spAutoFit/>
+          </a:bodyPr>
+          <a:lstStyle/>
+          <a:p>
+            <a:r>
+              <a:rPr lang="en-US" altLang="zh-CN" dirty="0" err="1">
+                <a:latin typeface="Times New Roman" panose="02020603050405020304" pitchFamily="18" charset="0"/>
+                <a:cs typeface="Times New Roman" panose="02020603050405020304" pitchFamily="18" charset="0"/>
+              </a:rPr>
+              <a:t>FileN</a:t>
+            </a:r>
+            <a:endParaRPr lang="zh-CN" altLang="en-US" dirty="0">
+              <a:latin typeface="Times New Roman" panose="02020603050405020304" pitchFamily="18" charset="0"/>
+              <a:cs typeface="Times New Roman" panose="02020603050405020304" pitchFamily="18" charset="0"/>
+            </a:endParaRPr>
+          </a:p>
+        </p:txBody>
+      </p:sp>
+      <p:cxnSp>
+        <p:nvCxnSpPr>
+          <p:cNvPr id="19" name="Straight Arrow Connector 18">
+            <a:extLst>
+              <a:ext uri="{FF2B5EF4-FFF2-40B4-BE49-F238E27FC236}">
+                <a16:creationId xmlns:a16="http://schemas.microsoft.com/office/drawing/2014/main" id="{F63F4F6E-FC41-4E0E-9CC2-45959FB787CE}"/>
+              </a:ext>
+            </a:extLst>
+          </p:cNvPr>
+          <p:cNvCxnSpPr>
+            <a:cxnSpLocks/>
+          </p:cNvCxnSpPr>
+          <p:nvPr/>
+        </p:nvCxnSpPr>
+        <p:spPr>
+          <a:xfrm flipV="1">
+            <a:off x="2296486" y="1414639"/>
+            <a:ext cx="773884" cy="704636"/>
+          </a:xfrm>
+          <a:prstGeom prst="straightConnector1">
+            <a:avLst/>
+          </a:prstGeom>
+          <a:ln w="19050">
+            <a:solidFill>
+              <a:schemeClr val="tx1"/>
+            </a:solidFill>
+            <a:tailEnd type="triangle"/>
+          </a:ln>
+        </p:spPr>
+        <p:style>
+          <a:lnRef idx="1">
+            <a:schemeClr val="accent1"/>
+          </a:lnRef>
+          <a:fillRef idx="0">
+            <a:schemeClr val="accent1"/>
+          </a:fillRef>
+          <a:effectRef idx="0">
+            <a:schemeClr val="accent1"/>
+          </a:effectRef>
+          <a:fontRef idx="minor">
+            <a:schemeClr val="tx1"/>
+          </a:fontRef>
+        </p:style>
+      </p:cxnSp>
+      <p:cxnSp>
+        <p:nvCxnSpPr>
+          <p:cNvPr id="21" name="Straight Arrow Connector 20">
+            <a:extLst>
+              <a:ext uri="{FF2B5EF4-FFF2-40B4-BE49-F238E27FC236}">
+                <a16:creationId xmlns:a16="http://schemas.microsoft.com/office/drawing/2014/main" id="{5E04BDCB-C6FE-4ECB-A060-D39008DB12FC}"/>
+              </a:ext>
+            </a:extLst>
+          </p:cNvPr>
+          <p:cNvCxnSpPr>
+            <a:cxnSpLocks/>
+          </p:cNvCxnSpPr>
+          <p:nvPr/>
+        </p:nvCxnSpPr>
+        <p:spPr>
+          <a:xfrm>
+            <a:off x="2362507" y="2773618"/>
+            <a:ext cx="844100" cy="594562"/>
+          </a:xfrm>
+          <a:prstGeom prst="straightConnector1">
+            <a:avLst/>
+          </a:prstGeom>
+          <a:ln w="19050">
+            <a:solidFill>
+              <a:schemeClr val="tx1"/>
+            </a:solidFill>
+            <a:tailEnd type="triangle"/>
+          </a:ln>
+        </p:spPr>
+        <p:style>
+          <a:lnRef idx="1">
+            <a:schemeClr val="accent1"/>
+          </a:lnRef>
+          <a:fillRef idx="0">
+            <a:schemeClr val="accent1"/>
+          </a:fillRef>
+          <a:effectRef idx="0">
+            <a:schemeClr val="accent1"/>
+          </a:effectRef>
+          <a:fontRef idx="minor">
+            <a:schemeClr val="tx1"/>
+          </a:fontRef>
+        </p:style>
+      </p:cxnSp>
+      <p:cxnSp>
+        <p:nvCxnSpPr>
+          <p:cNvPr id="25" name="Straight Arrow Connector 24">
+            <a:extLst>
+              <a:ext uri="{FF2B5EF4-FFF2-40B4-BE49-F238E27FC236}">
+                <a16:creationId xmlns:a16="http://schemas.microsoft.com/office/drawing/2014/main" id="{13D21E81-56E3-4146-906C-11E25E681192}"/>
+              </a:ext>
+            </a:extLst>
+          </p:cNvPr>
+          <p:cNvCxnSpPr>
+            <a:cxnSpLocks/>
+          </p:cNvCxnSpPr>
+          <p:nvPr/>
+        </p:nvCxnSpPr>
+        <p:spPr>
+          <a:xfrm flipV="1">
+            <a:off x="2330042" y="3079669"/>
+            <a:ext cx="890155" cy="542481"/>
+          </a:xfrm>
+          <a:prstGeom prst="straightConnector1">
+            <a:avLst/>
+          </a:prstGeom>
+          <a:ln w="19050">
+            <a:solidFill>
+              <a:schemeClr val="tx1"/>
+            </a:solidFill>
+            <a:tailEnd type="triangle"/>
+          </a:ln>
+        </p:spPr>
+        <p:style>
+          <a:lnRef idx="1">
+            <a:schemeClr val="accent1"/>
+          </a:lnRef>
+          <a:fillRef idx="0">
+            <a:schemeClr val="accent1"/>
+          </a:fillRef>
+          <a:effectRef idx="0">
+            <a:schemeClr val="accent1"/>
+          </a:effectRef>
+          <a:fontRef idx="minor">
+            <a:schemeClr val="tx1"/>
+          </a:fontRef>
+        </p:style>
+      </p:cxnSp>
+      <p:cxnSp>
+        <p:nvCxnSpPr>
+          <p:cNvPr id="27" name="Straight Arrow Connector 26">
+            <a:extLst>
+              <a:ext uri="{FF2B5EF4-FFF2-40B4-BE49-F238E27FC236}">
+                <a16:creationId xmlns:a16="http://schemas.microsoft.com/office/drawing/2014/main" id="{CD1B49AE-DE67-4A65-A4E5-1BC36C5B266C}"/>
+              </a:ext>
+            </a:extLst>
+          </p:cNvPr>
+          <p:cNvCxnSpPr>
+            <a:cxnSpLocks/>
+          </p:cNvCxnSpPr>
+          <p:nvPr/>
+        </p:nvCxnSpPr>
+        <p:spPr>
+          <a:xfrm>
+            <a:off x="2363074" y="3262414"/>
+            <a:ext cx="864891" cy="252121"/>
+          </a:xfrm>
+          <a:prstGeom prst="straightConnector1">
+            <a:avLst/>
+          </a:prstGeom>
+          <a:ln w="19050">
+            <a:solidFill>
+              <a:schemeClr val="tx1"/>
+            </a:solidFill>
+            <a:tailEnd type="triangle"/>
+          </a:ln>
+        </p:spPr>
+        <p:style>
+          <a:lnRef idx="1">
+            <a:schemeClr val="accent1"/>
+          </a:lnRef>
+          <a:fillRef idx="0">
+            <a:schemeClr val="accent1"/>
+          </a:fillRef>
+          <a:effectRef idx="0">
+            <a:schemeClr val="accent1"/>
+          </a:effectRef>
+          <a:fontRef idx="minor">
+            <a:schemeClr val="tx1"/>
+          </a:fontRef>
+        </p:style>
+      </p:cxnSp>
+      <p:sp>
+        <p:nvSpPr>
+          <p:cNvPr id="33" name="Rectangle 32">
+            <a:extLst>
+              <a:ext uri="{FF2B5EF4-FFF2-40B4-BE49-F238E27FC236}">
+                <a16:creationId xmlns:a16="http://schemas.microsoft.com/office/drawing/2014/main" id="{5C328EAA-9D70-4DF9-B935-F45989DDAC04}"/>
+              </a:ext>
+            </a:extLst>
+          </p:cNvPr>
+          <p:cNvSpPr/>
+          <p:nvPr/>
+        </p:nvSpPr>
+        <p:spPr>
+          <a:xfrm>
+            <a:off x="3643305" y="3145203"/>
+            <a:ext cx="473206" cy="369332"/>
+          </a:xfrm>
+          <a:prstGeom prst="rect">
+            <a:avLst/>
+          </a:prstGeom>
+        </p:spPr>
+        <p:txBody>
+          <a:bodyPr wrap="none">
+            <a:spAutoFit/>
+          </a:bodyPr>
+          <a:lstStyle/>
+          <a:p>
+            <a:r>
+              <a:rPr lang="en-US" altLang="zh-CN" dirty="0">
+                <a:latin typeface="Times New Roman" panose="02020603050405020304" pitchFamily="18" charset="0"/>
+                <a:cs typeface="Times New Roman" panose="02020603050405020304" pitchFamily="18" charset="0"/>
+              </a:rPr>
+              <a:t>….</a:t>
+            </a:r>
+            <a:endParaRPr lang="zh-CN" altLang="en-US" dirty="0">
+              <a:latin typeface="Times New Roman" panose="02020603050405020304" pitchFamily="18" charset="0"/>
+              <a:cs typeface="Times New Roman" panose="02020603050405020304" pitchFamily="18" charset="0"/>
+            </a:endParaRPr>
+          </a:p>
+        </p:txBody>
+      </p:sp>
+      <p:sp>
+        <p:nvSpPr>
+          <p:cNvPr id="34" name="Rectangle 33">
+            <a:extLst>
+              <a:ext uri="{FF2B5EF4-FFF2-40B4-BE49-F238E27FC236}">
+                <a16:creationId xmlns:a16="http://schemas.microsoft.com/office/drawing/2014/main" id="{C404B2BA-C8D8-4DCD-B042-E6ECC1676540}"/>
+              </a:ext>
+            </a:extLst>
+          </p:cNvPr>
+          <p:cNvSpPr/>
+          <p:nvPr/>
+        </p:nvSpPr>
+        <p:spPr>
+          <a:xfrm>
+            <a:off x="3410727" y="2978742"/>
+            <a:ext cx="1211731" cy="761251"/>
+          </a:xfrm>
+          <a:prstGeom prst="rect">
+            <a:avLst/>
+          </a:prstGeom>
+          <a:noFill/>
+          <a:ln w="38100">
+            <a:solidFill>
+              <a:schemeClr val="tx1"/>
+            </a:solidFill>
+          </a:ln>
+        </p:spPr>
+        <p:style>
+          <a:lnRef idx="2">
+            <a:schemeClr val="accent1">
+              <a:shade val="50000"/>
+            </a:schemeClr>
+          </a:lnRef>
+          <a:fillRef idx="1">
+            <a:schemeClr val="accent1"/>
+          </a:fillRef>
+          <a:effectRef idx="0">
+            <a:schemeClr val="accent1"/>
+          </a:effectRef>
+          <a:fontRef idx="minor">
+            <a:schemeClr val="lt1"/>
+          </a:fontRef>
+        </p:style>
+        <p:txBody>
+          <a:bodyPr rtlCol="0" anchor="ctr"/>
+          <a:lstStyle/>
+          <a:p>
+            <a:pPr algn="ctr"/>
+            <a:endParaRPr lang="zh-CN" altLang="en-US"/>
+          </a:p>
+        </p:txBody>
+      </p:sp>
+      <p:cxnSp>
+        <p:nvCxnSpPr>
+          <p:cNvPr id="35" name="Straight Arrow Connector 34">
+            <a:extLst>
+              <a:ext uri="{FF2B5EF4-FFF2-40B4-BE49-F238E27FC236}">
+                <a16:creationId xmlns:a16="http://schemas.microsoft.com/office/drawing/2014/main" id="{D758F675-EE4B-4863-9066-AF424A71F8F9}"/>
+              </a:ext>
+            </a:extLst>
+          </p:cNvPr>
+          <p:cNvCxnSpPr>
+            <a:cxnSpLocks/>
+          </p:cNvCxnSpPr>
+          <p:nvPr/>
+        </p:nvCxnSpPr>
+        <p:spPr>
+          <a:xfrm>
+            <a:off x="2362790" y="4510588"/>
+            <a:ext cx="598521" cy="0"/>
+          </a:xfrm>
+          <a:prstGeom prst="straightConnector1">
+            <a:avLst/>
+          </a:prstGeom>
+          <a:ln w="19050">
+            <a:solidFill>
+              <a:schemeClr val="tx1"/>
+            </a:solidFill>
+            <a:tailEnd type="triangle"/>
+          </a:ln>
+        </p:spPr>
+        <p:style>
+          <a:lnRef idx="1">
+            <a:schemeClr val="accent1"/>
+          </a:lnRef>
+          <a:fillRef idx="0">
+            <a:schemeClr val="accent1"/>
+          </a:fillRef>
+          <a:effectRef idx="0">
+            <a:schemeClr val="accent1"/>
+          </a:effectRef>
+          <a:fontRef idx="minor">
+            <a:schemeClr val="tx1"/>
+          </a:fontRef>
+        </p:style>
+      </p:cxnSp>
+      <p:sp>
+        <p:nvSpPr>
+          <p:cNvPr id="37" name="TextBox 36">
+            <a:extLst>
+              <a:ext uri="{FF2B5EF4-FFF2-40B4-BE49-F238E27FC236}">
+                <a16:creationId xmlns:a16="http://schemas.microsoft.com/office/drawing/2014/main" id="{71F9F76A-E4B0-4494-B70A-976B810092FC}"/>
+              </a:ext>
+            </a:extLst>
+          </p:cNvPr>
+          <p:cNvSpPr txBox="1"/>
+          <p:nvPr/>
+        </p:nvSpPr>
+        <p:spPr>
+          <a:xfrm>
+            <a:off x="3206607" y="637455"/>
+            <a:ext cx="2001782" cy="2031325"/>
+          </a:xfrm>
+          <a:prstGeom prst="rect">
+            <a:avLst/>
+          </a:prstGeom>
+          <a:noFill/>
+        </p:spPr>
+        <p:txBody>
+          <a:bodyPr wrap="square" rtlCol="0">
+            <a:spAutoFit/>
+          </a:bodyPr>
+          <a:lstStyle/>
+          <a:p>
+            <a:r>
+              <a:rPr lang="en-US" altLang="zh-CN" dirty="0">
+                <a:latin typeface="Times New Roman" panose="02020603050405020304" pitchFamily="18" charset="0"/>
+                <a:cs typeface="Times New Roman" panose="02020603050405020304" pitchFamily="18" charset="0"/>
+              </a:rPr>
+              <a:t>Char File1</a:t>
+            </a:r>
+          </a:p>
+          <a:p>
+            <a:r>
+              <a:rPr lang="en-US" altLang="zh-CN" dirty="0">
+                <a:latin typeface="Times New Roman" panose="02020603050405020304" pitchFamily="18" charset="0"/>
+                <a:cs typeface="Times New Roman" panose="02020603050405020304" pitchFamily="18" charset="0"/>
+              </a:rPr>
+              <a:t>Chunk *first</a:t>
+            </a:r>
+          </a:p>
+          <a:p>
+            <a:r>
+              <a:rPr lang="en-US" altLang="zh-CN" dirty="0">
+                <a:latin typeface="Times New Roman" panose="02020603050405020304" pitchFamily="18" charset="0"/>
+                <a:cs typeface="Times New Roman" panose="02020603050405020304" pitchFamily="18" charset="0"/>
+              </a:rPr>
+              <a:t>Int padded</a:t>
+            </a:r>
+          </a:p>
+          <a:p>
+            <a:r>
+              <a:rPr lang="en-US" altLang="zh-CN" dirty="0">
+                <a:latin typeface="Times New Roman" panose="02020603050405020304" pitchFamily="18" charset="0"/>
+                <a:cs typeface="Times New Roman" panose="02020603050405020304" pitchFamily="18" charset="0"/>
+              </a:rPr>
+              <a:t>UT-</a:t>
+            </a:r>
+            <a:r>
+              <a:rPr lang="en-US" altLang="zh-CN" dirty="0" err="1">
+                <a:latin typeface="Times New Roman" panose="02020603050405020304" pitchFamily="18" charset="0"/>
+                <a:cs typeface="Times New Roman" panose="02020603050405020304" pitchFamily="18" charset="0"/>
+              </a:rPr>
+              <a:t>hash_handle</a:t>
+            </a:r>
+            <a:r>
+              <a:rPr lang="en-US" altLang="zh-CN" dirty="0">
+                <a:latin typeface="Times New Roman" panose="02020603050405020304" pitchFamily="18" charset="0"/>
+                <a:cs typeface="Times New Roman" panose="02020603050405020304" pitchFamily="18" charset="0"/>
+              </a:rPr>
+              <a:t> </a:t>
+            </a:r>
+            <a:r>
+              <a:rPr lang="en-US" altLang="zh-CN" dirty="0" err="1">
+                <a:latin typeface="Times New Roman" panose="02020603050405020304" pitchFamily="18" charset="0"/>
+                <a:cs typeface="Times New Roman" panose="02020603050405020304" pitchFamily="18" charset="0"/>
+              </a:rPr>
+              <a:t>hh</a:t>
+            </a:r>
+            <a:endParaRPr lang="en-US" altLang="zh-CN" dirty="0">
+              <a:latin typeface="Times New Roman" panose="02020603050405020304" pitchFamily="18" charset="0"/>
+              <a:cs typeface="Times New Roman" panose="02020603050405020304" pitchFamily="18" charset="0"/>
+            </a:endParaRPr>
+          </a:p>
+          <a:p>
+            <a:endParaRPr lang="en-US" altLang="zh-CN" dirty="0">
+              <a:latin typeface="Times New Roman" panose="02020603050405020304" pitchFamily="18" charset="0"/>
+              <a:cs typeface="Times New Roman" panose="02020603050405020304" pitchFamily="18" charset="0"/>
+            </a:endParaRPr>
+          </a:p>
+          <a:p>
+            <a:r>
+              <a:rPr lang="en-US" altLang="zh-CN" dirty="0">
+                <a:latin typeface="Times New Roman" panose="02020603050405020304" pitchFamily="18" charset="0"/>
+                <a:cs typeface="Times New Roman" panose="02020603050405020304" pitchFamily="18" charset="0"/>
+              </a:rPr>
+              <a:t>Void add()</a:t>
+            </a:r>
+          </a:p>
+          <a:p>
+            <a:r>
+              <a:rPr lang="en-US" altLang="zh-CN" dirty="0">
+                <a:latin typeface="Times New Roman" panose="02020603050405020304" pitchFamily="18" charset="0"/>
+                <a:cs typeface="Times New Roman" panose="02020603050405020304" pitchFamily="18" charset="0"/>
+              </a:rPr>
+              <a:t>Void delete()</a:t>
+            </a:r>
+            <a:endParaRPr lang="zh-CN" altLang="en-US" dirty="0">
+              <a:latin typeface="Times New Roman" panose="02020603050405020304" pitchFamily="18" charset="0"/>
+              <a:cs typeface="Times New Roman" panose="02020603050405020304" pitchFamily="18" charset="0"/>
+            </a:endParaRPr>
+          </a:p>
+        </p:txBody>
+      </p:sp>
+      <p:sp>
+        <p:nvSpPr>
+          <p:cNvPr id="43" name="TextBox 42">
+            <a:extLst>
+              <a:ext uri="{FF2B5EF4-FFF2-40B4-BE49-F238E27FC236}">
+                <a16:creationId xmlns:a16="http://schemas.microsoft.com/office/drawing/2014/main" id="{B8E63A50-944E-48F6-BABB-550A2450D43C}"/>
+              </a:ext>
+            </a:extLst>
+          </p:cNvPr>
+          <p:cNvSpPr txBox="1"/>
+          <p:nvPr/>
+        </p:nvSpPr>
+        <p:spPr>
+          <a:xfrm>
+            <a:off x="3096826" y="4115860"/>
+            <a:ext cx="2001782" cy="923330"/>
+          </a:xfrm>
+          <a:prstGeom prst="rect">
+            <a:avLst/>
+          </a:prstGeom>
+          <a:noFill/>
+        </p:spPr>
+        <p:txBody>
+          <a:bodyPr wrap="square" rtlCol="0">
+            <a:spAutoFit/>
+          </a:bodyPr>
+          <a:lstStyle/>
+          <a:p>
+            <a:r>
+              <a:rPr lang="en-US" altLang="zh-CN" dirty="0">
+                <a:latin typeface="Times New Roman" panose="02020603050405020304" pitchFamily="18" charset="0"/>
+                <a:cs typeface="Times New Roman" panose="02020603050405020304" pitchFamily="18" charset="0"/>
+              </a:rPr>
+              <a:t>Char </a:t>
+            </a:r>
+            <a:r>
+              <a:rPr lang="en-US" altLang="zh-CN" dirty="0" err="1">
+                <a:latin typeface="Times New Roman" panose="02020603050405020304" pitchFamily="18" charset="0"/>
+                <a:cs typeface="Times New Roman" panose="02020603050405020304" pitchFamily="18" charset="0"/>
+              </a:rPr>
+              <a:t>FileN</a:t>
+            </a:r>
+            <a:endParaRPr lang="en-US" altLang="zh-CN" dirty="0">
+              <a:latin typeface="Times New Roman" panose="02020603050405020304" pitchFamily="18" charset="0"/>
+              <a:cs typeface="Times New Roman" panose="02020603050405020304" pitchFamily="18" charset="0"/>
+            </a:endParaRPr>
+          </a:p>
+          <a:p>
+            <a:r>
+              <a:rPr lang="en-US" altLang="zh-CN" dirty="0">
+                <a:latin typeface="Times New Roman" panose="02020603050405020304" pitchFamily="18" charset="0"/>
+                <a:cs typeface="Times New Roman" panose="02020603050405020304" pitchFamily="18" charset="0"/>
+              </a:rPr>
+              <a:t>Chunk *first</a:t>
+            </a:r>
+          </a:p>
+          <a:p>
+            <a:r>
+              <a:rPr lang="en-US" altLang="zh-CN" dirty="0">
+                <a:latin typeface="Times New Roman" panose="02020603050405020304" pitchFamily="18" charset="0"/>
+                <a:cs typeface="Times New Roman" panose="02020603050405020304" pitchFamily="18" charset="0"/>
+              </a:rPr>
+              <a:t>…</a:t>
+            </a:r>
+          </a:p>
+        </p:txBody>
+      </p:sp>
+      <p:cxnSp>
+        <p:nvCxnSpPr>
+          <p:cNvPr id="44" name="Straight Arrow Connector 43">
+            <a:extLst>
+              <a:ext uri="{FF2B5EF4-FFF2-40B4-BE49-F238E27FC236}">
+                <a16:creationId xmlns:a16="http://schemas.microsoft.com/office/drawing/2014/main" id="{1D5562CD-93EB-45B0-9C79-4D6CFDAA1BA0}"/>
+              </a:ext>
+            </a:extLst>
+          </p:cNvPr>
+          <p:cNvCxnSpPr>
+            <a:cxnSpLocks/>
+          </p:cNvCxnSpPr>
+          <p:nvPr/>
+        </p:nvCxnSpPr>
+        <p:spPr>
+          <a:xfrm flipV="1">
+            <a:off x="4609868" y="915040"/>
+            <a:ext cx="1303568" cy="199405"/>
+          </a:xfrm>
+          <a:prstGeom prst="straightConnector1">
+            <a:avLst/>
+          </a:prstGeom>
+          <a:ln w="19050">
+            <a:solidFill>
+              <a:schemeClr val="tx1"/>
+            </a:solidFill>
+            <a:tailEnd type="triangle"/>
+          </a:ln>
+        </p:spPr>
+        <p:style>
+          <a:lnRef idx="1">
+            <a:schemeClr val="accent1"/>
+          </a:lnRef>
+          <a:fillRef idx="0">
+            <a:schemeClr val="accent1"/>
+          </a:fillRef>
+          <a:effectRef idx="0">
+            <a:schemeClr val="accent1"/>
+          </a:effectRef>
+          <a:fontRef idx="minor">
+            <a:schemeClr val="tx1"/>
+          </a:fontRef>
+        </p:style>
+      </p:cxnSp>
+      <p:grpSp>
+        <p:nvGrpSpPr>
+          <p:cNvPr id="72" name="Group 71">
+            <a:extLst>
+              <a:ext uri="{FF2B5EF4-FFF2-40B4-BE49-F238E27FC236}">
+                <a16:creationId xmlns:a16="http://schemas.microsoft.com/office/drawing/2014/main" id="{3F91A98E-E25D-444B-9D51-86BE51C07A9C}"/>
+              </a:ext>
+            </a:extLst>
+          </p:cNvPr>
+          <p:cNvGrpSpPr/>
+          <p:nvPr/>
+        </p:nvGrpSpPr>
+        <p:grpSpPr>
+          <a:xfrm>
+            <a:off x="5696945" y="343949"/>
+            <a:ext cx="6469907" cy="1167950"/>
+            <a:chOff x="5695890" y="335452"/>
+            <a:chExt cx="6469907" cy="1167950"/>
+          </a:xfrm>
+        </p:grpSpPr>
+        <p:sp>
+          <p:nvSpPr>
+            <p:cNvPr id="46" name="Rectangle 45">
+              <a:extLst>
+                <a:ext uri="{FF2B5EF4-FFF2-40B4-BE49-F238E27FC236}">
+                  <a16:creationId xmlns:a16="http://schemas.microsoft.com/office/drawing/2014/main" id="{C418A248-C244-4C62-85F3-ABF1B894DC7E}"/>
+                </a:ext>
+              </a:extLst>
+            </p:cNvPr>
+            <p:cNvSpPr/>
+            <p:nvPr/>
+          </p:nvSpPr>
+          <p:spPr>
+            <a:xfrm>
+              <a:off x="5716663" y="731875"/>
+              <a:ext cx="1303568" cy="761251"/>
+            </a:xfrm>
+            <a:prstGeom prst="rect">
+              <a:avLst/>
+            </a:prstGeom>
+            <a:noFill/>
+            <a:ln w="38100">
+              <a:solidFill>
+                <a:schemeClr val="tx1"/>
+              </a:solidFill>
+            </a:ln>
+          </p:spPr>
+          <p:style>
+            <a:lnRef idx="2">
+              <a:schemeClr val="accent1">
+                <a:shade val="50000"/>
+              </a:schemeClr>
+            </a:lnRef>
+            <a:fillRef idx="1">
+              <a:schemeClr val="accent1"/>
+            </a:fillRef>
+            <a:effectRef idx="0">
+              <a:schemeClr val="accent1"/>
+            </a:effectRef>
+            <a:fontRef idx="minor">
+              <a:schemeClr val="lt1"/>
+            </a:fontRef>
+          </p:style>
+          <p:txBody>
+            <a:bodyPr rtlCol="0" anchor="ctr"/>
+            <a:lstStyle/>
+            <a:p>
+              <a:pPr algn="ctr"/>
+              <a:endParaRPr lang="zh-CN" altLang="en-US"/>
+            </a:p>
+          </p:txBody>
+        </p:sp>
+        <p:cxnSp>
+          <p:nvCxnSpPr>
+            <p:cNvPr id="49" name="Straight Arrow Connector 48">
+              <a:extLst>
+                <a:ext uri="{FF2B5EF4-FFF2-40B4-BE49-F238E27FC236}">
+                  <a16:creationId xmlns:a16="http://schemas.microsoft.com/office/drawing/2014/main" id="{E7CF0EC9-1E04-4AA3-A7C9-0A47C043CCFF}"/>
+                </a:ext>
+              </a:extLst>
+            </p:cNvPr>
+            <p:cNvCxnSpPr>
+              <a:cxnSpLocks/>
+            </p:cNvCxnSpPr>
+            <p:nvPr/>
+          </p:nvCxnSpPr>
+          <p:spPr>
+            <a:xfrm>
+              <a:off x="6798311" y="943910"/>
+              <a:ext cx="866745" cy="0"/>
+            </a:xfrm>
+            <a:prstGeom prst="straightConnector1">
+              <a:avLst/>
+            </a:prstGeom>
+            <a:ln w="19050">
+              <a:solidFill>
+                <a:schemeClr val="tx1"/>
+              </a:solidFill>
+              <a:tailEnd type="triangle"/>
+            </a:ln>
+          </p:spPr>
+          <p:style>
+            <a:lnRef idx="1">
+              <a:schemeClr val="accent1"/>
+            </a:lnRef>
+            <a:fillRef idx="0">
+              <a:schemeClr val="accent1"/>
+            </a:fillRef>
+            <a:effectRef idx="0">
+              <a:schemeClr val="accent1"/>
+            </a:effectRef>
+            <a:fontRef idx="minor">
+              <a:schemeClr val="tx1"/>
+            </a:fontRef>
+          </p:style>
+        </p:cxnSp>
+        <p:cxnSp>
+          <p:nvCxnSpPr>
+            <p:cNvPr id="50" name="Straight Arrow Connector 49">
+              <a:extLst>
+                <a:ext uri="{FF2B5EF4-FFF2-40B4-BE49-F238E27FC236}">
+                  <a16:creationId xmlns:a16="http://schemas.microsoft.com/office/drawing/2014/main" id="{31B0D8E2-A37F-4E48-A4F7-F6A33A454DE9}"/>
+                </a:ext>
+              </a:extLst>
+            </p:cNvPr>
+            <p:cNvCxnSpPr>
+              <a:cxnSpLocks/>
+            </p:cNvCxnSpPr>
+            <p:nvPr/>
+          </p:nvCxnSpPr>
+          <p:spPr>
+            <a:xfrm>
+              <a:off x="8660605" y="943910"/>
+              <a:ext cx="1008831" cy="9619"/>
+            </a:xfrm>
+            <a:prstGeom prst="straightConnector1">
+              <a:avLst/>
+            </a:prstGeom>
+            <a:ln w="19050">
+              <a:solidFill>
+                <a:schemeClr val="tx1"/>
+              </a:solidFill>
+              <a:tailEnd type="triangle"/>
+            </a:ln>
+          </p:spPr>
+          <p:style>
+            <a:lnRef idx="1">
+              <a:schemeClr val="accent1"/>
+            </a:lnRef>
+            <a:fillRef idx="0">
+              <a:schemeClr val="accent1"/>
+            </a:fillRef>
+            <a:effectRef idx="0">
+              <a:schemeClr val="accent1"/>
+            </a:effectRef>
+            <a:fontRef idx="minor">
+              <a:schemeClr val="tx1"/>
+            </a:fontRef>
+          </p:style>
+        </p:cxnSp>
+        <p:sp>
+          <p:nvSpPr>
+            <p:cNvPr id="54" name="TextBox 53">
+              <a:extLst>
+                <a:ext uri="{FF2B5EF4-FFF2-40B4-BE49-F238E27FC236}">
+                  <a16:creationId xmlns:a16="http://schemas.microsoft.com/office/drawing/2014/main" id="{5AC515C0-9B0B-4937-BCD8-B81215F718AC}"/>
+                </a:ext>
+              </a:extLst>
+            </p:cNvPr>
+            <p:cNvSpPr txBox="1"/>
+            <p:nvPr/>
+          </p:nvSpPr>
+          <p:spPr>
+            <a:xfrm>
+              <a:off x="8965207" y="537211"/>
+              <a:ext cx="415498" cy="369332"/>
+            </a:xfrm>
+            <a:prstGeom prst="rect">
+              <a:avLst/>
+            </a:prstGeom>
+            <a:noFill/>
+          </p:spPr>
+          <p:txBody>
+            <a:bodyPr wrap="none" rtlCol="0">
+              <a:spAutoFit/>
+            </a:bodyPr>
+            <a:lstStyle/>
+            <a:p>
+              <a:r>
+                <a:rPr lang="en-US" altLang="zh-CN" dirty="0"/>
+                <a:t>…</a:t>
+              </a:r>
+              <a:endParaRPr lang="zh-CN" altLang="en-US" dirty="0"/>
+            </a:p>
+          </p:txBody>
+        </p:sp>
+        <p:sp>
+          <p:nvSpPr>
+            <p:cNvPr id="57" name="Rectangle 56">
+              <a:extLst>
+                <a:ext uri="{FF2B5EF4-FFF2-40B4-BE49-F238E27FC236}">
+                  <a16:creationId xmlns:a16="http://schemas.microsoft.com/office/drawing/2014/main" id="{80FD4287-D3C0-42DA-BF98-34EE77CB65E4}"/>
+                </a:ext>
+              </a:extLst>
+            </p:cNvPr>
+            <p:cNvSpPr/>
+            <p:nvPr/>
+          </p:nvSpPr>
+          <p:spPr>
+            <a:xfrm>
+              <a:off x="5695890" y="349210"/>
+              <a:ext cx="800219" cy="369332"/>
+            </a:xfrm>
+            <a:prstGeom prst="rect">
+              <a:avLst/>
+            </a:prstGeom>
+          </p:spPr>
+          <p:txBody>
+            <a:bodyPr wrap="none">
+              <a:spAutoFit/>
+            </a:bodyPr>
+            <a:lstStyle/>
+            <a:p>
+              <a:r>
+                <a:rPr lang="en-US" altLang="zh-CN" dirty="0">
+                  <a:latin typeface="Times New Roman" panose="02020603050405020304" pitchFamily="18" charset="0"/>
+                  <a:cs typeface="Times New Roman" panose="02020603050405020304" pitchFamily="18" charset="0"/>
+                </a:rPr>
+                <a:t>Chunk</a:t>
+              </a:r>
+              <a:endParaRPr lang="zh-CN" altLang="en-US" dirty="0"/>
+            </a:p>
+          </p:txBody>
+        </p:sp>
+        <p:cxnSp>
+          <p:nvCxnSpPr>
+            <p:cNvPr id="60" name="Straight Arrow Connector 59">
+              <a:extLst>
+                <a:ext uri="{FF2B5EF4-FFF2-40B4-BE49-F238E27FC236}">
+                  <a16:creationId xmlns:a16="http://schemas.microsoft.com/office/drawing/2014/main" id="{F7381FD7-173C-40DE-AB6F-E827519262B4}"/>
+                </a:ext>
+              </a:extLst>
+            </p:cNvPr>
+            <p:cNvCxnSpPr>
+              <a:cxnSpLocks/>
+            </p:cNvCxnSpPr>
+            <p:nvPr/>
+          </p:nvCxnSpPr>
+          <p:spPr>
+            <a:xfrm>
+              <a:off x="10670932" y="953821"/>
+              <a:ext cx="748519" cy="14433"/>
+            </a:xfrm>
+            <a:prstGeom prst="straightConnector1">
+              <a:avLst/>
+            </a:prstGeom>
+            <a:ln w="19050">
+              <a:solidFill>
+                <a:schemeClr val="tx1"/>
+              </a:solidFill>
+              <a:tailEnd type="triangle"/>
+            </a:ln>
+          </p:spPr>
+          <p:style>
+            <a:lnRef idx="1">
+              <a:schemeClr val="accent1"/>
+            </a:lnRef>
+            <a:fillRef idx="0">
+              <a:schemeClr val="accent1"/>
+            </a:fillRef>
+            <a:effectRef idx="0">
+              <a:schemeClr val="accent1"/>
+            </a:effectRef>
+            <a:fontRef idx="minor">
+              <a:schemeClr val="tx1"/>
+            </a:fontRef>
+          </p:style>
+        </p:cxnSp>
+        <p:sp>
+          <p:nvSpPr>
+            <p:cNvPr id="62" name="Rectangle 61">
+              <a:extLst>
+                <a:ext uri="{FF2B5EF4-FFF2-40B4-BE49-F238E27FC236}">
+                  <a16:creationId xmlns:a16="http://schemas.microsoft.com/office/drawing/2014/main" id="{5C9BD80E-3DF0-4FD8-A5F3-E3B043687B03}"/>
+                </a:ext>
+              </a:extLst>
+            </p:cNvPr>
+            <p:cNvSpPr/>
+            <p:nvPr/>
+          </p:nvSpPr>
+          <p:spPr>
+            <a:xfrm>
+              <a:off x="11365578" y="783588"/>
+              <a:ext cx="800219" cy="369332"/>
+            </a:xfrm>
+            <a:prstGeom prst="rect">
+              <a:avLst/>
+            </a:prstGeom>
+          </p:spPr>
+          <p:txBody>
+            <a:bodyPr wrap="none">
+              <a:spAutoFit/>
+            </a:bodyPr>
+            <a:lstStyle/>
+            <a:p>
+              <a:r>
+                <a:rPr lang="en-US" altLang="zh-CN" dirty="0">
+                  <a:latin typeface="Times New Roman" panose="02020603050405020304" pitchFamily="18" charset="0"/>
+                  <a:cs typeface="Times New Roman" panose="02020603050405020304" pitchFamily="18" charset="0"/>
+                </a:rPr>
+                <a:t>NULL</a:t>
+              </a:r>
+              <a:endParaRPr lang="zh-CN" altLang="en-US" dirty="0"/>
+            </a:p>
+          </p:txBody>
+        </p:sp>
+        <p:sp>
+          <p:nvSpPr>
+            <p:cNvPr id="64" name="Rectangle 63">
+              <a:extLst>
+                <a:ext uri="{FF2B5EF4-FFF2-40B4-BE49-F238E27FC236}">
+                  <a16:creationId xmlns:a16="http://schemas.microsoft.com/office/drawing/2014/main" id="{60281AB6-0B0B-42EA-804D-D10ECD4382C4}"/>
+                </a:ext>
+              </a:extLst>
+            </p:cNvPr>
+            <p:cNvSpPr/>
+            <p:nvPr/>
+          </p:nvSpPr>
+          <p:spPr>
+            <a:xfrm>
+              <a:off x="5719790" y="1036810"/>
+              <a:ext cx="1233030" cy="369332"/>
+            </a:xfrm>
+            <a:prstGeom prst="rect">
+              <a:avLst/>
+            </a:prstGeom>
+          </p:spPr>
+          <p:txBody>
+            <a:bodyPr wrap="none">
+              <a:spAutoFit/>
+            </a:bodyPr>
+            <a:lstStyle/>
+            <a:p>
+              <a:r>
+                <a:rPr lang="en-US" altLang="zh-CN" dirty="0">
+                  <a:latin typeface="Times New Roman" panose="02020603050405020304" pitchFamily="18" charset="0"/>
+                  <a:cs typeface="Times New Roman" panose="02020603050405020304" pitchFamily="18" charset="0"/>
+                </a:rPr>
+                <a:t>Char name</a:t>
+              </a:r>
+              <a:endParaRPr lang="zh-CN" altLang="en-US" dirty="0"/>
+            </a:p>
+          </p:txBody>
+        </p:sp>
+        <p:sp>
+          <p:nvSpPr>
+            <p:cNvPr id="65" name="Rectangle 64">
+              <a:extLst>
+                <a:ext uri="{FF2B5EF4-FFF2-40B4-BE49-F238E27FC236}">
+                  <a16:creationId xmlns:a16="http://schemas.microsoft.com/office/drawing/2014/main" id="{1F8B1DE8-739E-4B54-843C-4A7D5DE7DB19}"/>
+                </a:ext>
+              </a:extLst>
+            </p:cNvPr>
+            <p:cNvSpPr/>
+            <p:nvPr/>
+          </p:nvSpPr>
+          <p:spPr>
+            <a:xfrm>
+              <a:off x="7442526" y="720465"/>
+              <a:ext cx="1303568" cy="761251"/>
+            </a:xfrm>
+            <a:prstGeom prst="rect">
+              <a:avLst/>
+            </a:prstGeom>
+            <a:noFill/>
+            <a:ln w="38100">
+              <a:solidFill>
+                <a:schemeClr val="tx1"/>
+              </a:solidFill>
+            </a:ln>
+          </p:spPr>
+          <p:style>
+            <a:lnRef idx="2">
+              <a:schemeClr val="accent1">
+                <a:shade val="50000"/>
+              </a:schemeClr>
+            </a:lnRef>
+            <a:fillRef idx="1">
+              <a:schemeClr val="accent1"/>
+            </a:fillRef>
+            <a:effectRef idx="0">
+              <a:schemeClr val="accent1"/>
+            </a:effectRef>
+            <a:fontRef idx="minor">
+              <a:schemeClr val="lt1"/>
+            </a:fontRef>
+          </p:style>
+          <p:txBody>
+            <a:bodyPr rtlCol="0" anchor="ctr"/>
+            <a:lstStyle/>
+            <a:p>
+              <a:pPr algn="ctr"/>
+              <a:endParaRPr lang="zh-CN" altLang="en-US"/>
+            </a:p>
+          </p:txBody>
+        </p:sp>
+        <p:sp>
+          <p:nvSpPr>
+            <p:cNvPr id="66" name="Rectangle 65">
+              <a:extLst>
+                <a:ext uri="{FF2B5EF4-FFF2-40B4-BE49-F238E27FC236}">
+                  <a16:creationId xmlns:a16="http://schemas.microsoft.com/office/drawing/2014/main" id="{8DE18826-04C9-4E80-A05E-03531D2A5AED}"/>
+                </a:ext>
+              </a:extLst>
+            </p:cNvPr>
+            <p:cNvSpPr/>
+            <p:nvPr/>
+          </p:nvSpPr>
+          <p:spPr>
+            <a:xfrm>
+              <a:off x="7406213" y="1101090"/>
+              <a:ext cx="1191352" cy="369332"/>
+            </a:xfrm>
+            <a:prstGeom prst="rect">
+              <a:avLst/>
+            </a:prstGeom>
+          </p:spPr>
+          <p:txBody>
+            <a:bodyPr wrap="none">
+              <a:spAutoFit/>
+            </a:bodyPr>
+            <a:lstStyle/>
+            <a:p>
+              <a:r>
+                <a:rPr lang="en-US" altLang="zh-CN" dirty="0">
+                  <a:latin typeface="Times New Roman" panose="02020603050405020304" pitchFamily="18" charset="0"/>
+                  <a:cs typeface="Times New Roman" panose="02020603050405020304" pitchFamily="18" charset="0"/>
+                </a:rPr>
+                <a:t>Char name</a:t>
+              </a:r>
+              <a:endParaRPr lang="zh-CN" altLang="en-US" dirty="0"/>
+            </a:p>
+          </p:txBody>
+        </p:sp>
+        <p:sp>
+          <p:nvSpPr>
+            <p:cNvPr id="67" name="Rectangle 66">
+              <a:extLst>
+                <a:ext uri="{FF2B5EF4-FFF2-40B4-BE49-F238E27FC236}">
+                  <a16:creationId xmlns:a16="http://schemas.microsoft.com/office/drawing/2014/main" id="{C4C12C9D-C92C-4FCD-BFB5-916977FFCAF1}"/>
+                </a:ext>
+              </a:extLst>
+            </p:cNvPr>
+            <p:cNvSpPr/>
+            <p:nvPr/>
+          </p:nvSpPr>
+          <p:spPr>
+            <a:xfrm>
+              <a:off x="9541264" y="742151"/>
+              <a:ext cx="1303568" cy="761251"/>
+            </a:xfrm>
+            <a:prstGeom prst="rect">
+              <a:avLst/>
+            </a:prstGeom>
+            <a:noFill/>
+            <a:ln w="38100">
+              <a:solidFill>
+                <a:schemeClr val="tx1"/>
+              </a:solidFill>
+            </a:ln>
+          </p:spPr>
+          <p:style>
+            <a:lnRef idx="2">
+              <a:schemeClr val="accent1">
+                <a:shade val="50000"/>
+              </a:schemeClr>
+            </a:lnRef>
+            <a:fillRef idx="1">
+              <a:schemeClr val="accent1"/>
+            </a:fillRef>
+            <a:effectRef idx="0">
+              <a:schemeClr val="accent1"/>
+            </a:effectRef>
+            <a:fontRef idx="minor">
+              <a:schemeClr val="lt1"/>
+            </a:fontRef>
+          </p:style>
+          <p:txBody>
+            <a:bodyPr rtlCol="0" anchor="ctr"/>
+            <a:lstStyle/>
+            <a:p>
+              <a:pPr algn="ctr"/>
+              <a:endParaRPr lang="zh-CN" altLang="en-US"/>
+            </a:p>
+          </p:txBody>
+        </p:sp>
+        <p:sp>
+          <p:nvSpPr>
+            <p:cNvPr id="68" name="Rectangle 67">
+              <a:extLst>
+                <a:ext uri="{FF2B5EF4-FFF2-40B4-BE49-F238E27FC236}">
+                  <a16:creationId xmlns:a16="http://schemas.microsoft.com/office/drawing/2014/main" id="{A2EEBF7E-C287-4B87-B800-2B80FF6FF26B}"/>
+                </a:ext>
+              </a:extLst>
+            </p:cNvPr>
+            <p:cNvSpPr/>
+            <p:nvPr/>
+          </p:nvSpPr>
+          <p:spPr>
+            <a:xfrm>
+              <a:off x="9634120" y="1105794"/>
+              <a:ext cx="1191352" cy="369332"/>
+            </a:xfrm>
+            <a:prstGeom prst="rect">
+              <a:avLst/>
+            </a:prstGeom>
+          </p:spPr>
+          <p:txBody>
+            <a:bodyPr wrap="none">
+              <a:spAutoFit/>
+            </a:bodyPr>
+            <a:lstStyle/>
+            <a:p>
+              <a:r>
+                <a:rPr lang="en-US" altLang="zh-CN" dirty="0">
+                  <a:latin typeface="Times New Roman" panose="02020603050405020304" pitchFamily="18" charset="0"/>
+                  <a:cs typeface="Times New Roman" panose="02020603050405020304" pitchFamily="18" charset="0"/>
+                </a:rPr>
+                <a:t>Char name</a:t>
+              </a:r>
+              <a:endParaRPr lang="zh-CN" altLang="en-US" dirty="0"/>
+            </a:p>
+          </p:txBody>
+        </p:sp>
+        <p:sp>
+          <p:nvSpPr>
+            <p:cNvPr id="70" name="Rectangle 69">
+              <a:extLst>
+                <a:ext uri="{FF2B5EF4-FFF2-40B4-BE49-F238E27FC236}">
+                  <a16:creationId xmlns:a16="http://schemas.microsoft.com/office/drawing/2014/main" id="{859C1028-EB9A-470E-B565-51B84A8CECA4}"/>
+                </a:ext>
+              </a:extLst>
+            </p:cNvPr>
+            <p:cNvSpPr/>
+            <p:nvPr/>
+          </p:nvSpPr>
+          <p:spPr>
+            <a:xfrm>
+              <a:off x="7348245" y="349210"/>
+              <a:ext cx="800219" cy="369332"/>
+            </a:xfrm>
+            <a:prstGeom prst="rect">
+              <a:avLst/>
+            </a:prstGeom>
+          </p:spPr>
+          <p:txBody>
+            <a:bodyPr wrap="none">
+              <a:spAutoFit/>
+            </a:bodyPr>
+            <a:lstStyle/>
+            <a:p>
+              <a:r>
+                <a:rPr lang="en-US" altLang="zh-CN" dirty="0">
+                  <a:latin typeface="Times New Roman" panose="02020603050405020304" pitchFamily="18" charset="0"/>
+                  <a:cs typeface="Times New Roman" panose="02020603050405020304" pitchFamily="18" charset="0"/>
+                </a:rPr>
+                <a:t>Chunk</a:t>
+              </a:r>
+              <a:endParaRPr lang="zh-CN" altLang="en-US" dirty="0"/>
+            </a:p>
+          </p:txBody>
+        </p:sp>
+        <p:sp>
+          <p:nvSpPr>
+            <p:cNvPr id="71" name="Rectangle 70">
+              <a:extLst>
+                <a:ext uri="{FF2B5EF4-FFF2-40B4-BE49-F238E27FC236}">
+                  <a16:creationId xmlns:a16="http://schemas.microsoft.com/office/drawing/2014/main" id="{F8EDD126-4E1C-4B19-8CC0-B1CF500F186A}"/>
+                </a:ext>
+              </a:extLst>
+            </p:cNvPr>
+            <p:cNvSpPr/>
+            <p:nvPr/>
+          </p:nvSpPr>
+          <p:spPr>
+            <a:xfrm>
+              <a:off x="9429577" y="335452"/>
+              <a:ext cx="800219" cy="369332"/>
+            </a:xfrm>
+            <a:prstGeom prst="rect">
+              <a:avLst/>
+            </a:prstGeom>
+          </p:spPr>
+          <p:txBody>
+            <a:bodyPr wrap="none">
+              <a:spAutoFit/>
+            </a:bodyPr>
+            <a:lstStyle/>
+            <a:p>
+              <a:r>
+                <a:rPr lang="en-US" altLang="zh-CN" dirty="0">
+                  <a:latin typeface="Times New Roman" panose="02020603050405020304" pitchFamily="18" charset="0"/>
+                  <a:cs typeface="Times New Roman" panose="02020603050405020304" pitchFamily="18" charset="0"/>
+                </a:rPr>
+                <a:t>Chunk</a:t>
+              </a:r>
+              <a:endParaRPr lang="zh-CN" altLang="en-US" dirty="0"/>
+            </a:p>
+          </p:txBody>
+        </p:sp>
+      </p:grpSp>
+      <p:cxnSp>
+        <p:nvCxnSpPr>
+          <p:cNvPr id="103" name="Straight Arrow Connector 102">
+            <a:extLst>
+              <a:ext uri="{FF2B5EF4-FFF2-40B4-BE49-F238E27FC236}">
+                <a16:creationId xmlns:a16="http://schemas.microsoft.com/office/drawing/2014/main" id="{5CA05A65-C7A3-4E48-A5BD-00237DA9C131}"/>
+              </a:ext>
+            </a:extLst>
+          </p:cNvPr>
+          <p:cNvCxnSpPr>
+            <a:cxnSpLocks/>
+            <a:endCxn id="120" idx="1"/>
+          </p:cNvCxnSpPr>
+          <p:nvPr/>
+        </p:nvCxnSpPr>
+        <p:spPr>
+          <a:xfrm>
+            <a:off x="4272082" y="3429000"/>
+            <a:ext cx="1369191" cy="524421"/>
+          </a:xfrm>
+          <a:prstGeom prst="straightConnector1">
+            <a:avLst/>
+          </a:prstGeom>
+          <a:ln w="19050">
+            <a:solidFill>
+              <a:schemeClr val="tx1"/>
+            </a:solidFill>
+            <a:tailEnd type="triangle"/>
+          </a:ln>
+        </p:spPr>
+        <p:style>
+          <a:lnRef idx="1">
+            <a:schemeClr val="accent1"/>
+          </a:lnRef>
+          <a:fillRef idx="0">
+            <a:schemeClr val="accent1"/>
+          </a:fillRef>
+          <a:effectRef idx="0">
+            <a:schemeClr val="accent1"/>
+          </a:effectRef>
+          <a:fontRef idx="minor">
+            <a:schemeClr val="tx1"/>
+          </a:fontRef>
+        </p:style>
+      </p:cxnSp>
+      <p:cxnSp>
+        <p:nvCxnSpPr>
+          <p:cNvPr id="105" name="Straight Arrow Connector 104">
+            <a:extLst>
+              <a:ext uri="{FF2B5EF4-FFF2-40B4-BE49-F238E27FC236}">
+                <a16:creationId xmlns:a16="http://schemas.microsoft.com/office/drawing/2014/main" id="{CAB8A8A3-A60E-4CF1-8170-A2400A638E22}"/>
+              </a:ext>
+            </a:extLst>
+          </p:cNvPr>
+          <p:cNvCxnSpPr>
+            <a:cxnSpLocks/>
+          </p:cNvCxnSpPr>
+          <p:nvPr/>
+        </p:nvCxnSpPr>
+        <p:spPr>
+          <a:xfrm>
+            <a:off x="4609868" y="4613096"/>
+            <a:ext cx="1087077" cy="883448"/>
+          </a:xfrm>
+          <a:prstGeom prst="straightConnector1">
+            <a:avLst/>
+          </a:prstGeom>
+          <a:ln w="19050">
+            <a:solidFill>
+              <a:schemeClr val="tx1"/>
+            </a:solidFill>
+            <a:tailEnd type="triangle"/>
+          </a:ln>
+        </p:spPr>
+        <p:style>
+          <a:lnRef idx="1">
+            <a:schemeClr val="accent1"/>
+          </a:lnRef>
+          <a:fillRef idx="0">
+            <a:schemeClr val="accent1"/>
+          </a:fillRef>
+          <a:effectRef idx="0">
+            <a:schemeClr val="accent1"/>
+          </a:effectRef>
+          <a:fontRef idx="minor">
+            <a:schemeClr val="tx1"/>
+          </a:fontRef>
+        </p:style>
+      </p:cxnSp>
+      <p:sp>
+        <p:nvSpPr>
+          <p:cNvPr id="2" name="Rectangle 1">
+            <a:extLst>
+              <a:ext uri="{FF2B5EF4-FFF2-40B4-BE49-F238E27FC236}">
+                <a16:creationId xmlns:a16="http://schemas.microsoft.com/office/drawing/2014/main" id="{7DD499BE-083F-4706-B3DC-23B2CE639057}"/>
+              </a:ext>
+            </a:extLst>
+          </p:cNvPr>
+          <p:cNvSpPr/>
+          <p:nvPr/>
+        </p:nvSpPr>
+        <p:spPr>
+          <a:xfrm>
+            <a:off x="5840676" y="752427"/>
+            <a:ext cx="1032762" cy="369332"/>
+          </a:xfrm>
+          <a:prstGeom prst="rect">
+            <a:avLst/>
+          </a:prstGeom>
+        </p:spPr>
+        <p:txBody>
+          <a:bodyPr wrap="square">
+            <a:spAutoFit/>
+          </a:bodyPr>
+          <a:lstStyle/>
+          <a:p>
+            <a:r>
+              <a:rPr lang="en-US" altLang="zh-CN" dirty="0">
+                <a:latin typeface="Times New Roman" panose="02020603050405020304" pitchFamily="18" charset="0"/>
+                <a:cs typeface="Times New Roman" panose="02020603050405020304" pitchFamily="18" charset="0"/>
+              </a:rPr>
+              <a:t>Chunk *</a:t>
+            </a:r>
+            <a:endParaRPr lang="zh-CN" altLang="en-US" dirty="0"/>
+          </a:p>
+        </p:txBody>
+      </p:sp>
+      <p:sp>
+        <p:nvSpPr>
+          <p:cNvPr id="3" name="Rectangle 2">
+            <a:extLst>
+              <a:ext uri="{FF2B5EF4-FFF2-40B4-BE49-F238E27FC236}">
+                <a16:creationId xmlns:a16="http://schemas.microsoft.com/office/drawing/2014/main" id="{E7E00362-BE50-46F5-BC35-5A114DE1C15F}"/>
+              </a:ext>
+            </a:extLst>
+          </p:cNvPr>
+          <p:cNvSpPr/>
+          <p:nvPr/>
+        </p:nvSpPr>
+        <p:spPr>
+          <a:xfrm>
+            <a:off x="7644826" y="752427"/>
+            <a:ext cx="973343" cy="369332"/>
+          </a:xfrm>
+          <a:prstGeom prst="rect">
+            <a:avLst/>
+          </a:prstGeom>
+        </p:spPr>
+        <p:txBody>
+          <a:bodyPr wrap="none">
+            <a:spAutoFit/>
+          </a:bodyPr>
+          <a:lstStyle/>
+          <a:p>
+            <a:r>
+              <a:rPr lang="en-US" altLang="zh-CN" dirty="0">
+                <a:latin typeface="Times New Roman" panose="02020603050405020304" pitchFamily="18" charset="0"/>
+                <a:cs typeface="Times New Roman" panose="02020603050405020304" pitchFamily="18" charset="0"/>
+              </a:rPr>
+              <a:t>Chunk *</a:t>
+            </a:r>
+            <a:endParaRPr lang="zh-CN" altLang="en-US" dirty="0"/>
+          </a:p>
+        </p:txBody>
+      </p:sp>
+      <p:sp>
+        <p:nvSpPr>
+          <p:cNvPr id="6" name="Rectangle 5">
+            <a:extLst>
+              <a:ext uri="{FF2B5EF4-FFF2-40B4-BE49-F238E27FC236}">
+                <a16:creationId xmlns:a16="http://schemas.microsoft.com/office/drawing/2014/main" id="{7AAC5EB2-F2DD-435E-A665-A942C02E60E1}"/>
+              </a:ext>
+            </a:extLst>
+          </p:cNvPr>
+          <p:cNvSpPr/>
+          <p:nvPr/>
+        </p:nvSpPr>
+        <p:spPr>
+          <a:xfrm>
+            <a:off x="9711985" y="760924"/>
+            <a:ext cx="973343" cy="369332"/>
+          </a:xfrm>
+          <a:prstGeom prst="rect">
+            <a:avLst/>
+          </a:prstGeom>
+        </p:spPr>
+        <p:txBody>
+          <a:bodyPr wrap="none">
+            <a:spAutoFit/>
+          </a:bodyPr>
+          <a:lstStyle/>
+          <a:p>
+            <a:r>
+              <a:rPr lang="en-US" altLang="zh-CN" dirty="0">
+                <a:latin typeface="Times New Roman" panose="02020603050405020304" pitchFamily="18" charset="0"/>
+                <a:cs typeface="Times New Roman" panose="02020603050405020304" pitchFamily="18" charset="0"/>
+              </a:rPr>
+              <a:t>Chunk *</a:t>
+            </a:r>
+            <a:endParaRPr lang="zh-CN" altLang="en-US" dirty="0"/>
+          </a:p>
+        </p:txBody>
+      </p:sp>
+      <p:grpSp>
+        <p:nvGrpSpPr>
+          <p:cNvPr id="7" name="Group 6">
+            <a:extLst>
+              <a:ext uri="{FF2B5EF4-FFF2-40B4-BE49-F238E27FC236}">
+                <a16:creationId xmlns:a16="http://schemas.microsoft.com/office/drawing/2014/main" id="{CAF25581-5DD0-4F30-BB3A-435F572ED47A}"/>
+              </a:ext>
+            </a:extLst>
+          </p:cNvPr>
+          <p:cNvGrpSpPr/>
+          <p:nvPr/>
+        </p:nvGrpSpPr>
+        <p:grpSpPr>
+          <a:xfrm>
+            <a:off x="5512195" y="3360277"/>
+            <a:ext cx="6469907" cy="1167950"/>
+            <a:chOff x="5617156" y="2654428"/>
+            <a:chExt cx="6469907" cy="1167950"/>
+          </a:xfrm>
+        </p:grpSpPr>
+        <p:grpSp>
+          <p:nvGrpSpPr>
+            <p:cNvPr id="104" name="Group 103">
+              <a:extLst>
+                <a:ext uri="{FF2B5EF4-FFF2-40B4-BE49-F238E27FC236}">
+                  <a16:creationId xmlns:a16="http://schemas.microsoft.com/office/drawing/2014/main" id="{A71DB99C-4B3A-401B-8BBC-363E89A805FE}"/>
+                </a:ext>
+              </a:extLst>
+            </p:cNvPr>
+            <p:cNvGrpSpPr/>
+            <p:nvPr/>
+          </p:nvGrpSpPr>
+          <p:grpSpPr>
+            <a:xfrm>
+              <a:off x="5617156" y="2654428"/>
+              <a:ext cx="6469907" cy="1167950"/>
+              <a:chOff x="5695890" y="335452"/>
+              <a:chExt cx="6469907" cy="1167950"/>
+            </a:xfrm>
+          </p:grpSpPr>
+          <p:sp>
+            <p:nvSpPr>
+              <p:cNvPr id="106" name="Rectangle 105">
+                <a:extLst>
+                  <a:ext uri="{FF2B5EF4-FFF2-40B4-BE49-F238E27FC236}">
+                    <a16:creationId xmlns:a16="http://schemas.microsoft.com/office/drawing/2014/main" id="{E77E95AC-9F0D-4D15-A3FA-256D4EAD3578}"/>
+                  </a:ext>
+                </a:extLst>
+              </p:cNvPr>
+              <p:cNvSpPr/>
+              <p:nvPr/>
+            </p:nvSpPr>
+            <p:spPr>
+              <a:xfrm>
+                <a:off x="5716663" y="731875"/>
+                <a:ext cx="1303568" cy="761251"/>
+              </a:xfrm>
+              <a:prstGeom prst="rect">
+                <a:avLst/>
+              </a:prstGeom>
+              <a:noFill/>
+              <a:ln w="38100">
+                <a:solidFill>
+                  <a:schemeClr val="tx1"/>
+                </a:solidFill>
+              </a:ln>
+            </p:spPr>
+            <p:style>
+              <a:lnRef idx="2">
+                <a:schemeClr val="accent1">
+                  <a:shade val="50000"/>
+                </a:schemeClr>
+              </a:lnRef>
+              <a:fillRef idx="1">
+                <a:schemeClr val="accent1"/>
+              </a:fillRef>
+              <a:effectRef idx="0">
+                <a:schemeClr val="accent1"/>
+              </a:effectRef>
+              <a:fontRef idx="minor">
+                <a:schemeClr val="lt1"/>
+              </a:fontRef>
+            </p:style>
+            <p:txBody>
+              <a:bodyPr rtlCol="0" anchor="ctr"/>
+              <a:lstStyle/>
+              <a:p>
+                <a:pPr algn="ctr"/>
+                <a:endParaRPr lang="zh-CN" altLang="en-US"/>
+              </a:p>
+            </p:txBody>
+          </p:sp>
+          <p:cxnSp>
+            <p:nvCxnSpPr>
+              <p:cNvPr id="107" name="Straight Arrow Connector 106">
+                <a:extLst>
+                  <a:ext uri="{FF2B5EF4-FFF2-40B4-BE49-F238E27FC236}">
+                    <a16:creationId xmlns:a16="http://schemas.microsoft.com/office/drawing/2014/main" id="{AAF6234B-AA40-4C6C-941B-2B39CA81B28B}"/>
+                  </a:ext>
+                </a:extLst>
+              </p:cNvPr>
+              <p:cNvCxnSpPr>
+                <a:cxnSpLocks/>
+              </p:cNvCxnSpPr>
+              <p:nvPr/>
+            </p:nvCxnSpPr>
+            <p:spPr>
+              <a:xfrm>
+                <a:off x="6798311" y="943910"/>
+                <a:ext cx="866745" cy="0"/>
+              </a:xfrm>
+              <a:prstGeom prst="straightConnector1">
+                <a:avLst/>
+              </a:prstGeom>
+              <a:ln w="19050">
+                <a:solidFill>
+                  <a:schemeClr val="tx1"/>
+                </a:solidFill>
+                <a:tailEnd type="triangle"/>
+              </a:ln>
+            </p:spPr>
+            <p:style>
+              <a:lnRef idx="1">
+                <a:schemeClr val="accent1"/>
+              </a:lnRef>
+              <a:fillRef idx="0">
+                <a:schemeClr val="accent1"/>
+              </a:fillRef>
+              <a:effectRef idx="0">
+                <a:schemeClr val="accent1"/>
+              </a:effectRef>
+              <a:fontRef idx="minor">
+                <a:schemeClr val="tx1"/>
+              </a:fontRef>
+            </p:style>
+          </p:cxnSp>
+          <p:cxnSp>
+            <p:nvCxnSpPr>
+              <p:cNvPr id="108" name="Straight Arrow Connector 107">
+                <a:extLst>
+                  <a:ext uri="{FF2B5EF4-FFF2-40B4-BE49-F238E27FC236}">
+                    <a16:creationId xmlns:a16="http://schemas.microsoft.com/office/drawing/2014/main" id="{E0397F7A-94C5-40C6-B8A4-B1CA1E0D06A5}"/>
+                  </a:ext>
+                </a:extLst>
+              </p:cNvPr>
+              <p:cNvCxnSpPr>
+                <a:cxnSpLocks/>
+              </p:cNvCxnSpPr>
+              <p:nvPr/>
+            </p:nvCxnSpPr>
+            <p:spPr>
+              <a:xfrm>
+                <a:off x="8660605" y="943910"/>
+                <a:ext cx="1008831" cy="9619"/>
+              </a:xfrm>
+              <a:prstGeom prst="straightConnector1">
+                <a:avLst/>
+              </a:prstGeom>
+              <a:ln w="19050">
+                <a:solidFill>
+                  <a:schemeClr val="tx1"/>
+                </a:solidFill>
+                <a:tailEnd type="triangle"/>
+              </a:ln>
+            </p:spPr>
+            <p:style>
+              <a:lnRef idx="1">
+                <a:schemeClr val="accent1"/>
+              </a:lnRef>
+              <a:fillRef idx="0">
+                <a:schemeClr val="accent1"/>
+              </a:fillRef>
+              <a:effectRef idx="0">
+                <a:schemeClr val="accent1"/>
+              </a:effectRef>
+              <a:fontRef idx="minor">
+                <a:schemeClr val="tx1"/>
+              </a:fontRef>
+            </p:style>
+          </p:cxnSp>
+          <p:sp>
+            <p:nvSpPr>
+              <p:cNvPr id="109" name="TextBox 108">
+                <a:extLst>
+                  <a:ext uri="{FF2B5EF4-FFF2-40B4-BE49-F238E27FC236}">
+                    <a16:creationId xmlns:a16="http://schemas.microsoft.com/office/drawing/2014/main" id="{B28CEA2E-F93D-492B-8163-0A461ACDF364}"/>
+                  </a:ext>
+                </a:extLst>
+              </p:cNvPr>
+              <p:cNvSpPr txBox="1"/>
+              <p:nvPr/>
+            </p:nvSpPr>
+            <p:spPr>
+              <a:xfrm>
+                <a:off x="8965207" y="537211"/>
+                <a:ext cx="415498" cy="369332"/>
+              </a:xfrm>
+              <a:prstGeom prst="rect">
+                <a:avLst/>
+              </a:prstGeom>
+              <a:noFill/>
+            </p:spPr>
+            <p:txBody>
+              <a:bodyPr wrap="none" rtlCol="0">
+                <a:spAutoFit/>
+              </a:bodyPr>
+              <a:lstStyle/>
+              <a:p>
+                <a:r>
+                  <a:rPr lang="en-US" altLang="zh-CN" dirty="0"/>
+                  <a:t>…</a:t>
+                </a:r>
+                <a:endParaRPr lang="zh-CN" altLang="en-US" dirty="0"/>
+              </a:p>
+            </p:txBody>
+          </p:sp>
+          <p:sp>
+            <p:nvSpPr>
+              <p:cNvPr id="110" name="Rectangle 109">
+                <a:extLst>
+                  <a:ext uri="{FF2B5EF4-FFF2-40B4-BE49-F238E27FC236}">
+                    <a16:creationId xmlns:a16="http://schemas.microsoft.com/office/drawing/2014/main" id="{25B7BF48-8753-4192-88C3-4D6CAF01E095}"/>
+                  </a:ext>
+                </a:extLst>
+              </p:cNvPr>
+              <p:cNvSpPr/>
+              <p:nvPr/>
+            </p:nvSpPr>
+            <p:spPr>
+              <a:xfrm>
+                <a:off x="5695890" y="349210"/>
+                <a:ext cx="800219" cy="369332"/>
+              </a:xfrm>
+              <a:prstGeom prst="rect">
+                <a:avLst/>
+              </a:prstGeom>
+            </p:spPr>
+            <p:txBody>
+              <a:bodyPr wrap="none">
+                <a:spAutoFit/>
+              </a:bodyPr>
+              <a:lstStyle/>
+              <a:p>
+                <a:r>
+                  <a:rPr lang="en-US" altLang="zh-CN" dirty="0">
+                    <a:latin typeface="Times New Roman" panose="02020603050405020304" pitchFamily="18" charset="0"/>
+                    <a:cs typeface="Times New Roman" panose="02020603050405020304" pitchFamily="18" charset="0"/>
+                  </a:rPr>
+                  <a:t>Chunk</a:t>
+                </a:r>
+                <a:endParaRPr lang="zh-CN" altLang="en-US" dirty="0"/>
+              </a:p>
+            </p:txBody>
+          </p:sp>
+          <p:cxnSp>
+            <p:nvCxnSpPr>
+              <p:cNvPr id="111" name="Straight Arrow Connector 110">
+                <a:extLst>
+                  <a:ext uri="{FF2B5EF4-FFF2-40B4-BE49-F238E27FC236}">
+                    <a16:creationId xmlns:a16="http://schemas.microsoft.com/office/drawing/2014/main" id="{F6723506-2E53-43D2-989A-E2B718F051A5}"/>
+                  </a:ext>
+                </a:extLst>
+              </p:cNvPr>
+              <p:cNvCxnSpPr>
+                <a:cxnSpLocks/>
+              </p:cNvCxnSpPr>
+              <p:nvPr/>
+            </p:nvCxnSpPr>
+            <p:spPr>
+              <a:xfrm>
+                <a:off x="10670932" y="953821"/>
+                <a:ext cx="748519" cy="14433"/>
+              </a:xfrm>
+              <a:prstGeom prst="straightConnector1">
+                <a:avLst/>
+              </a:prstGeom>
+              <a:ln w="19050">
+                <a:solidFill>
+                  <a:schemeClr val="tx1"/>
+                </a:solidFill>
+                <a:tailEnd type="triangle"/>
+              </a:ln>
+            </p:spPr>
+            <p:style>
+              <a:lnRef idx="1">
+                <a:schemeClr val="accent1"/>
+              </a:lnRef>
+              <a:fillRef idx="0">
+                <a:schemeClr val="accent1"/>
+              </a:fillRef>
+              <a:effectRef idx="0">
+                <a:schemeClr val="accent1"/>
+              </a:effectRef>
+              <a:fontRef idx="minor">
+                <a:schemeClr val="tx1"/>
+              </a:fontRef>
+            </p:style>
+          </p:cxnSp>
+          <p:sp>
+            <p:nvSpPr>
+              <p:cNvPr id="112" name="Rectangle 111">
+                <a:extLst>
+                  <a:ext uri="{FF2B5EF4-FFF2-40B4-BE49-F238E27FC236}">
+                    <a16:creationId xmlns:a16="http://schemas.microsoft.com/office/drawing/2014/main" id="{1764D6E4-9AEE-4AE2-8779-ADD69F32DBBD}"/>
+                  </a:ext>
+                </a:extLst>
+              </p:cNvPr>
+              <p:cNvSpPr/>
+              <p:nvPr/>
+            </p:nvSpPr>
+            <p:spPr>
+              <a:xfrm>
+                <a:off x="11365578" y="783588"/>
+                <a:ext cx="800219" cy="369332"/>
+              </a:xfrm>
+              <a:prstGeom prst="rect">
+                <a:avLst/>
+              </a:prstGeom>
+            </p:spPr>
+            <p:txBody>
+              <a:bodyPr wrap="none">
+                <a:spAutoFit/>
+              </a:bodyPr>
+              <a:lstStyle/>
+              <a:p>
+                <a:r>
+                  <a:rPr lang="en-US" altLang="zh-CN" dirty="0">
+                    <a:latin typeface="Times New Roman" panose="02020603050405020304" pitchFamily="18" charset="0"/>
+                    <a:cs typeface="Times New Roman" panose="02020603050405020304" pitchFamily="18" charset="0"/>
+                  </a:rPr>
+                  <a:t>NULL</a:t>
+                </a:r>
+                <a:endParaRPr lang="zh-CN" altLang="en-US" dirty="0"/>
+              </a:p>
+            </p:txBody>
+          </p:sp>
+          <p:sp>
+            <p:nvSpPr>
+              <p:cNvPr id="113" name="Rectangle 112">
+                <a:extLst>
+                  <a:ext uri="{FF2B5EF4-FFF2-40B4-BE49-F238E27FC236}">
+                    <a16:creationId xmlns:a16="http://schemas.microsoft.com/office/drawing/2014/main" id="{D0B9F790-3F0F-46AC-8831-32A662DE3F96}"/>
+                  </a:ext>
+                </a:extLst>
+              </p:cNvPr>
+              <p:cNvSpPr/>
+              <p:nvPr/>
+            </p:nvSpPr>
+            <p:spPr>
+              <a:xfrm>
+                <a:off x="5719790" y="1036810"/>
+                <a:ext cx="1233030" cy="369332"/>
+              </a:xfrm>
+              <a:prstGeom prst="rect">
+                <a:avLst/>
+              </a:prstGeom>
+            </p:spPr>
+            <p:txBody>
+              <a:bodyPr wrap="none">
+                <a:spAutoFit/>
+              </a:bodyPr>
+              <a:lstStyle/>
+              <a:p>
+                <a:r>
+                  <a:rPr lang="en-US" altLang="zh-CN" dirty="0">
+                    <a:latin typeface="Times New Roman" panose="02020603050405020304" pitchFamily="18" charset="0"/>
+                    <a:cs typeface="Times New Roman" panose="02020603050405020304" pitchFamily="18" charset="0"/>
+                  </a:rPr>
+                  <a:t>Char name</a:t>
+                </a:r>
+                <a:endParaRPr lang="zh-CN" altLang="en-US" dirty="0"/>
+              </a:p>
+            </p:txBody>
+          </p:sp>
+          <p:sp>
+            <p:nvSpPr>
+              <p:cNvPr id="114" name="Rectangle 113">
+                <a:extLst>
+                  <a:ext uri="{FF2B5EF4-FFF2-40B4-BE49-F238E27FC236}">
+                    <a16:creationId xmlns:a16="http://schemas.microsoft.com/office/drawing/2014/main" id="{715E684B-A599-4DCC-99B0-610E06431D74}"/>
+                  </a:ext>
+                </a:extLst>
+              </p:cNvPr>
+              <p:cNvSpPr/>
+              <p:nvPr/>
+            </p:nvSpPr>
+            <p:spPr>
+              <a:xfrm>
+                <a:off x="7442526" y="720465"/>
+                <a:ext cx="1303568" cy="761251"/>
+              </a:xfrm>
+              <a:prstGeom prst="rect">
+                <a:avLst/>
+              </a:prstGeom>
+              <a:noFill/>
+              <a:ln w="38100">
+                <a:solidFill>
+                  <a:schemeClr val="tx1"/>
+                </a:solidFill>
+              </a:ln>
+            </p:spPr>
+            <p:style>
+              <a:lnRef idx="2">
+                <a:schemeClr val="accent1">
+                  <a:shade val="50000"/>
+                </a:schemeClr>
+              </a:lnRef>
+              <a:fillRef idx="1">
+                <a:schemeClr val="accent1"/>
+              </a:fillRef>
+              <a:effectRef idx="0">
+                <a:schemeClr val="accent1"/>
+              </a:effectRef>
+              <a:fontRef idx="minor">
+                <a:schemeClr val="lt1"/>
+              </a:fontRef>
+            </p:style>
+            <p:txBody>
+              <a:bodyPr rtlCol="0" anchor="ctr"/>
+              <a:lstStyle/>
+              <a:p>
+                <a:pPr algn="ctr"/>
+                <a:endParaRPr lang="zh-CN" altLang="en-US"/>
+              </a:p>
+            </p:txBody>
+          </p:sp>
+          <p:sp>
+            <p:nvSpPr>
+              <p:cNvPr id="115" name="Rectangle 114">
+                <a:extLst>
+                  <a:ext uri="{FF2B5EF4-FFF2-40B4-BE49-F238E27FC236}">
+                    <a16:creationId xmlns:a16="http://schemas.microsoft.com/office/drawing/2014/main" id="{418296F3-4761-4811-A60F-E3D94683B50D}"/>
+                  </a:ext>
+                </a:extLst>
+              </p:cNvPr>
+              <p:cNvSpPr/>
+              <p:nvPr/>
+            </p:nvSpPr>
+            <p:spPr>
+              <a:xfrm>
+                <a:off x="7406213" y="1101090"/>
+                <a:ext cx="1191352" cy="369332"/>
+              </a:xfrm>
+              <a:prstGeom prst="rect">
+                <a:avLst/>
+              </a:prstGeom>
+            </p:spPr>
+            <p:txBody>
+              <a:bodyPr wrap="none">
+                <a:spAutoFit/>
+              </a:bodyPr>
+              <a:lstStyle/>
+              <a:p>
+                <a:r>
+                  <a:rPr lang="en-US" altLang="zh-CN" dirty="0">
+                    <a:latin typeface="Times New Roman" panose="02020603050405020304" pitchFamily="18" charset="0"/>
+                    <a:cs typeface="Times New Roman" panose="02020603050405020304" pitchFamily="18" charset="0"/>
+                  </a:rPr>
+                  <a:t>Char name</a:t>
+                </a:r>
+                <a:endParaRPr lang="zh-CN" altLang="en-US" dirty="0"/>
+              </a:p>
+            </p:txBody>
+          </p:sp>
+          <p:sp>
+            <p:nvSpPr>
+              <p:cNvPr id="116" name="Rectangle 115">
+                <a:extLst>
+                  <a:ext uri="{FF2B5EF4-FFF2-40B4-BE49-F238E27FC236}">
+                    <a16:creationId xmlns:a16="http://schemas.microsoft.com/office/drawing/2014/main" id="{8A58CABB-8D8A-4B06-BAC1-749B7835D50D}"/>
+                  </a:ext>
+                </a:extLst>
+              </p:cNvPr>
+              <p:cNvSpPr/>
+              <p:nvPr/>
+            </p:nvSpPr>
+            <p:spPr>
+              <a:xfrm>
+                <a:off x="9541264" y="742151"/>
+                <a:ext cx="1303568" cy="761251"/>
+              </a:xfrm>
+              <a:prstGeom prst="rect">
+                <a:avLst/>
+              </a:prstGeom>
+              <a:noFill/>
+              <a:ln w="38100">
+                <a:solidFill>
+                  <a:schemeClr val="tx1"/>
+                </a:solidFill>
+              </a:ln>
+            </p:spPr>
+            <p:style>
+              <a:lnRef idx="2">
+                <a:schemeClr val="accent1">
+                  <a:shade val="50000"/>
+                </a:schemeClr>
+              </a:lnRef>
+              <a:fillRef idx="1">
+                <a:schemeClr val="accent1"/>
+              </a:fillRef>
+              <a:effectRef idx="0">
+                <a:schemeClr val="accent1"/>
+              </a:effectRef>
+              <a:fontRef idx="minor">
+                <a:schemeClr val="lt1"/>
+              </a:fontRef>
+            </p:style>
+            <p:txBody>
+              <a:bodyPr rtlCol="0" anchor="ctr"/>
+              <a:lstStyle/>
+              <a:p>
+                <a:pPr algn="ctr"/>
+                <a:endParaRPr lang="zh-CN" altLang="en-US"/>
+              </a:p>
+            </p:txBody>
+          </p:sp>
+          <p:sp>
+            <p:nvSpPr>
+              <p:cNvPr id="117" name="Rectangle 116">
+                <a:extLst>
+                  <a:ext uri="{FF2B5EF4-FFF2-40B4-BE49-F238E27FC236}">
+                    <a16:creationId xmlns:a16="http://schemas.microsoft.com/office/drawing/2014/main" id="{9B6A74C2-374D-4DB5-85EE-234A10D314D1}"/>
+                  </a:ext>
+                </a:extLst>
+              </p:cNvPr>
+              <p:cNvSpPr/>
+              <p:nvPr/>
+            </p:nvSpPr>
+            <p:spPr>
+              <a:xfrm>
+                <a:off x="9634120" y="1105794"/>
+                <a:ext cx="1191352" cy="369332"/>
+              </a:xfrm>
+              <a:prstGeom prst="rect">
+                <a:avLst/>
+              </a:prstGeom>
+            </p:spPr>
+            <p:txBody>
+              <a:bodyPr wrap="none">
+                <a:spAutoFit/>
+              </a:bodyPr>
+              <a:lstStyle/>
+              <a:p>
+                <a:r>
+                  <a:rPr lang="en-US" altLang="zh-CN" dirty="0">
+                    <a:latin typeface="Times New Roman" panose="02020603050405020304" pitchFamily="18" charset="0"/>
+                    <a:cs typeface="Times New Roman" panose="02020603050405020304" pitchFamily="18" charset="0"/>
+                  </a:rPr>
+                  <a:t>Char name</a:t>
+                </a:r>
+                <a:endParaRPr lang="zh-CN" altLang="en-US" dirty="0"/>
+              </a:p>
+            </p:txBody>
+          </p:sp>
+          <p:sp>
+            <p:nvSpPr>
+              <p:cNvPr id="118" name="Rectangle 117">
+                <a:extLst>
+                  <a:ext uri="{FF2B5EF4-FFF2-40B4-BE49-F238E27FC236}">
+                    <a16:creationId xmlns:a16="http://schemas.microsoft.com/office/drawing/2014/main" id="{60AD8E0D-FAA3-4DC1-B13E-4BDA987BFA03}"/>
+                  </a:ext>
+                </a:extLst>
+              </p:cNvPr>
+              <p:cNvSpPr/>
+              <p:nvPr/>
+            </p:nvSpPr>
+            <p:spPr>
+              <a:xfrm>
+                <a:off x="7348245" y="349210"/>
+                <a:ext cx="800219" cy="369332"/>
+              </a:xfrm>
+              <a:prstGeom prst="rect">
+                <a:avLst/>
+              </a:prstGeom>
+            </p:spPr>
+            <p:txBody>
+              <a:bodyPr wrap="none">
+                <a:spAutoFit/>
+              </a:bodyPr>
+              <a:lstStyle/>
+              <a:p>
+                <a:r>
+                  <a:rPr lang="en-US" altLang="zh-CN" dirty="0">
+                    <a:latin typeface="Times New Roman" panose="02020603050405020304" pitchFamily="18" charset="0"/>
+                    <a:cs typeface="Times New Roman" panose="02020603050405020304" pitchFamily="18" charset="0"/>
+                  </a:rPr>
+                  <a:t>Chunk</a:t>
+                </a:r>
+                <a:endParaRPr lang="zh-CN" altLang="en-US" dirty="0"/>
+              </a:p>
+            </p:txBody>
+          </p:sp>
+          <p:sp>
+            <p:nvSpPr>
+              <p:cNvPr id="119" name="Rectangle 118">
+                <a:extLst>
+                  <a:ext uri="{FF2B5EF4-FFF2-40B4-BE49-F238E27FC236}">
+                    <a16:creationId xmlns:a16="http://schemas.microsoft.com/office/drawing/2014/main" id="{71CD5831-4A12-41F1-A279-44C7951D8D76}"/>
+                  </a:ext>
+                </a:extLst>
+              </p:cNvPr>
+              <p:cNvSpPr/>
+              <p:nvPr/>
+            </p:nvSpPr>
+            <p:spPr>
+              <a:xfrm>
+                <a:off x="9429577" y="335452"/>
+                <a:ext cx="800219" cy="369332"/>
+              </a:xfrm>
+              <a:prstGeom prst="rect">
+                <a:avLst/>
+              </a:prstGeom>
+            </p:spPr>
+            <p:txBody>
+              <a:bodyPr wrap="none">
+                <a:spAutoFit/>
+              </a:bodyPr>
+              <a:lstStyle/>
+              <a:p>
+                <a:r>
+                  <a:rPr lang="en-US" altLang="zh-CN" dirty="0">
+                    <a:latin typeface="Times New Roman" panose="02020603050405020304" pitchFamily="18" charset="0"/>
+                    <a:cs typeface="Times New Roman" panose="02020603050405020304" pitchFamily="18" charset="0"/>
+                  </a:rPr>
+                  <a:t>Chunk</a:t>
+                </a:r>
+                <a:endParaRPr lang="zh-CN" altLang="en-US" dirty="0"/>
+              </a:p>
+            </p:txBody>
+          </p:sp>
+        </p:grpSp>
+        <p:sp>
+          <p:nvSpPr>
+            <p:cNvPr id="120" name="Rectangle 119">
+              <a:extLst>
+                <a:ext uri="{FF2B5EF4-FFF2-40B4-BE49-F238E27FC236}">
+                  <a16:creationId xmlns:a16="http://schemas.microsoft.com/office/drawing/2014/main" id="{AA33502A-9E13-4B3A-9F19-4F297294BFC6}"/>
+                </a:ext>
+              </a:extLst>
+            </p:cNvPr>
+            <p:cNvSpPr/>
+            <p:nvPr/>
+          </p:nvSpPr>
+          <p:spPr>
+            <a:xfrm>
+              <a:off x="5746234" y="3062906"/>
+              <a:ext cx="973343" cy="369332"/>
+            </a:xfrm>
+            <a:prstGeom prst="rect">
+              <a:avLst/>
+            </a:prstGeom>
+          </p:spPr>
+          <p:txBody>
+            <a:bodyPr wrap="none">
+              <a:spAutoFit/>
+            </a:bodyPr>
+            <a:lstStyle/>
+            <a:p>
+              <a:r>
+                <a:rPr lang="en-US" altLang="zh-CN" dirty="0">
+                  <a:latin typeface="Times New Roman" panose="02020603050405020304" pitchFamily="18" charset="0"/>
+                  <a:cs typeface="Times New Roman" panose="02020603050405020304" pitchFamily="18" charset="0"/>
+                </a:rPr>
+                <a:t>Chunk *</a:t>
+              </a:r>
+              <a:endParaRPr lang="zh-CN" altLang="en-US" dirty="0"/>
+            </a:p>
+          </p:txBody>
+        </p:sp>
+        <p:sp>
+          <p:nvSpPr>
+            <p:cNvPr id="121" name="Rectangle 120">
+              <a:extLst>
+                <a:ext uri="{FF2B5EF4-FFF2-40B4-BE49-F238E27FC236}">
+                  <a16:creationId xmlns:a16="http://schemas.microsoft.com/office/drawing/2014/main" id="{5447BACB-9F17-4392-8D22-5E8B734600C8}"/>
+                </a:ext>
+              </a:extLst>
+            </p:cNvPr>
+            <p:cNvSpPr/>
+            <p:nvPr/>
+          </p:nvSpPr>
+          <p:spPr>
+            <a:xfrm>
+              <a:off x="7565037" y="3062906"/>
+              <a:ext cx="973343" cy="369332"/>
+            </a:xfrm>
+            <a:prstGeom prst="rect">
+              <a:avLst/>
+            </a:prstGeom>
+          </p:spPr>
+          <p:txBody>
+            <a:bodyPr wrap="none">
+              <a:spAutoFit/>
+            </a:bodyPr>
+            <a:lstStyle/>
+            <a:p>
+              <a:r>
+                <a:rPr lang="en-US" altLang="zh-CN" dirty="0">
+                  <a:latin typeface="Times New Roman" panose="02020603050405020304" pitchFamily="18" charset="0"/>
+                  <a:cs typeface="Times New Roman" panose="02020603050405020304" pitchFamily="18" charset="0"/>
+                </a:rPr>
+                <a:t>Chunk *</a:t>
+              </a:r>
+              <a:endParaRPr lang="zh-CN" altLang="en-US" dirty="0"/>
+            </a:p>
+          </p:txBody>
+        </p:sp>
+        <p:sp>
+          <p:nvSpPr>
+            <p:cNvPr id="122" name="Rectangle 121">
+              <a:extLst>
+                <a:ext uri="{FF2B5EF4-FFF2-40B4-BE49-F238E27FC236}">
+                  <a16:creationId xmlns:a16="http://schemas.microsoft.com/office/drawing/2014/main" id="{3246D4A9-F304-4C99-B3B5-242BCC16BBC7}"/>
+                </a:ext>
+              </a:extLst>
+            </p:cNvPr>
+            <p:cNvSpPr/>
+            <p:nvPr/>
+          </p:nvSpPr>
+          <p:spPr>
+            <a:xfrm>
+              <a:off x="9632196" y="3071403"/>
+              <a:ext cx="973343" cy="369332"/>
+            </a:xfrm>
+            <a:prstGeom prst="rect">
+              <a:avLst/>
+            </a:prstGeom>
+          </p:spPr>
+          <p:txBody>
+            <a:bodyPr wrap="none">
+              <a:spAutoFit/>
+            </a:bodyPr>
+            <a:lstStyle/>
+            <a:p>
+              <a:r>
+                <a:rPr lang="en-US" altLang="zh-CN" dirty="0">
+                  <a:latin typeface="Times New Roman" panose="02020603050405020304" pitchFamily="18" charset="0"/>
+                  <a:cs typeface="Times New Roman" panose="02020603050405020304" pitchFamily="18" charset="0"/>
+                </a:rPr>
+                <a:t>Chunk *</a:t>
+              </a:r>
+              <a:endParaRPr lang="zh-CN" altLang="en-US" dirty="0"/>
+            </a:p>
+          </p:txBody>
+        </p:sp>
+      </p:grpSp>
+      <p:cxnSp>
+        <p:nvCxnSpPr>
+          <p:cNvPr id="24" name="Straight Arrow Connector 23">
+            <a:extLst>
+              <a:ext uri="{FF2B5EF4-FFF2-40B4-BE49-F238E27FC236}">
+                <a16:creationId xmlns:a16="http://schemas.microsoft.com/office/drawing/2014/main" id="{37262B36-5F80-4A0A-B8D6-623220ACC54C}"/>
+              </a:ext>
+            </a:extLst>
+          </p:cNvPr>
+          <p:cNvCxnSpPr>
+            <a:cxnSpLocks/>
+          </p:cNvCxnSpPr>
+          <p:nvPr/>
+        </p:nvCxnSpPr>
+        <p:spPr>
+          <a:xfrm flipH="1">
+            <a:off x="6096000" y="1358363"/>
+            <a:ext cx="474774" cy="760912"/>
+          </a:xfrm>
+          <a:prstGeom prst="straightConnector1">
+            <a:avLst/>
+          </a:prstGeom>
+          <a:ln w="19050">
+            <a:solidFill>
+              <a:srgbClr val="FFFF00"/>
+            </a:solidFill>
+            <a:headEnd type="triangle"/>
+            <a:tailEnd type="triangle"/>
+          </a:ln>
+        </p:spPr>
+        <p:style>
+          <a:lnRef idx="1">
+            <a:schemeClr val="accent1"/>
+          </a:lnRef>
+          <a:fillRef idx="0">
+            <a:schemeClr val="accent1"/>
+          </a:fillRef>
+          <a:effectRef idx="0">
+            <a:schemeClr val="accent1"/>
+          </a:effectRef>
+          <a:fontRef idx="minor">
+            <a:schemeClr val="tx1"/>
+          </a:fontRef>
+        </p:style>
+      </p:cxnSp>
+      <p:grpSp>
+        <p:nvGrpSpPr>
+          <p:cNvPr id="29" name="Group 28">
+            <a:extLst>
+              <a:ext uri="{FF2B5EF4-FFF2-40B4-BE49-F238E27FC236}">
+                <a16:creationId xmlns:a16="http://schemas.microsoft.com/office/drawing/2014/main" id="{B47DA976-D37B-411B-B9F1-0E70F239FD67}"/>
+              </a:ext>
+            </a:extLst>
+          </p:cNvPr>
+          <p:cNvGrpSpPr/>
+          <p:nvPr/>
+        </p:nvGrpSpPr>
+        <p:grpSpPr>
+          <a:xfrm>
+            <a:off x="5564692" y="2027589"/>
+            <a:ext cx="2805869" cy="1116131"/>
+            <a:chOff x="5628830" y="1589293"/>
+            <a:chExt cx="2701433" cy="1116131"/>
+          </a:xfrm>
+        </p:grpSpPr>
+        <p:sp>
+          <p:nvSpPr>
+            <p:cNvPr id="141" name="TextBox 140">
+              <a:extLst>
+                <a:ext uri="{FF2B5EF4-FFF2-40B4-BE49-F238E27FC236}">
+                  <a16:creationId xmlns:a16="http://schemas.microsoft.com/office/drawing/2014/main" id="{B850CF02-B147-4E3F-B0B9-1A19E1CA4E48}"/>
+                </a:ext>
+              </a:extLst>
+            </p:cNvPr>
+            <p:cNvSpPr txBox="1"/>
+            <p:nvPr/>
+          </p:nvSpPr>
+          <p:spPr>
+            <a:xfrm>
+              <a:off x="5628830" y="2083649"/>
+              <a:ext cx="2701433" cy="584775"/>
+            </a:xfrm>
+            <a:prstGeom prst="rect">
+              <a:avLst/>
+            </a:prstGeom>
+            <a:noFill/>
+          </p:spPr>
+          <p:txBody>
+            <a:bodyPr wrap="square" rtlCol="0">
+              <a:spAutoFit/>
+            </a:bodyPr>
+            <a:lstStyle/>
+            <a:p>
+              <a:r>
+                <a:rPr lang="en-US" altLang="zh-CN" sz="1600" dirty="0">
+                  <a:solidFill>
+                    <a:srgbClr val="FFFF00"/>
+                  </a:solidFill>
+                  <a:latin typeface="Times New Roman" panose="02020603050405020304" pitchFamily="18" charset="0"/>
+                  <a:cs typeface="Times New Roman" panose="02020603050405020304" pitchFamily="18" charset="0"/>
+                </a:rPr>
+                <a:t>Name is the SHA256 </a:t>
+              </a:r>
+            </a:p>
+            <a:p>
+              <a:r>
+                <a:rPr lang="en-US" altLang="zh-CN" sz="1600" dirty="0">
+                  <a:solidFill>
+                    <a:srgbClr val="FFFF00"/>
+                  </a:solidFill>
+                  <a:latin typeface="Times New Roman" panose="02020603050405020304" pitchFamily="18" charset="0"/>
+                  <a:cs typeface="Times New Roman" panose="02020603050405020304" pitchFamily="18" charset="0"/>
+                </a:rPr>
+                <a:t>hash value of actual segment</a:t>
+              </a:r>
+              <a:endParaRPr lang="zh-CN" altLang="en-US" sz="1600" dirty="0">
+                <a:solidFill>
+                  <a:srgbClr val="FFFF00"/>
+                </a:solidFill>
+                <a:latin typeface="Times New Roman" panose="02020603050405020304" pitchFamily="18" charset="0"/>
+                <a:cs typeface="Times New Roman" panose="02020603050405020304" pitchFamily="18" charset="0"/>
+              </a:endParaRPr>
+            </a:p>
+          </p:txBody>
+        </p:sp>
+        <p:sp>
+          <p:nvSpPr>
+            <p:cNvPr id="142" name="Rectangle 141">
+              <a:extLst>
+                <a:ext uri="{FF2B5EF4-FFF2-40B4-BE49-F238E27FC236}">
+                  <a16:creationId xmlns:a16="http://schemas.microsoft.com/office/drawing/2014/main" id="{7F7C28E5-082A-486D-82F6-5F4E9B14771E}"/>
+                </a:ext>
+              </a:extLst>
+            </p:cNvPr>
+            <p:cNvSpPr/>
+            <p:nvPr/>
+          </p:nvSpPr>
+          <p:spPr>
+            <a:xfrm>
+              <a:off x="5639216" y="1944173"/>
+              <a:ext cx="2680660" cy="761251"/>
+            </a:xfrm>
+            <a:prstGeom prst="rect">
+              <a:avLst/>
+            </a:prstGeom>
+            <a:noFill/>
+            <a:ln w="38100">
+              <a:solidFill>
+                <a:srgbClr val="FFFF00"/>
+              </a:solidFill>
+            </a:ln>
+          </p:spPr>
+          <p:style>
+            <a:lnRef idx="2">
+              <a:schemeClr val="accent1">
+                <a:shade val="50000"/>
+              </a:schemeClr>
+            </a:lnRef>
+            <a:fillRef idx="1">
+              <a:schemeClr val="accent1"/>
+            </a:fillRef>
+            <a:effectRef idx="0">
+              <a:schemeClr val="accent1"/>
+            </a:effectRef>
+            <a:fontRef idx="minor">
+              <a:schemeClr val="lt1"/>
+            </a:fontRef>
+          </p:style>
+          <p:txBody>
+            <a:bodyPr rtlCol="0" anchor="ctr"/>
+            <a:lstStyle/>
+            <a:p>
+              <a:pPr algn="ctr"/>
+              <a:endParaRPr lang="zh-CN" altLang="en-US" dirty="0"/>
+            </a:p>
+          </p:txBody>
+        </p:sp>
+        <p:sp>
+          <p:nvSpPr>
+            <p:cNvPr id="28" name="TextBox 27">
+              <a:extLst>
+                <a:ext uri="{FF2B5EF4-FFF2-40B4-BE49-F238E27FC236}">
+                  <a16:creationId xmlns:a16="http://schemas.microsoft.com/office/drawing/2014/main" id="{3A386133-8471-4815-B219-F63E6DA73986}"/>
+                </a:ext>
+              </a:extLst>
+            </p:cNvPr>
+            <p:cNvSpPr txBox="1"/>
+            <p:nvPr/>
+          </p:nvSpPr>
+          <p:spPr>
+            <a:xfrm>
+              <a:off x="6373384" y="1589293"/>
+              <a:ext cx="1447832" cy="369332"/>
+            </a:xfrm>
+            <a:prstGeom prst="rect">
+              <a:avLst/>
+            </a:prstGeom>
+            <a:noFill/>
+          </p:spPr>
+          <p:txBody>
+            <a:bodyPr wrap="none" rtlCol="0">
+              <a:spAutoFit/>
+            </a:bodyPr>
+            <a:lstStyle/>
+            <a:p>
+              <a:r>
+                <a:rPr lang="en-US" altLang="zh-CN" dirty="0">
+                  <a:solidFill>
+                    <a:srgbClr val="FFFF00"/>
+                  </a:solidFill>
+                  <a:latin typeface="Times New Roman" panose="02020603050405020304" pitchFamily="18" charset="0"/>
+                  <a:cs typeface="Times New Roman" panose="02020603050405020304" pitchFamily="18" charset="0"/>
+                </a:rPr>
+                <a:t>Data segment</a:t>
+              </a:r>
+              <a:endParaRPr lang="zh-CN" altLang="en-US" dirty="0">
+                <a:solidFill>
+                  <a:srgbClr val="FFFF00"/>
+                </a:solidFill>
+                <a:latin typeface="Times New Roman" panose="02020603050405020304" pitchFamily="18" charset="0"/>
+                <a:cs typeface="Times New Roman" panose="02020603050405020304" pitchFamily="18" charset="0"/>
+              </a:endParaRPr>
+            </a:p>
+          </p:txBody>
+        </p:sp>
+      </p:grpSp>
+      <p:grpSp>
+        <p:nvGrpSpPr>
+          <p:cNvPr id="143" name="Group 142">
+            <a:extLst>
+              <a:ext uri="{FF2B5EF4-FFF2-40B4-BE49-F238E27FC236}">
+                <a16:creationId xmlns:a16="http://schemas.microsoft.com/office/drawing/2014/main" id="{A24D8C0C-7006-4494-AA28-B357D44336A9}"/>
+              </a:ext>
+            </a:extLst>
+          </p:cNvPr>
+          <p:cNvGrpSpPr/>
+          <p:nvPr/>
+        </p:nvGrpSpPr>
+        <p:grpSpPr>
+          <a:xfrm>
+            <a:off x="8832040" y="2029364"/>
+            <a:ext cx="2873400" cy="1115839"/>
+            <a:chOff x="5588513" y="1589585"/>
+            <a:chExt cx="2873400" cy="1115839"/>
+          </a:xfrm>
+        </p:grpSpPr>
+        <p:sp>
+          <p:nvSpPr>
+            <p:cNvPr id="144" name="TextBox 143">
+              <a:extLst>
+                <a:ext uri="{FF2B5EF4-FFF2-40B4-BE49-F238E27FC236}">
+                  <a16:creationId xmlns:a16="http://schemas.microsoft.com/office/drawing/2014/main" id="{C0685CBA-01C0-47F3-9825-93C846EB0FB4}"/>
+                </a:ext>
+              </a:extLst>
+            </p:cNvPr>
+            <p:cNvSpPr txBox="1"/>
+            <p:nvPr/>
+          </p:nvSpPr>
+          <p:spPr>
+            <a:xfrm>
+              <a:off x="5588513" y="2022583"/>
+              <a:ext cx="2873400" cy="584775"/>
+            </a:xfrm>
+            <a:prstGeom prst="rect">
+              <a:avLst/>
+            </a:prstGeom>
+            <a:noFill/>
+          </p:spPr>
+          <p:txBody>
+            <a:bodyPr wrap="square" rtlCol="0">
+              <a:spAutoFit/>
+            </a:bodyPr>
+            <a:lstStyle/>
+            <a:p>
+              <a:r>
+                <a:rPr lang="en-US" altLang="zh-CN" sz="1600" dirty="0">
+                  <a:solidFill>
+                    <a:srgbClr val="FFFF00"/>
+                  </a:solidFill>
+                  <a:latin typeface="Times New Roman" panose="02020603050405020304" pitchFamily="18" charset="0"/>
+                  <a:cs typeface="Times New Roman" panose="02020603050405020304" pitchFamily="18" charset="0"/>
+                </a:rPr>
+                <a:t>Variable “padded” indicates whether this segment is padded.</a:t>
+              </a:r>
+            </a:p>
+          </p:txBody>
+        </p:sp>
+        <p:sp>
+          <p:nvSpPr>
+            <p:cNvPr id="145" name="Rectangle 144">
+              <a:extLst>
+                <a:ext uri="{FF2B5EF4-FFF2-40B4-BE49-F238E27FC236}">
+                  <a16:creationId xmlns:a16="http://schemas.microsoft.com/office/drawing/2014/main" id="{59531410-B6F4-4E55-B8E1-99BDC5B7CBC7}"/>
+                </a:ext>
+              </a:extLst>
+            </p:cNvPr>
+            <p:cNvSpPr/>
+            <p:nvPr/>
+          </p:nvSpPr>
+          <p:spPr>
+            <a:xfrm>
+              <a:off x="5588513" y="1944173"/>
+              <a:ext cx="2731363" cy="761251"/>
+            </a:xfrm>
+            <a:prstGeom prst="rect">
+              <a:avLst/>
+            </a:prstGeom>
+            <a:noFill/>
+            <a:ln w="38100">
+              <a:solidFill>
+                <a:srgbClr val="FFFF00"/>
+              </a:solidFill>
+            </a:ln>
+          </p:spPr>
+          <p:style>
+            <a:lnRef idx="2">
+              <a:schemeClr val="accent1">
+                <a:shade val="50000"/>
+              </a:schemeClr>
+            </a:lnRef>
+            <a:fillRef idx="1">
+              <a:schemeClr val="accent1"/>
+            </a:fillRef>
+            <a:effectRef idx="0">
+              <a:schemeClr val="accent1"/>
+            </a:effectRef>
+            <a:fontRef idx="minor">
+              <a:schemeClr val="lt1"/>
+            </a:fontRef>
+          </p:style>
+          <p:txBody>
+            <a:bodyPr rtlCol="0" anchor="ctr"/>
+            <a:lstStyle/>
+            <a:p>
+              <a:pPr algn="ctr"/>
+              <a:endParaRPr lang="zh-CN" altLang="en-US" dirty="0"/>
+            </a:p>
+          </p:txBody>
+        </p:sp>
+        <p:sp>
+          <p:nvSpPr>
+            <p:cNvPr id="146" name="TextBox 145">
+              <a:extLst>
+                <a:ext uri="{FF2B5EF4-FFF2-40B4-BE49-F238E27FC236}">
+                  <a16:creationId xmlns:a16="http://schemas.microsoft.com/office/drawing/2014/main" id="{6E6A6C54-C73C-4649-A1BC-17DF04C422B4}"/>
+                </a:ext>
+              </a:extLst>
+            </p:cNvPr>
+            <p:cNvSpPr txBox="1"/>
+            <p:nvPr/>
+          </p:nvSpPr>
+          <p:spPr>
+            <a:xfrm>
+              <a:off x="6636777" y="1589585"/>
+              <a:ext cx="1447832" cy="369332"/>
+            </a:xfrm>
+            <a:prstGeom prst="rect">
+              <a:avLst/>
+            </a:prstGeom>
+            <a:noFill/>
+          </p:spPr>
+          <p:txBody>
+            <a:bodyPr wrap="none" rtlCol="0">
+              <a:spAutoFit/>
+            </a:bodyPr>
+            <a:lstStyle/>
+            <a:p>
+              <a:r>
+                <a:rPr lang="en-US" altLang="zh-CN" dirty="0">
+                  <a:solidFill>
+                    <a:srgbClr val="FFFF00"/>
+                  </a:solidFill>
+                  <a:latin typeface="Times New Roman" panose="02020603050405020304" pitchFamily="18" charset="0"/>
+                  <a:cs typeface="Times New Roman" panose="02020603050405020304" pitchFamily="18" charset="0"/>
+                </a:rPr>
+                <a:t>Data segment</a:t>
+              </a:r>
+              <a:endParaRPr lang="zh-CN" altLang="en-US" dirty="0">
+                <a:solidFill>
+                  <a:srgbClr val="FFFF00"/>
+                </a:solidFill>
+                <a:latin typeface="Times New Roman" panose="02020603050405020304" pitchFamily="18" charset="0"/>
+                <a:cs typeface="Times New Roman" panose="02020603050405020304" pitchFamily="18" charset="0"/>
+              </a:endParaRPr>
+            </a:p>
+          </p:txBody>
+        </p:sp>
+      </p:grpSp>
+      <p:cxnSp>
+        <p:nvCxnSpPr>
+          <p:cNvPr id="147" name="Straight Arrow Connector 146">
+            <a:extLst>
+              <a:ext uri="{FF2B5EF4-FFF2-40B4-BE49-F238E27FC236}">
+                <a16:creationId xmlns:a16="http://schemas.microsoft.com/office/drawing/2014/main" id="{DE1D2EA4-C752-4370-93F3-54A3BD8BE7E0}"/>
+              </a:ext>
+            </a:extLst>
+          </p:cNvPr>
+          <p:cNvCxnSpPr>
+            <a:cxnSpLocks/>
+          </p:cNvCxnSpPr>
+          <p:nvPr/>
+        </p:nvCxnSpPr>
+        <p:spPr>
+          <a:xfrm flipH="1">
+            <a:off x="9632555" y="1430216"/>
+            <a:ext cx="706967" cy="744634"/>
+          </a:xfrm>
+          <a:prstGeom prst="straightConnector1">
+            <a:avLst/>
+          </a:prstGeom>
+          <a:ln w="19050">
+            <a:solidFill>
+              <a:srgbClr val="FFFF00"/>
+            </a:solidFill>
+            <a:headEnd type="triangle"/>
+            <a:tailEnd type="triangle"/>
+          </a:ln>
+        </p:spPr>
+        <p:style>
+          <a:lnRef idx="1">
+            <a:schemeClr val="accent1"/>
+          </a:lnRef>
+          <a:fillRef idx="0">
+            <a:schemeClr val="accent1"/>
+          </a:fillRef>
+          <a:effectRef idx="0">
+            <a:schemeClr val="accent1"/>
+          </a:effectRef>
+          <a:fontRef idx="minor">
+            <a:schemeClr val="tx1"/>
+          </a:fontRef>
+        </p:style>
+      </p:cxnSp>
+      <p:grpSp>
+        <p:nvGrpSpPr>
+          <p:cNvPr id="148" name="Group 147">
+            <a:extLst>
+              <a:ext uri="{FF2B5EF4-FFF2-40B4-BE49-F238E27FC236}">
+                <a16:creationId xmlns:a16="http://schemas.microsoft.com/office/drawing/2014/main" id="{7396D40F-6032-42F1-84AA-F064F9BE4E8B}"/>
+              </a:ext>
+            </a:extLst>
+          </p:cNvPr>
+          <p:cNvGrpSpPr/>
+          <p:nvPr/>
+        </p:nvGrpSpPr>
+        <p:grpSpPr>
+          <a:xfrm>
+            <a:off x="5512195" y="4929126"/>
+            <a:ext cx="6469907" cy="1167950"/>
+            <a:chOff x="5617156" y="2654428"/>
+            <a:chExt cx="6469907" cy="1167950"/>
+          </a:xfrm>
+        </p:grpSpPr>
+        <p:grpSp>
+          <p:nvGrpSpPr>
+            <p:cNvPr id="149" name="Group 148">
+              <a:extLst>
+                <a:ext uri="{FF2B5EF4-FFF2-40B4-BE49-F238E27FC236}">
+                  <a16:creationId xmlns:a16="http://schemas.microsoft.com/office/drawing/2014/main" id="{CF4CD092-7798-4098-921C-02502B202D19}"/>
+                </a:ext>
+              </a:extLst>
+            </p:cNvPr>
+            <p:cNvGrpSpPr/>
+            <p:nvPr/>
+          </p:nvGrpSpPr>
+          <p:grpSpPr>
+            <a:xfrm>
+              <a:off x="5617156" y="2654428"/>
+              <a:ext cx="6469907" cy="1167950"/>
+              <a:chOff x="5695890" y="335452"/>
+              <a:chExt cx="6469907" cy="1167950"/>
+            </a:xfrm>
+          </p:grpSpPr>
+          <p:sp>
+            <p:nvSpPr>
+              <p:cNvPr id="153" name="Rectangle 152">
+                <a:extLst>
+                  <a:ext uri="{FF2B5EF4-FFF2-40B4-BE49-F238E27FC236}">
+                    <a16:creationId xmlns:a16="http://schemas.microsoft.com/office/drawing/2014/main" id="{B666E1DF-D849-4EA0-8CFB-F55933E256A5}"/>
+                  </a:ext>
+                </a:extLst>
+              </p:cNvPr>
+              <p:cNvSpPr/>
+              <p:nvPr/>
+            </p:nvSpPr>
+            <p:spPr>
+              <a:xfrm>
+                <a:off x="5716663" y="731875"/>
+                <a:ext cx="1303568" cy="761251"/>
+              </a:xfrm>
+              <a:prstGeom prst="rect">
+                <a:avLst/>
+              </a:prstGeom>
+              <a:noFill/>
+              <a:ln w="38100">
+                <a:solidFill>
+                  <a:schemeClr val="tx1"/>
+                </a:solidFill>
+              </a:ln>
+            </p:spPr>
+            <p:style>
+              <a:lnRef idx="2">
+                <a:schemeClr val="accent1">
+                  <a:shade val="50000"/>
+                </a:schemeClr>
+              </a:lnRef>
+              <a:fillRef idx="1">
+                <a:schemeClr val="accent1"/>
+              </a:fillRef>
+              <a:effectRef idx="0">
+                <a:schemeClr val="accent1"/>
+              </a:effectRef>
+              <a:fontRef idx="minor">
+                <a:schemeClr val="lt1"/>
+              </a:fontRef>
+            </p:style>
+            <p:txBody>
+              <a:bodyPr rtlCol="0" anchor="ctr"/>
+              <a:lstStyle/>
+              <a:p>
+                <a:pPr algn="ctr"/>
+                <a:endParaRPr lang="zh-CN" altLang="en-US"/>
+              </a:p>
+            </p:txBody>
+          </p:sp>
+          <p:cxnSp>
+            <p:nvCxnSpPr>
+              <p:cNvPr id="154" name="Straight Arrow Connector 153">
+                <a:extLst>
+                  <a:ext uri="{FF2B5EF4-FFF2-40B4-BE49-F238E27FC236}">
+                    <a16:creationId xmlns:a16="http://schemas.microsoft.com/office/drawing/2014/main" id="{8498EB04-EF06-4B78-A27B-C7EC8B01529B}"/>
+                  </a:ext>
+                </a:extLst>
+              </p:cNvPr>
+              <p:cNvCxnSpPr>
+                <a:cxnSpLocks/>
+              </p:cNvCxnSpPr>
+              <p:nvPr/>
+            </p:nvCxnSpPr>
+            <p:spPr>
+              <a:xfrm>
+                <a:off x="6798311" y="943910"/>
+                <a:ext cx="866745" cy="0"/>
+              </a:xfrm>
+              <a:prstGeom prst="straightConnector1">
+                <a:avLst/>
+              </a:prstGeom>
+              <a:ln w="19050">
+                <a:solidFill>
+                  <a:schemeClr val="tx1"/>
+                </a:solidFill>
+                <a:tailEnd type="triangle"/>
+              </a:ln>
+            </p:spPr>
+            <p:style>
+              <a:lnRef idx="1">
+                <a:schemeClr val="accent1"/>
+              </a:lnRef>
+              <a:fillRef idx="0">
+                <a:schemeClr val="accent1"/>
+              </a:fillRef>
+              <a:effectRef idx="0">
+                <a:schemeClr val="accent1"/>
+              </a:effectRef>
+              <a:fontRef idx="minor">
+                <a:schemeClr val="tx1"/>
+              </a:fontRef>
+            </p:style>
+          </p:cxnSp>
+          <p:cxnSp>
+            <p:nvCxnSpPr>
+              <p:cNvPr id="155" name="Straight Arrow Connector 154">
+                <a:extLst>
+                  <a:ext uri="{FF2B5EF4-FFF2-40B4-BE49-F238E27FC236}">
+                    <a16:creationId xmlns:a16="http://schemas.microsoft.com/office/drawing/2014/main" id="{E0B44778-39A3-45C2-8EA1-CAB72DA17152}"/>
+                  </a:ext>
+                </a:extLst>
+              </p:cNvPr>
+              <p:cNvCxnSpPr>
+                <a:cxnSpLocks/>
+              </p:cNvCxnSpPr>
+              <p:nvPr/>
+            </p:nvCxnSpPr>
+            <p:spPr>
+              <a:xfrm>
+                <a:off x="8660605" y="943910"/>
+                <a:ext cx="1008831" cy="9619"/>
+              </a:xfrm>
+              <a:prstGeom prst="straightConnector1">
+                <a:avLst/>
+              </a:prstGeom>
+              <a:ln w="19050">
+                <a:solidFill>
+                  <a:schemeClr val="tx1"/>
+                </a:solidFill>
+                <a:tailEnd type="triangle"/>
+              </a:ln>
+            </p:spPr>
+            <p:style>
+              <a:lnRef idx="1">
+                <a:schemeClr val="accent1"/>
+              </a:lnRef>
+              <a:fillRef idx="0">
+                <a:schemeClr val="accent1"/>
+              </a:fillRef>
+              <a:effectRef idx="0">
+                <a:schemeClr val="accent1"/>
+              </a:effectRef>
+              <a:fontRef idx="minor">
+                <a:schemeClr val="tx1"/>
+              </a:fontRef>
+            </p:style>
+          </p:cxnSp>
+          <p:sp>
+            <p:nvSpPr>
+              <p:cNvPr id="156" name="TextBox 155">
+                <a:extLst>
+                  <a:ext uri="{FF2B5EF4-FFF2-40B4-BE49-F238E27FC236}">
+                    <a16:creationId xmlns:a16="http://schemas.microsoft.com/office/drawing/2014/main" id="{4510998B-28B8-4243-BF2D-2502C02DF0DB}"/>
+                  </a:ext>
+                </a:extLst>
+              </p:cNvPr>
+              <p:cNvSpPr txBox="1"/>
+              <p:nvPr/>
+            </p:nvSpPr>
+            <p:spPr>
+              <a:xfrm>
+                <a:off x="8965207" y="537211"/>
+                <a:ext cx="415498" cy="369332"/>
+              </a:xfrm>
+              <a:prstGeom prst="rect">
+                <a:avLst/>
+              </a:prstGeom>
+              <a:noFill/>
+            </p:spPr>
+            <p:txBody>
+              <a:bodyPr wrap="none" rtlCol="0">
+                <a:spAutoFit/>
+              </a:bodyPr>
+              <a:lstStyle/>
+              <a:p>
+                <a:r>
+                  <a:rPr lang="en-US" altLang="zh-CN" dirty="0"/>
+                  <a:t>…</a:t>
+                </a:r>
+                <a:endParaRPr lang="zh-CN" altLang="en-US" dirty="0"/>
+              </a:p>
+            </p:txBody>
+          </p:sp>
+          <p:sp>
+            <p:nvSpPr>
+              <p:cNvPr id="157" name="Rectangle 156">
+                <a:extLst>
+                  <a:ext uri="{FF2B5EF4-FFF2-40B4-BE49-F238E27FC236}">
+                    <a16:creationId xmlns:a16="http://schemas.microsoft.com/office/drawing/2014/main" id="{9C54B992-D62A-4A0D-A196-FDCC06D79BA5}"/>
+                  </a:ext>
+                </a:extLst>
+              </p:cNvPr>
+              <p:cNvSpPr/>
+              <p:nvPr/>
+            </p:nvSpPr>
+            <p:spPr>
+              <a:xfrm>
+                <a:off x="5695890" y="349210"/>
+                <a:ext cx="800219" cy="369332"/>
+              </a:xfrm>
+              <a:prstGeom prst="rect">
+                <a:avLst/>
+              </a:prstGeom>
+            </p:spPr>
+            <p:txBody>
+              <a:bodyPr wrap="none">
+                <a:spAutoFit/>
+              </a:bodyPr>
+              <a:lstStyle/>
+              <a:p>
+                <a:r>
+                  <a:rPr lang="en-US" altLang="zh-CN" dirty="0">
+                    <a:latin typeface="Times New Roman" panose="02020603050405020304" pitchFamily="18" charset="0"/>
+                    <a:cs typeface="Times New Roman" panose="02020603050405020304" pitchFamily="18" charset="0"/>
+                  </a:rPr>
+                  <a:t>Chunk</a:t>
+                </a:r>
+                <a:endParaRPr lang="zh-CN" altLang="en-US" dirty="0"/>
+              </a:p>
+            </p:txBody>
+          </p:sp>
+          <p:cxnSp>
+            <p:nvCxnSpPr>
+              <p:cNvPr id="158" name="Straight Arrow Connector 157">
+                <a:extLst>
+                  <a:ext uri="{FF2B5EF4-FFF2-40B4-BE49-F238E27FC236}">
+                    <a16:creationId xmlns:a16="http://schemas.microsoft.com/office/drawing/2014/main" id="{F8EB0980-3443-421B-AB8F-AED250724135}"/>
+                  </a:ext>
+                </a:extLst>
+              </p:cNvPr>
+              <p:cNvCxnSpPr>
+                <a:cxnSpLocks/>
+              </p:cNvCxnSpPr>
+              <p:nvPr/>
+            </p:nvCxnSpPr>
+            <p:spPr>
+              <a:xfrm>
+                <a:off x="10670932" y="953821"/>
+                <a:ext cx="748519" cy="14433"/>
+              </a:xfrm>
+              <a:prstGeom prst="straightConnector1">
+                <a:avLst/>
+              </a:prstGeom>
+              <a:ln w="19050">
+                <a:solidFill>
+                  <a:schemeClr val="tx1"/>
+                </a:solidFill>
+                <a:tailEnd type="triangle"/>
+              </a:ln>
+            </p:spPr>
+            <p:style>
+              <a:lnRef idx="1">
+                <a:schemeClr val="accent1"/>
+              </a:lnRef>
+              <a:fillRef idx="0">
+                <a:schemeClr val="accent1"/>
+              </a:fillRef>
+              <a:effectRef idx="0">
+                <a:schemeClr val="accent1"/>
+              </a:effectRef>
+              <a:fontRef idx="minor">
+                <a:schemeClr val="tx1"/>
+              </a:fontRef>
+            </p:style>
+          </p:cxnSp>
+          <p:sp>
+            <p:nvSpPr>
+              <p:cNvPr id="159" name="Rectangle 158">
+                <a:extLst>
+                  <a:ext uri="{FF2B5EF4-FFF2-40B4-BE49-F238E27FC236}">
+                    <a16:creationId xmlns:a16="http://schemas.microsoft.com/office/drawing/2014/main" id="{7E8A7C76-1706-485C-95A7-1A4C857FD405}"/>
+                  </a:ext>
+                </a:extLst>
+              </p:cNvPr>
+              <p:cNvSpPr/>
+              <p:nvPr/>
+            </p:nvSpPr>
+            <p:spPr>
+              <a:xfrm>
+                <a:off x="11365578" y="783588"/>
+                <a:ext cx="800219" cy="369332"/>
+              </a:xfrm>
+              <a:prstGeom prst="rect">
+                <a:avLst/>
+              </a:prstGeom>
+            </p:spPr>
+            <p:txBody>
+              <a:bodyPr wrap="none">
+                <a:spAutoFit/>
+              </a:bodyPr>
+              <a:lstStyle/>
+              <a:p>
+                <a:r>
+                  <a:rPr lang="en-US" altLang="zh-CN" dirty="0">
+                    <a:latin typeface="Times New Roman" panose="02020603050405020304" pitchFamily="18" charset="0"/>
+                    <a:cs typeface="Times New Roman" panose="02020603050405020304" pitchFamily="18" charset="0"/>
+                  </a:rPr>
+                  <a:t>NULL</a:t>
+                </a:r>
+                <a:endParaRPr lang="zh-CN" altLang="en-US" dirty="0"/>
+              </a:p>
+            </p:txBody>
+          </p:sp>
+          <p:sp>
+            <p:nvSpPr>
+              <p:cNvPr id="160" name="Rectangle 159">
+                <a:extLst>
+                  <a:ext uri="{FF2B5EF4-FFF2-40B4-BE49-F238E27FC236}">
+                    <a16:creationId xmlns:a16="http://schemas.microsoft.com/office/drawing/2014/main" id="{63FFC677-45A5-4B89-8D78-111168A135CE}"/>
+                  </a:ext>
+                </a:extLst>
+              </p:cNvPr>
+              <p:cNvSpPr/>
+              <p:nvPr/>
+            </p:nvSpPr>
+            <p:spPr>
+              <a:xfrm>
+                <a:off x="5719790" y="1036810"/>
+                <a:ext cx="1233030" cy="369332"/>
+              </a:xfrm>
+              <a:prstGeom prst="rect">
+                <a:avLst/>
+              </a:prstGeom>
+            </p:spPr>
+            <p:txBody>
+              <a:bodyPr wrap="none">
+                <a:spAutoFit/>
+              </a:bodyPr>
+              <a:lstStyle/>
+              <a:p>
+                <a:r>
+                  <a:rPr lang="en-US" altLang="zh-CN" dirty="0">
+                    <a:latin typeface="Times New Roman" panose="02020603050405020304" pitchFamily="18" charset="0"/>
+                    <a:cs typeface="Times New Roman" panose="02020603050405020304" pitchFamily="18" charset="0"/>
+                  </a:rPr>
+                  <a:t>Char name</a:t>
+                </a:r>
+                <a:endParaRPr lang="zh-CN" altLang="en-US" dirty="0"/>
+              </a:p>
+            </p:txBody>
+          </p:sp>
+          <p:sp>
+            <p:nvSpPr>
+              <p:cNvPr id="161" name="Rectangle 160">
+                <a:extLst>
+                  <a:ext uri="{FF2B5EF4-FFF2-40B4-BE49-F238E27FC236}">
+                    <a16:creationId xmlns:a16="http://schemas.microsoft.com/office/drawing/2014/main" id="{4E2CAE5F-A69A-4C1B-989A-11D61CE341F7}"/>
+                  </a:ext>
+                </a:extLst>
+              </p:cNvPr>
+              <p:cNvSpPr/>
+              <p:nvPr/>
+            </p:nvSpPr>
+            <p:spPr>
+              <a:xfrm>
+                <a:off x="7442526" y="720465"/>
+                <a:ext cx="1303568" cy="761251"/>
+              </a:xfrm>
+              <a:prstGeom prst="rect">
+                <a:avLst/>
+              </a:prstGeom>
+              <a:noFill/>
+              <a:ln w="38100">
+                <a:solidFill>
+                  <a:schemeClr val="tx1"/>
+                </a:solidFill>
+              </a:ln>
+            </p:spPr>
+            <p:style>
+              <a:lnRef idx="2">
+                <a:schemeClr val="accent1">
+                  <a:shade val="50000"/>
+                </a:schemeClr>
+              </a:lnRef>
+              <a:fillRef idx="1">
+                <a:schemeClr val="accent1"/>
+              </a:fillRef>
+              <a:effectRef idx="0">
+                <a:schemeClr val="accent1"/>
+              </a:effectRef>
+              <a:fontRef idx="minor">
+                <a:schemeClr val="lt1"/>
+              </a:fontRef>
+            </p:style>
+            <p:txBody>
+              <a:bodyPr rtlCol="0" anchor="ctr"/>
+              <a:lstStyle/>
+              <a:p>
+                <a:pPr algn="ctr"/>
+                <a:endParaRPr lang="zh-CN" altLang="en-US"/>
+              </a:p>
+            </p:txBody>
+          </p:sp>
+          <p:sp>
+            <p:nvSpPr>
+              <p:cNvPr id="162" name="Rectangle 161">
+                <a:extLst>
+                  <a:ext uri="{FF2B5EF4-FFF2-40B4-BE49-F238E27FC236}">
+                    <a16:creationId xmlns:a16="http://schemas.microsoft.com/office/drawing/2014/main" id="{95C71E68-C73B-4EAE-8595-092FD63B198B}"/>
+                  </a:ext>
+                </a:extLst>
+              </p:cNvPr>
+              <p:cNvSpPr/>
+              <p:nvPr/>
+            </p:nvSpPr>
+            <p:spPr>
+              <a:xfrm>
+                <a:off x="7406213" y="1101090"/>
+                <a:ext cx="1191352" cy="369332"/>
+              </a:xfrm>
+              <a:prstGeom prst="rect">
+                <a:avLst/>
+              </a:prstGeom>
+            </p:spPr>
+            <p:txBody>
+              <a:bodyPr wrap="none">
+                <a:spAutoFit/>
+              </a:bodyPr>
+              <a:lstStyle/>
+              <a:p>
+                <a:r>
+                  <a:rPr lang="en-US" altLang="zh-CN" dirty="0">
+                    <a:latin typeface="Times New Roman" panose="02020603050405020304" pitchFamily="18" charset="0"/>
+                    <a:cs typeface="Times New Roman" panose="02020603050405020304" pitchFamily="18" charset="0"/>
+                  </a:rPr>
+                  <a:t>Char name</a:t>
+                </a:r>
+                <a:endParaRPr lang="zh-CN" altLang="en-US" dirty="0"/>
+              </a:p>
+            </p:txBody>
+          </p:sp>
+          <p:sp>
+            <p:nvSpPr>
+              <p:cNvPr id="163" name="Rectangle 162">
+                <a:extLst>
+                  <a:ext uri="{FF2B5EF4-FFF2-40B4-BE49-F238E27FC236}">
+                    <a16:creationId xmlns:a16="http://schemas.microsoft.com/office/drawing/2014/main" id="{AF1ADCCF-A759-46DD-A272-E684BD765352}"/>
+                  </a:ext>
+                </a:extLst>
+              </p:cNvPr>
+              <p:cNvSpPr/>
+              <p:nvPr/>
+            </p:nvSpPr>
+            <p:spPr>
+              <a:xfrm>
+                <a:off x="9541264" y="742151"/>
+                <a:ext cx="1303568" cy="761251"/>
+              </a:xfrm>
+              <a:prstGeom prst="rect">
+                <a:avLst/>
+              </a:prstGeom>
+              <a:noFill/>
+              <a:ln w="38100">
+                <a:solidFill>
+                  <a:schemeClr val="tx1"/>
+                </a:solidFill>
+              </a:ln>
+            </p:spPr>
+            <p:style>
+              <a:lnRef idx="2">
+                <a:schemeClr val="accent1">
+                  <a:shade val="50000"/>
+                </a:schemeClr>
+              </a:lnRef>
+              <a:fillRef idx="1">
+                <a:schemeClr val="accent1"/>
+              </a:fillRef>
+              <a:effectRef idx="0">
+                <a:schemeClr val="accent1"/>
+              </a:effectRef>
+              <a:fontRef idx="minor">
+                <a:schemeClr val="lt1"/>
+              </a:fontRef>
+            </p:style>
+            <p:txBody>
+              <a:bodyPr rtlCol="0" anchor="ctr"/>
+              <a:lstStyle/>
+              <a:p>
+                <a:pPr algn="ctr"/>
+                <a:endParaRPr lang="zh-CN" altLang="en-US"/>
+              </a:p>
+            </p:txBody>
+          </p:sp>
+          <p:sp>
+            <p:nvSpPr>
+              <p:cNvPr id="164" name="Rectangle 163">
+                <a:extLst>
+                  <a:ext uri="{FF2B5EF4-FFF2-40B4-BE49-F238E27FC236}">
+                    <a16:creationId xmlns:a16="http://schemas.microsoft.com/office/drawing/2014/main" id="{DB5BC28B-D003-4354-B615-BAC6DCDCC5BF}"/>
+                  </a:ext>
+                </a:extLst>
+              </p:cNvPr>
+              <p:cNvSpPr/>
+              <p:nvPr/>
+            </p:nvSpPr>
+            <p:spPr>
+              <a:xfrm>
+                <a:off x="9634120" y="1105794"/>
+                <a:ext cx="1191352" cy="369332"/>
+              </a:xfrm>
+              <a:prstGeom prst="rect">
+                <a:avLst/>
+              </a:prstGeom>
+            </p:spPr>
+            <p:txBody>
+              <a:bodyPr wrap="none">
+                <a:spAutoFit/>
+              </a:bodyPr>
+              <a:lstStyle/>
+              <a:p>
+                <a:r>
+                  <a:rPr lang="en-US" altLang="zh-CN" dirty="0">
+                    <a:latin typeface="Times New Roman" panose="02020603050405020304" pitchFamily="18" charset="0"/>
+                    <a:cs typeface="Times New Roman" panose="02020603050405020304" pitchFamily="18" charset="0"/>
+                  </a:rPr>
+                  <a:t>Char name</a:t>
+                </a:r>
+                <a:endParaRPr lang="zh-CN" altLang="en-US" dirty="0"/>
+              </a:p>
+            </p:txBody>
+          </p:sp>
+          <p:sp>
+            <p:nvSpPr>
+              <p:cNvPr id="165" name="Rectangle 164">
+                <a:extLst>
+                  <a:ext uri="{FF2B5EF4-FFF2-40B4-BE49-F238E27FC236}">
+                    <a16:creationId xmlns:a16="http://schemas.microsoft.com/office/drawing/2014/main" id="{7F7CD524-7901-4A70-9140-0353E7DB1618}"/>
+                  </a:ext>
+                </a:extLst>
+              </p:cNvPr>
+              <p:cNvSpPr/>
+              <p:nvPr/>
+            </p:nvSpPr>
+            <p:spPr>
+              <a:xfrm>
+                <a:off x="7348245" y="349210"/>
+                <a:ext cx="800219" cy="369332"/>
+              </a:xfrm>
+              <a:prstGeom prst="rect">
+                <a:avLst/>
+              </a:prstGeom>
+            </p:spPr>
+            <p:txBody>
+              <a:bodyPr wrap="none">
+                <a:spAutoFit/>
+              </a:bodyPr>
+              <a:lstStyle/>
+              <a:p>
+                <a:r>
+                  <a:rPr lang="en-US" altLang="zh-CN" dirty="0">
+                    <a:latin typeface="Times New Roman" panose="02020603050405020304" pitchFamily="18" charset="0"/>
+                    <a:cs typeface="Times New Roman" panose="02020603050405020304" pitchFamily="18" charset="0"/>
+                  </a:rPr>
+                  <a:t>Chunk</a:t>
+                </a:r>
+                <a:endParaRPr lang="zh-CN" altLang="en-US" dirty="0"/>
+              </a:p>
+            </p:txBody>
+          </p:sp>
+          <p:sp>
+            <p:nvSpPr>
+              <p:cNvPr id="166" name="Rectangle 165">
+                <a:extLst>
+                  <a:ext uri="{FF2B5EF4-FFF2-40B4-BE49-F238E27FC236}">
+                    <a16:creationId xmlns:a16="http://schemas.microsoft.com/office/drawing/2014/main" id="{D79B35A9-51A3-43C3-9803-411DAD241CEC}"/>
+                  </a:ext>
+                </a:extLst>
+              </p:cNvPr>
+              <p:cNvSpPr/>
+              <p:nvPr/>
+            </p:nvSpPr>
+            <p:spPr>
+              <a:xfrm>
+                <a:off x="9429577" y="335452"/>
+                <a:ext cx="800219" cy="369332"/>
+              </a:xfrm>
+              <a:prstGeom prst="rect">
+                <a:avLst/>
+              </a:prstGeom>
+            </p:spPr>
+            <p:txBody>
+              <a:bodyPr wrap="none">
+                <a:spAutoFit/>
+              </a:bodyPr>
+              <a:lstStyle/>
+              <a:p>
+                <a:r>
+                  <a:rPr lang="en-US" altLang="zh-CN" dirty="0">
+                    <a:latin typeface="Times New Roman" panose="02020603050405020304" pitchFamily="18" charset="0"/>
+                    <a:cs typeface="Times New Roman" panose="02020603050405020304" pitchFamily="18" charset="0"/>
+                  </a:rPr>
+                  <a:t>Chunk</a:t>
+                </a:r>
+                <a:endParaRPr lang="zh-CN" altLang="en-US" dirty="0"/>
+              </a:p>
+            </p:txBody>
+          </p:sp>
+        </p:grpSp>
+        <p:sp>
+          <p:nvSpPr>
+            <p:cNvPr id="150" name="Rectangle 149">
+              <a:extLst>
+                <a:ext uri="{FF2B5EF4-FFF2-40B4-BE49-F238E27FC236}">
+                  <a16:creationId xmlns:a16="http://schemas.microsoft.com/office/drawing/2014/main" id="{9A325ACD-0874-445B-A97F-3285F849FE29}"/>
+                </a:ext>
+              </a:extLst>
+            </p:cNvPr>
+            <p:cNvSpPr/>
+            <p:nvPr/>
+          </p:nvSpPr>
+          <p:spPr>
+            <a:xfrm>
+              <a:off x="5746234" y="3062906"/>
+              <a:ext cx="973343" cy="369332"/>
+            </a:xfrm>
+            <a:prstGeom prst="rect">
+              <a:avLst/>
+            </a:prstGeom>
+          </p:spPr>
+          <p:txBody>
+            <a:bodyPr wrap="none">
+              <a:spAutoFit/>
+            </a:bodyPr>
+            <a:lstStyle/>
+            <a:p>
+              <a:r>
+                <a:rPr lang="en-US" altLang="zh-CN" dirty="0">
+                  <a:latin typeface="Times New Roman" panose="02020603050405020304" pitchFamily="18" charset="0"/>
+                  <a:cs typeface="Times New Roman" panose="02020603050405020304" pitchFamily="18" charset="0"/>
+                </a:rPr>
+                <a:t>Chunk *</a:t>
+              </a:r>
+              <a:endParaRPr lang="zh-CN" altLang="en-US" dirty="0"/>
+            </a:p>
+          </p:txBody>
+        </p:sp>
+        <p:sp>
+          <p:nvSpPr>
+            <p:cNvPr id="151" name="Rectangle 150">
+              <a:extLst>
+                <a:ext uri="{FF2B5EF4-FFF2-40B4-BE49-F238E27FC236}">
+                  <a16:creationId xmlns:a16="http://schemas.microsoft.com/office/drawing/2014/main" id="{CE34FEAD-0279-4D0D-9E76-DA7A611DAD53}"/>
+                </a:ext>
+              </a:extLst>
+            </p:cNvPr>
+            <p:cNvSpPr/>
+            <p:nvPr/>
+          </p:nvSpPr>
+          <p:spPr>
+            <a:xfrm>
+              <a:off x="7565037" y="3062906"/>
+              <a:ext cx="973343" cy="369332"/>
+            </a:xfrm>
+            <a:prstGeom prst="rect">
+              <a:avLst/>
+            </a:prstGeom>
+          </p:spPr>
+          <p:txBody>
+            <a:bodyPr wrap="none">
+              <a:spAutoFit/>
+            </a:bodyPr>
+            <a:lstStyle/>
+            <a:p>
+              <a:r>
+                <a:rPr lang="en-US" altLang="zh-CN" dirty="0">
+                  <a:latin typeface="Times New Roman" panose="02020603050405020304" pitchFamily="18" charset="0"/>
+                  <a:cs typeface="Times New Roman" panose="02020603050405020304" pitchFamily="18" charset="0"/>
+                </a:rPr>
+                <a:t>Chunk *</a:t>
+              </a:r>
+              <a:endParaRPr lang="zh-CN" altLang="en-US" dirty="0"/>
+            </a:p>
+          </p:txBody>
+        </p:sp>
+        <p:sp>
+          <p:nvSpPr>
+            <p:cNvPr id="152" name="Rectangle 151">
+              <a:extLst>
+                <a:ext uri="{FF2B5EF4-FFF2-40B4-BE49-F238E27FC236}">
+                  <a16:creationId xmlns:a16="http://schemas.microsoft.com/office/drawing/2014/main" id="{D4502721-95CD-4261-AFBE-D901D8D7D518}"/>
+                </a:ext>
+              </a:extLst>
+            </p:cNvPr>
+            <p:cNvSpPr/>
+            <p:nvPr/>
+          </p:nvSpPr>
+          <p:spPr>
+            <a:xfrm>
+              <a:off x="9632196" y="3071403"/>
+              <a:ext cx="973343" cy="369332"/>
+            </a:xfrm>
+            <a:prstGeom prst="rect">
+              <a:avLst/>
+            </a:prstGeom>
+          </p:spPr>
+          <p:txBody>
+            <a:bodyPr wrap="none">
+              <a:spAutoFit/>
+            </a:bodyPr>
+            <a:lstStyle/>
+            <a:p>
+              <a:r>
+                <a:rPr lang="en-US" altLang="zh-CN" dirty="0">
+                  <a:latin typeface="Times New Roman" panose="02020603050405020304" pitchFamily="18" charset="0"/>
+                  <a:cs typeface="Times New Roman" panose="02020603050405020304" pitchFamily="18" charset="0"/>
+                </a:rPr>
+                <a:t>Chunk *</a:t>
+              </a:r>
+              <a:endParaRPr lang="zh-CN" altLang="en-US" dirty="0"/>
+            </a:p>
+          </p:txBody>
+        </p:sp>
+      </p:grpSp>
+      <p:sp>
+        <p:nvSpPr>
+          <p:cNvPr id="167" name="TextBox 166">
+            <a:extLst>
+              <a:ext uri="{FF2B5EF4-FFF2-40B4-BE49-F238E27FC236}">
+                <a16:creationId xmlns:a16="http://schemas.microsoft.com/office/drawing/2014/main" id="{A9A5FAA9-09C5-44B0-BFAC-C4A38B1ABAF5}"/>
+              </a:ext>
+            </a:extLst>
+          </p:cNvPr>
+          <p:cNvSpPr txBox="1"/>
+          <p:nvPr/>
+        </p:nvSpPr>
+        <p:spPr>
+          <a:xfrm>
+            <a:off x="191466" y="5526582"/>
+            <a:ext cx="5287350" cy="1200329"/>
+          </a:xfrm>
+          <a:prstGeom prst="rect">
+            <a:avLst/>
+          </a:prstGeom>
+          <a:noFill/>
+        </p:spPr>
+        <p:txBody>
+          <a:bodyPr wrap="square" rtlCol="0">
+            <a:spAutoFit/>
+          </a:bodyPr>
+          <a:lstStyle/>
+          <a:p>
+            <a:r>
+              <a:rPr lang="en-US" altLang="zh-CN" dirty="0">
+                <a:solidFill>
+                  <a:schemeClr val="accent6"/>
+                </a:solidFill>
+                <a:latin typeface="Times New Roman" panose="02020603050405020304" pitchFamily="18" charset="0"/>
+                <a:cs typeface="Times New Roman" panose="02020603050405020304" pitchFamily="18" charset="0"/>
+              </a:rPr>
+              <a:t>Note that the UT-hash in the class filename take the data structure itself as the ‘value part’ in key-value pair. We use the simplified, more common form of dictionary structure.</a:t>
+            </a:r>
+            <a:endParaRPr lang="zh-CN" altLang="en-US" dirty="0">
+              <a:solidFill>
+                <a:schemeClr val="accent6"/>
+              </a:solidFill>
+              <a:latin typeface="Times New Roman" panose="02020603050405020304" pitchFamily="18" charset="0"/>
+              <a:cs typeface="Times New Roman" panose="02020603050405020304" pitchFamily="18" charset="0"/>
+            </a:endParaRPr>
+          </a:p>
+        </p:txBody>
+      </p:sp>
+      <p:sp>
+        <p:nvSpPr>
+          <p:cNvPr id="40" name="Rectangle 39">
+            <a:extLst>
+              <a:ext uri="{FF2B5EF4-FFF2-40B4-BE49-F238E27FC236}">
+                <a16:creationId xmlns:a16="http://schemas.microsoft.com/office/drawing/2014/main" id="{501EC000-8274-4D9E-9901-75AC95501740}"/>
+              </a:ext>
+            </a:extLst>
+          </p:cNvPr>
+          <p:cNvSpPr/>
+          <p:nvPr/>
+        </p:nvSpPr>
+        <p:spPr>
+          <a:xfrm>
+            <a:off x="344993" y="325402"/>
+            <a:ext cx="2977097" cy="461665"/>
+          </a:xfrm>
+          <a:prstGeom prst="rect">
+            <a:avLst/>
+          </a:prstGeom>
+        </p:spPr>
+        <p:txBody>
+          <a:bodyPr wrap="none">
+            <a:spAutoFit/>
+          </a:bodyPr>
+          <a:lstStyle/>
+          <a:p>
+            <a:r>
+              <a:rPr lang="en-US" altLang="zh-CN" sz="2400" b="1" dirty="0" err="1">
+                <a:latin typeface="Times New Roman" panose="02020603050405020304" pitchFamily="18" charset="0"/>
+                <a:cs typeface="Times New Roman" panose="02020603050405020304" pitchFamily="18" charset="0"/>
+              </a:rPr>
+              <a:t>File_name</a:t>
+            </a:r>
+            <a:r>
+              <a:rPr lang="en-US" altLang="zh-CN" sz="2400" b="1" dirty="0">
+                <a:latin typeface="Times New Roman" panose="02020603050405020304" pitchFamily="18" charset="0"/>
+                <a:cs typeface="Times New Roman" panose="02020603050405020304" pitchFamily="18" charset="0"/>
+              </a:rPr>
+              <a:t> dictionary</a:t>
+            </a:r>
+            <a:endParaRPr lang="zh-CN" altLang="en-US" sz="2400" b="1" dirty="0"/>
+          </a:p>
+        </p:txBody>
+      </p:sp>
+    </p:spTree>
+    <p:extLst>
+      <p:ext uri="{BB962C8B-B14F-4D97-AF65-F5344CB8AC3E}">
+        <p14:creationId xmlns:p14="http://schemas.microsoft.com/office/powerpoint/2010/main" val="1685459454"/>
       </p:ext>
     </p:extLst>
   </p:cSld>
